--- a/docs/brainpy_handbook/ppt/syns.pptx
+++ b/docs/brainpy_handbook/ppt/syns.pptx
@@ -7,21 +7,25 @@
   <p:sldIdLst>
     <p:sldId id="258" r:id="rId3"/>
     <p:sldId id="259" r:id="rId4"/>
-    <p:sldId id="260" r:id="rId5"/>
-    <p:sldId id="262" r:id="rId6"/>
-    <p:sldId id="261" r:id="rId7"/>
-    <p:sldId id="264" r:id="rId8"/>
-    <p:sldId id="267" r:id="rId9"/>
-    <p:sldId id="265" r:id="rId10"/>
-    <p:sldId id="266" r:id="rId11"/>
-    <p:sldId id="270" r:id="rId12"/>
-    <p:sldId id="271" r:id="rId13"/>
-    <p:sldId id="272" r:id="rId14"/>
-    <p:sldId id="273" r:id="rId15"/>
-    <p:sldId id="274" r:id="rId16"/>
-    <p:sldId id="275" r:id="rId17"/>
-    <p:sldId id="276" r:id="rId18"/>
-    <p:sldId id="277" r:id="rId19"/>
+    <p:sldId id="279" r:id="rId5"/>
+    <p:sldId id="280" r:id="rId6"/>
+    <p:sldId id="281" r:id="rId7"/>
+    <p:sldId id="282" r:id="rId8"/>
+    <p:sldId id="260" r:id="rId9"/>
+    <p:sldId id="262" r:id="rId10"/>
+    <p:sldId id="261" r:id="rId11"/>
+    <p:sldId id="264" r:id="rId12"/>
+    <p:sldId id="267" r:id="rId13"/>
+    <p:sldId id="265" r:id="rId14"/>
+    <p:sldId id="266" r:id="rId15"/>
+    <p:sldId id="270" r:id="rId16"/>
+    <p:sldId id="271" r:id="rId17"/>
+    <p:sldId id="272" r:id="rId18"/>
+    <p:sldId id="273" r:id="rId19"/>
+    <p:sldId id="274" r:id="rId20"/>
+    <p:sldId id="275" r:id="rId21"/>
+    <p:sldId id="276" r:id="rId22"/>
+    <p:sldId id="277" r:id="rId23"/>
   </p:sldIdLst>
   <p:sldSz cx="13716000" cy="18288000"/>
   <p:notesSz cx="7103745" cy="10234295"/>
@@ -3228,7 +3232,7 @@
         </p:nvSpPr>
         <p:spPr>
           <a:xfrm>
-            <a:off x="8235894" y="15786450"/>
+            <a:off x="8204144" y="15659450"/>
             <a:ext cx="216000" cy="1044000"/>
           </a:xfrm>
           <a:prstGeom prst="rightBrace">
@@ -3270,7 +3274,7 @@
         </p:nvSpPr>
         <p:spPr>
           <a:xfrm>
-            <a:off x="8738870" y="15786735"/>
+            <a:off x="8707120" y="15659735"/>
             <a:ext cx="3803650" cy="1014730"/>
           </a:xfrm>
           <a:prstGeom prst="rect">
@@ -3371,6 +3375,1251 @@
               <a:rPr lang="en-US" altLang="zh-CN" sz="5400">
                 <a:cs typeface="+mj-lt"/>
               </a:rPr>
+              <a:t>Voltage jump</a:t>
+            </a:r>
+            <a:endParaRPr lang="en-US" altLang="zh-CN" sz="5400">
+              <a:cs typeface="+mj-lt"/>
+            </a:endParaRPr>
+          </a:p>
+        </p:txBody>
+      </p:sp>
+      <p:pic>
+        <p:nvPicPr>
+          <p:cNvPr id="5" name="图片 4" descr="/Users/mac/Documents/github/BrainPy-Models/docs/brainpy_handbook/ppt/figs/vj.pngvj"/>
+          <p:cNvPicPr>
+            <a:picLocks noChangeAspect="1"/>
+          </p:cNvPicPr>
+          <p:nvPr/>
+        </p:nvPicPr>
+        <p:blipFill>
+          <a:blip r:embed="rId1"/>
+          <a:srcRect/>
+          <a:stretch>
+            <a:fillRect/>
+          </a:stretch>
+        </p:blipFill>
+        <p:spPr>
+          <a:xfrm>
+            <a:off x="0" y="2016913"/>
+            <a:ext cx="10718825" cy="6921500"/>
+          </a:xfrm>
+          <a:prstGeom prst="rect">
+            <a:avLst/>
+          </a:prstGeom>
+        </p:spPr>
+      </p:pic>
+      <p:cxnSp>
+        <p:nvCxnSpPr>
+          <p:cNvPr id="23" name="直接箭头连接符 22"/>
+          <p:cNvCxnSpPr/>
+          <p:nvPr/>
+        </p:nvCxnSpPr>
+        <p:spPr>
+          <a:xfrm>
+            <a:off x="6476239" y="7793355"/>
+            <a:ext cx="2808000" cy="0"/>
+          </a:xfrm>
+          <a:prstGeom prst="straightConnector1">
+            <a:avLst/>
+          </a:prstGeom>
+          <a:ln>
+            <a:solidFill>
+              <a:schemeClr val="tx1"/>
+            </a:solidFill>
+            <a:tailEnd type="arrow"/>
+          </a:ln>
+        </p:spPr>
+        <p:style>
+          <a:lnRef idx="1">
+            <a:schemeClr val="accent1"/>
+          </a:lnRef>
+          <a:fillRef idx="0">
+            <a:schemeClr val="accent1"/>
+          </a:fillRef>
+          <a:effectRef idx="0">
+            <a:schemeClr val="accent1"/>
+          </a:effectRef>
+          <a:fontRef idx="minor">
+            <a:schemeClr val="tx1"/>
+          </a:fontRef>
+        </p:style>
+      </p:cxnSp>
+      <p:sp>
+        <p:nvSpPr>
+          <p:cNvPr id="11" name="文本框 10"/>
+          <p:cNvSpPr txBox="1"/>
+          <p:nvPr/>
+        </p:nvSpPr>
+        <p:spPr>
+          <a:xfrm>
+            <a:off x="9443085" y="7593965"/>
+            <a:ext cx="3689350" cy="398780"/>
+          </a:xfrm>
+          <a:prstGeom prst="rect">
+            <a:avLst/>
+          </a:prstGeom>
+          <a:noFill/>
+        </p:spPr>
+        <p:txBody>
+          <a:bodyPr wrap="square" rtlCol="0">
+            <a:spAutoFit/>
+          </a:bodyPr>
+          <a:p>
+            <a:r>
+              <a:rPr lang="en-US" altLang="zh-CN" sz="2000"/>
+              <a:t>if (pre spike), then s = s + 1</a:t>
+            </a:r>
+            <a:endParaRPr lang="en-US" altLang="zh-CN" sz="2000"/>
+          </a:p>
+        </p:txBody>
+      </p:sp>
+    </p:spTree>
+  </p:cSld>
+  <p:clrMapOvr>
+    <a:masterClrMapping/>
+  </p:clrMapOvr>
+</p:sld>
+</file>
+
+<file path=ppt/slides/slide11.xml><?xml version="1.0" encoding="utf-8"?>
+<p:sld xmlns:a="http://schemas.openxmlformats.org/drawingml/2006/main" xmlns:r="http://schemas.openxmlformats.org/officeDocument/2006/relationships" xmlns:p="http://schemas.openxmlformats.org/presentationml/2006/main">
+  <p:cSld>
+    <p:spTree>
+      <p:nvGrpSpPr>
+        <p:cNvPr id="1" name=""/>
+        <p:cNvGrpSpPr/>
+        <p:nvPr/>
+      </p:nvGrpSpPr>
+      <p:grpSpPr/>
+      <p:sp>
+        <p:nvSpPr>
+          <p:cNvPr id="2" name="标题 1"/>
+          <p:cNvSpPr>
+            <a:spLocks noGrp="1"/>
+          </p:cNvSpPr>
+          <p:nvPr>
+            <p:ph type="title"/>
+          </p:nvPr>
+        </p:nvSpPr>
+        <p:spPr>
+          <a:xfrm>
+            <a:off x="942975" y="528320"/>
+            <a:ext cx="11830050" cy="1216660"/>
+          </a:xfrm>
+        </p:spPr>
+        <p:txBody>
+          <a:bodyPr/>
+          <a:p>
+            <a:pPr algn="ctr"/>
+            <a:r>
+              <a:rPr lang="en-US" altLang="zh-CN" sz="5400">
+                <a:solidFill>
+                  <a:srgbClr val="FF0000"/>
+                </a:solidFill>
+                <a:cs typeface="+mj-lt"/>
+              </a:rPr>
+              <a:t>Voltage jump (V)</a:t>
+            </a:r>
+            <a:endParaRPr lang="en-US" altLang="zh-CN" sz="5400">
+              <a:solidFill>
+                <a:srgbClr val="FF0000"/>
+              </a:solidFill>
+              <a:cs typeface="+mj-lt"/>
+            </a:endParaRPr>
+          </a:p>
+        </p:txBody>
+      </p:sp>
+      <p:pic>
+        <p:nvPicPr>
+          <p:cNvPr id="5" name="图片 4" descr="/Users/mac/Documents/github/BrainPy-Models/docs/brainpy_handbook/ppt/figs/vj_lif.pngvj_lif"/>
+          <p:cNvPicPr>
+            <a:picLocks noChangeAspect="1"/>
+          </p:cNvPicPr>
+          <p:nvPr/>
+        </p:nvPicPr>
+        <p:blipFill>
+          <a:blip r:embed="rId1"/>
+          <a:srcRect/>
+          <a:stretch>
+            <a:fillRect/>
+          </a:stretch>
+        </p:blipFill>
+        <p:spPr>
+          <a:xfrm>
+            <a:off x="366395" y="2034693"/>
+            <a:ext cx="10667619" cy="12458700"/>
+          </a:xfrm>
+          <a:prstGeom prst="rect">
+            <a:avLst/>
+          </a:prstGeom>
+        </p:spPr>
+      </p:pic>
+      <p:cxnSp>
+        <p:nvCxnSpPr>
+          <p:cNvPr id="23" name="直接箭头连接符 22"/>
+          <p:cNvCxnSpPr/>
+          <p:nvPr/>
+        </p:nvCxnSpPr>
+        <p:spPr>
+          <a:xfrm>
+            <a:off x="6876000" y="10443210"/>
+            <a:ext cx="2520000" cy="0"/>
+          </a:xfrm>
+          <a:prstGeom prst="straightConnector1">
+            <a:avLst/>
+          </a:prstGeom>
+          <a:ln>
+            <a:solidFill>
+              <a:schemeClr val="tx1"/>
+            </a:solidFill>
+            <a:tailEnd type="arrow"/>
+          </a:ln>
+        </p:spPr>
+        <p:style>
+          <a:lnRef idx="1">
+            <a:schemeClr val="accent1"/>
+          </a:lnRef>
+          <a:fillRef idx="0">
+            <a:schemeClr val="accent1"/>
+          </a:fillRef>
+          <a:effectRef idx="0">
+            <a:schemeClr val="accent1"/>
+          </a:effectRef>
+          <a:fontRef idx="minor">
+            <a:schemeClr val="tx1"/>
+          </a:fontRef>
+        </p:style>
+      </p:cxnSp>
+      <p:sp>
+        <p:nvSpPr>
+          <p:cNvPr id="11" name="文本框 10"/>
+          <p:cNvSpPr txBox="1"/>
+          <p:nvPr/>
+        </p:nvSpPr>
+        <p:spPr>
+          <a:xfrm>
+            <a:off x="9444355" y="10243820"/>
+            <a:ext cx="3689350" cy="398780"/>
+          </a:xfrm>
+          <a:prstGeom prst="rect">
+            <a:avLst/>
+          </a:prstGeom>
+          <a:noFill/>
+        </p:spPr>
+        <p:txBody>
+          <a:bodyPr wrap="square" rtlCol="0">
+            <a:spAutoFit/>
+          </a:bodyPr>
+          <a:p>
+            <a:r>
+              <a:rPr lang="en-US" altLang="zh-CN" sz="2000"/>
+              <a:t>if (pre spike), then s = s + 1</a:t>
+            </a:r>
+            <a:endParaRPr lang="en-US" altLang="zh-CN" sz="2000"/>
+          </a:p>
+        </p:txBody>
+      </p:sp>
+    </p:spTree>
+  </p:cSld>
+  <p:clrMapOvr>
+    <a:masterClrMapping/>
+  </p:clrMapOvr>
+</p:sld>
+</file>
+
+<file path=ppt/slides/slide12.xml><?xml version="1.0" encoding="utf-8"?>
+<p:sld xmlns:a="http://schemas.openxmlformats.org/drawingml/2006/main" xmlns:r="http://schemas.openxmlformats.org/officeDocument/2006/relationships" xmlns:p="http://schemas.openxmlformats.org/presentationml/2006/main">
+  <p:cSld>
+    <p:spTree>
+      <p:nvGrpSpPr>
+        <p:cNvPr id="1" name=""/>
+        <p:cNvGrpSpPr/>
+        <p:nvPr/>
+      </p:nvGrpSpPr>
+      <p:grpSpPr/>
+      <p:sp>
+        <p:nvSpPr>
+          <p:cNvPr id="2" name="标题 1"/>
+          <p:cNvSpPr>
+            <a:spLocks noGrp="1"/>
+          </p:cNvSpPr>
+          <p:nvPr>
+            <p:ph type="title"/>
+          </p:nvPr>
+        </p:nvSpPr>
+        <p:spPr>
+          <a:xfrm>
+            <a:off x="942975" y="528320"/>
+            <a:ext cx="11830050" cy="1216660"/>
+          </a:xfrm>
+        </p:spPr>
+        <p:txBody>
+          <a:bodyPr/>
+          <a:p>
+            <a:pPr algn="ctr"/>
+            <a:r>
+              <a:rPr lang="en-US" altLang="zh-CN" sz="5400">
+                <a:cs typeface="+mj-lt"/>
+              </a:rPr>
+              <a:t>current &amp; conductance based</a:t>
+            </a:r>
+            <a:endParaRPr lang="en-US" altLang="zh-CN" sz="5400">
+              <a:cs typeface="+mj-lt"/>
+            </a:endParaRPr>
+          </a:p>
+        </p:txBody>
+      </p:sp>
+      <p:pic>
+        <p:nvPicPr>
+          <p:cNvPr id="5" name="图片 4" descr="/Users/mac/Documents/github/BrainPy-Models/docs/brainpy_handbook/ppt/figs/I_based.pngI_based"/>
+          <p:cNvPicPr>
+            <a:picLocks noChangeAspect="1"/>
+          </p:cNvPicPr>
+          <p:nvPr/>
+        </p:nvPicPr>
+        <p:blipFill>
+          <a:blip r:embed="rId1"/>
+          <a:srcRect/>
+          <a:stretch>
+            <a:fillRect/>
+          </a:stretch>
+        </p:blipFill>
+        <p:spPr>
+          <a:xfrm>
+            <a:off x="0" y="3313583"/>
+            <a:ext cx="10718825" cy="4328160"/>
+          </a:xfrm>
+          <a:prstGeom prst="rect">
+            <a:avLst/>
+          </a:prstGeom>
+        </p:spPr>
+      </p:pic>
+      <p:cxnSp>
+        <p:nvCxnSpPr>
+          <p:cNvPr id="23" name="直接箭头连接符 22"/>
+          <p:cNvCxnSpPr/>
+          <p:nvPr/>
+        </p:nvCxnSpPr>
+        <p:spPr>
+          <a:xfrm>
+            <a:off x="9633459" y="4778375"/>
+            <a:ext cx="648000" cy="0"/>
+          </a:xfrm>
+          <a:prstGeom prst="straightConnector1">
+            <a:avLst/>
+          </a:prstGeom>
+          <a:ln>
+            <a:solidFill>
+              <a:schemeClr val="tx1"/>
+            </a:solidFill>
+            <a:tailEnd type="arrow"/>
+          </a:ln>
+        </p:spPr>
+        <p:style>
+          <a:lnRef idx="1">
+            <a:schemeClr val="accent1"/>
+          </a:lnRef>
+          <a:fillRef idx="0">
+            <a:schemeClr val="accent1"/>
+          </a:fillRef>
+          <a:effectRef idx="0">
+            <a:schemeClr val="accent1"/>
+          </a:effectRef>
+          <a:fontRef idx="minor">
+            <a:schemeClr val="tx1"/>
+          </a:fontRef>
+        </p:style>
+      </p:cxnSp>
+      <p:pic>
+        <p:nvPicPr>
+          <p:cNvPr id="3" name="图片 2" descr="/Users/mac/Documents/github/BrainPy-Models/docs/brainpy_handbook/ppt/figs/g_based.pngg_based"/>
+          <p:cNvPicPr>
+            <a:picLocks noChangeAspect="1"/>
+          </p:cNvPicPr>
+          <p:nvPr/>
+        </p:nvPicPr>
+        <p:blipFill>
+          <a:blip r:embed="rId2"/>
+          <a:srcRect/>
+          <a:stretch>
+            <a:fillRect/>
+          </a:stretch>
+        </p:blipFill>
+        <p:spPr>
+          <a:xfrm>
+            <a:off x="0" y="9754388"/>
+            <a:ext cx="10693112" cy="4940300"/>
+          </a:xfrm>
+          <a:prstGeom prst="rect">
+            <a:avLst/>
+          </a:prstGeom>
+        </p:spPr>
+      </p:pic>
+      <p:sp>
+        <p:nvSpPr>
+          <p:cNvPr id="6" name="文本框 5"/>
+          <p:cNvSpPr txBox="1"/>
+          <p:nvPr/>
+        </p:nvSpPr>
+        <p:spPr>
+          <a:xfrm>
+            <a:off x="10281285" y="4271010"/>
+            <a:ext cx="2993390" cy="1630045"/>
+          </a:xfrm>
+          <a:prstGeom prst="rect">
+            <a:avLst/>
+          </a:prstGeom>
+          <a:noFill/>
+        </p:spPr>
+        <p:txBody>
+          <a:bodyPr wrap="square" rtlCol="0">
+            <a:spAutoFit/>
+          </a:bodyPr>
+          <a:p>
+            <a:r>
+              <a:rPr lang="en-US" altLang="zh-CN" sz="2000"/>
+              <a:t>set delay time before changing synaptic current by using the  register_constant_delay method</a:t>
+            </a:r>
+            <a:endParaRPr lang="en-US" altLang="zh-CN" sz="2000"/>
+          </a:p>
+        </p:txBody>
+      </p:sp>
+      <p:sp>
+        <p:nvSpPr>
+          <p:cNvPr id="14" name="右大括号 13"/>
+          <p:cNvSpPr/>
+          <p:nvPr/>
+        </p:nvSpPr>
+        <p:spPr>
+          <a:xfrm>
+            <a:off x="7536775" y="7009860"/>
+            <a:ext cx="216000" cy="468000"/>
+          </a:xfrm>
+          <a:prstGeom prst="rightBrace">
+            <a:avLst/>
+          </a:prstGeom>
+          <a:ln>
+            <a:solidFill>
+              <a:schemeClr val="tx1"/>
+            </a:solidFill>
+          </a:ln>
+        </p:spPr>
+        <p:style>
+          <a:lnRef idx="1">
+            <a:schemeClr val="accent1"/>
+          </a:lnRef>
+          <a:fillRef idx="0">
+            <a:schemeClr val="accent1"/>
+          </a:fillRef>
+          <a:effectRef idx="0">
+            <a:schemeClr val="accent1"/>
+          </a:effectRef>
+          <a:fontRef idx="minor">
+            <a:schemeClr val="tx1"/>
+          </a:fontRef>
+        </p:style>
+        <p:txBody>
+          <a:bodyPr rtlCol="0" anchor="ctr"/>
+          <a:p>
+            <a:pPr algn="ctr"/>
+            <a:endParaRPr lang="zh-CN" altLang="en-US"/>
+          </a:p>
+        </p:txBody>
+      </p:sp>
+      <p:sp>
+        <p:nvSpPr>
+          <p:cNvPr id="15" name="文本框 14"/>
+          <p:cNvSpPr txBox="1"/>
+          <p:nvPr/>
+        </p:nvSpPr>
+        <p:spPr>
+          <a:xfrm>
+            <a:off x="7848600" y="6893560"/>
+            <a:ext cx="5464175" cy="706755"/>
+          </a:xfrm>
+          <a:prstGeom prst="rect">
+            <a:avLst/>
+          </a:prstGeom>
+          <a:noFill/>
+        </p:spPr>
+        <p:txBody>
+          <a:bodyPr wrap="square" rtlCol="0">
+            <a:spAutoFit/>
+          </a:bodyPr>
+          <a:p>
+            <a:r>
+              <a:rPr lang="en-US" altLang="zh-CN" sz="2000"/>
+              <a:t>use push and pull to set delay before applying synaptic current into postsynatic input.</a:t>
+            </a:r>
+            <a:endParaRPr lang="en-US" altLang="zh-CN" sz="2000"/>
+          </a:p>
+        </p:txBody>
+      </p:sp>
+      <p:cxnSp>
+        <p:nvCxnSpPr>
+          <p:cNvPr id="7" name="直接箭头连接符 6"/>
+          <p:cNvCxnSpPr/>
+          <p:nvPr/>
+        </p:nvCxnSpPr>
+        <p:spPr>
+          <a:xfrm>
+            <a:off x="10755504" y="11558905"/>
+            <a:ext cx="576000" cy="0"/>
+          </a:xfrm>
+          <a:prstGeom prst="straightConnector1">
+            <a:avLst/>
+          </a:prstGeom>
+          <a:ln>
+            <a:solidFill>
+              <a:schemeClr val="tx1"/>
+            </a:solidFill>
+            <a:tailEnd type="arrow"/>
+          </a:ln>
+        </p:spPr>
+        <p:style>
+          <a:lnRef idx="1">
+            <a:schemeClr val="accent1"/>
+          </a:lnRef>
+          <a:fillRef idx="0">
+            <a:schemeClr val="accent1"/>
+          </a:fillRef>
+          <a:effectRef idx="0">
+            <a:schemeClr val="accent1"/>
+          </a:effectRef>
+          <a:fontRef idx="minor">
+            <a:schemeClr val="tx1"/>
+          </a:fontRef>
+        </p:style>
+      </p:cxnSp>
+      <p:sp>
+        <p:nvSpPr>
+          <p:cNvPr id="8" name="文本框 7"/>
+          <p:cNvSpPr txBox="1"/>
+          <p:nvPr/>
+        </p:nvSpPr>
+        <p:spPr>
+          <a:xfrm>
+            <a:off x="11423650" y="11051540"/>
+            <a:ext cx="2294890" cy="1014730"/>
+          </a:xfrm>
+          <a:prstGeom prst="rect">
+            <a:avLst/>
+          </a:prstGeom>
+          <a:noFill/>
+        </p:spPr>
+        <p:txBody>
+          <a:bodyPr wrap="square" rtlCol="0">
+            <a:spAutoFit/>
+          </a:bodyPr>
+          <a:p>
+            <a:r>
+              <a:rPr lang="en-US" altLang="zh-CN" sz="2000"/>
+              <a:t>set delay time before changing the conductance</a:t>
+            </a:r>
+            <a:endParaRPr lang="en-US" altLang="zh-CN" sz="2000"/>
+          </a:p>
+        </p:txBody>
+      </p:sp>
+      <p:cxnSp>
+        <p:nvCxnSpPr>
+          <p:cNvPr id="12" name="直接箭头连接符 11"/>
+          <p:cNvCxnSpPr/>
+          <p:nvPr/>
+        </p:nvCxnSpPr>
+        <p:spPr>
+          <a:xfrm>
+            <a:off x="6690869" y="13542645"/>
+            <a:ext cx="648000" cy="0"/>
+          </a:xfrm>
+          <a:prstGeom prst="straightConnector1">
+            <a:avLst/>
+          </a:prstGeom>
+          <a:ln>
+            <a:solidFill>
+              <a:schemeClr val="tx1"/>
+            </a:solidFill>
+            <a:tailEnd type="arrow"/>
+          </a:ln>
+        </p:spPr>
+        <p:style>
+          <a:lnRef idx="1">
+            <a:schemeClr val="accent1"/>
+          </a:lnRef>
+          <a:fillRef idx="0">
+            <a:schemeClr val="accent1"/>
+          </a:fillRef>
+          <a:effectRef idx="0">
+            <a:schemeClr val="accent1"/>
+          </a:effectRef>
+          <a:fontRef idx="minor">
+            <a:schemeClr val="tx1"/>
+          </a:fontRef>
+        </p:style>
+      </p:cxnSp>
+      <mc:AlternateContent xmlns:mc="http://schemas.openxmlformats.org/markup-compatibility/2006">
+        <mc:Choice xmlns:a14="http://schemas.microsoft.com/office/drawing/2010/main" Requires="a14">
+          <p:sp>
+            <p:nvSpPr>
+              <p:cNvPr id="16" name="文本框 15"/>
+              <p:cNvSpPr txBox="1"/>
+              <p:nvPr/>
+            </p:nvSpPr>
+            <p:spPr>
+              <a:xfrm>
+                <a:off x="7205980" y="13270865"/>
+                <a:ext cx="1144905" cy="454660"/>
+              </a:xfrm>
+              <a:prstGeom prst="rect">
+                <a:avLst/>
+              </a:prstGeom>
+              <a:noFill/>
+            </p:spPr>
+            <p:txBody>
+              <a:bodyPr wrap="square" rtlCol="0" anchor="t">
+                <a:spAutoFit/>
+              </a:bodyPr>
+              <a:p>
+                <a14:m>
+                  <m:oMathPara xmlns:m="http://schemas.openxmlformats.org/officeDocument/2006/math">
+                    <m:oMathParaPr>
+                      <m:jc m:val="centerGroup"/>
+                    </m:oMathParaPr>
+                    <m:oMath xmlns:m="http://schemas.openxmlformats.org/officeDocument/2006/math">
+                      <m:r>
+                        <a:rPr lang="en-US" altLang="zh-CN" sz="2000" i="1" dirty="0">
+                          <a:latin typeface="Cambria Math" charset="0"/>
+                          <a:cs typeface="Cambria Math" charset="0"/>
+                        </a:rPr>
+                        <m:t>𝑔</m:t>
+                      </m:r>
+                      <m:r>
+                        <a:rPr lang="en-US" altLang="zh-CN" sz="2000" i="1" dirty="0">
+                          <a:latin typeface="Cambria Math" charset="0"/>
+                          <a:cs typeface="Cambria Math" charset="0"/>
+                        </a:rPr>
+                        <m:t>=</m:t>
+                      </m:r>
+                      <m:bar>
+                        <m:barPr>
+                          <m:pos m:val="top"/>
+                          <m:ctrlPr>
+                            <a:rPr lang="en-US" altLang="zh-CN" sz="2000" i="1" dirty="0">
+                              <a:latin typeface="Cambria Math" charset="0"/>
+                              <a:cs typeface="Cambria Math" charset="0"/>
+                            </a:rPr>
+                          </m:ctrlPr>
+                        </m:barPr>
+                        <m:e>
+                          <m:r>
+                            <a:rPr lang="en-US" altLang="zh-CN" sz="2000" i="1" dirty="0">
+                              <a:latin typeface="Cambria Math" charset="0"/>
+                              <a:cs typeface="Cambria Math" charset="0"/>
+                            </a:rPr>
+                            <m:t>𝑔</m:t>
+                          </m:r>
+                        </m:e>
+                      </m:bar>
+                      <m:r>
+                        <a:rPr lang="en-US" altLang="zh-CN" sz="2000" i="1" dirty="0">
+                          <a:latin typeface="Cambria Math" charset="0"/>
+                          <a:cs typeface="Cambria Math" charset="0"/>
+                        </a:rPr>
+                        <m:t>𝑠</m:t>
+                      </m:r>
+                    </m:oMath>
+                  </m:oMathPara>
+                </a14:m>
+                <a:endParaRPr lang="zh-CN" altLang="en-US" sz="2000"/>
+              </a:p>
+            </p:txBody>
+          </p:sp>
+        </mc:Choice>
+        <mc:Fallback>
+          <p:sp>
+            <p:nvSpPr>
+              <p:cNvPr id="16" name="文本框 15"/>
+              <p:cNvSpPr txBox="1">
+                <a:spLocks noRot="1" noChangeAspect="1" noMove="1" noResize="1" noEditPoints="1" noAdjustHandles="1" noChangeArrowheads="1" noChangeShapeType="1" noTextEdit="1"/>
+              </p:cNvSpPr>
+              <p:nvPr/>
+            </p:nvSpPr>
+            <p:spPr>
+              <a:xfrm>
+                <a:off x="7205980" y="13270865"/>
+                <a:ext cx="1144905" cy="454660"/>
+              </a:xfrm>
+              <a:prstGeom prst="rect">
+                <a:avLst/>
+              </a:prstGeom>
+              <a:blipFill rotWithShape="1">
+                <a:blip r:embed="rId3"/>
+                <a:stretch>
+                  <a:fillRect/>
+                </a:stretch>
+              </a:blipFill>
+            </p:spPr>
+            <p:txBody>
+              <a:bodyPr/>
+              <a:lstStyle/>
+              <a:p>
+                <a:r>
+                  <a:rPr lang="zh-CN" altLang="en-US">
+                    <a:noFill/>
+                  </a:rPr>
+                  <a:t> </a:t>
+                </a:r>
+              </a:p>
+            </p:txBody>
+          </p:sp>
+        </mc:Fallback>
+      </mc:AlternateContent>
+      <p:cxnSp>
+        <p:nvCxnSpPr>
+          <p:cNvPr id="17" name="直接箭头连接符 16"/>
+          <p:cNvCxnSpPr/>
+          <p:nvPr/>
+        </p:nvCxnSpPr>
+        <p:spPr>
+          <a:xfrm>
+            <a:off x="10726929" y="14032230"/>
+            <a:ext cx="612000" cy="0"/>
+          </a:xfrm>
+          <a:prstGeom prst="straightConnector1">
+            <a:avLst/>
+          </a:prstGeom>
+          <a:ln>
+            <a:solidFill>
+              <a:schemeClr val="tx1"/>
+            </a:solidFill>
+            <a:tailEnd type="arrow"/>
+          </a:ln>
+        </p:spPr>
+        <p:style>
+          <a:lnRef idx="1">
+            <a:schemeClr val="accent1"/>
+          </a:lnRef>
+          <a:fillRef idx="0">
+            <a:schemeClr val="accent1"/>
+          </a:fillRef>
+          <a:effectRef idx="0">
+            <a:schemeClr val="accent1"/>
+          </a:effectRef>
+          <a:fontRef idx="minor">
+            <a:schemeClr val="tx1"/>
+          </a:fontRef>
+        </p:style>
+      </p:cxnSp>
+      <mc:AlternateContent xmlns:mc="http://schemas.openxmlformats.org/markup-compatibility/2006">
+        <mc:Choice xmlns:a14="http://schemas.microsoft.com/office/drawing/2010/main" Requires="a14">
+          <p:sp>
+            <p:nvSpPr>
+              <p:cNvPr id="18" name="文本框 17"/>
+              <p:cNvSpPr txBox="1"/>
+              <p:nvPr/>
+            </p:nvSpPr>
+            <p:spPr>
+              <a:xfrm>
+                <a:off x="10997565" y="13806805"/>
+                <a:ext cx="2274570" cy="451485"/>
+              </a:xfrm>
+              <a:prstGeom prst="rect">
+                <a:avLst/>
+              </a:prstGeom>
+              <a:noFill/>
+            </p:spPr>
+            <p:txBody>
+              <a:bodyPr wrap="square" rtlCol="0" anchor="t">
+                <a:spAutoFit/>
+              </a:bodyPr>
+              <a:p>
+                <a14:m>
+                  <m:oMathPara xmlns:m="http://schemas.openxmlformats.org/officeDocument/2006/math">
+                    <m:oMathParaPr>
+                      <m:jc m:val="centerGroup"/>
+                    </m:oMathParaPr>
+                    <m:oMath xmlns:m="http://schemas.openxmlformats.org/officeDocument/2006/math">
+                      <m:r>
+                        <a:rPr lang="en-US" altLang="zh-CN" sz="2000" i="1" dirty="0">
+                          <a:latin typeface="Cambria Math" charset="0"/>
+                          <a:cs typeface="Cambria Math" charset="0"/>
+                        </a:rPr>
+                        <m:t>𝐼</m:t>
+                      </m:r>
+                      <m:r>
+                        <a:rPr lang="en-US" altLang="zh-CN" sz="2000" i="1" dirty="0">
+                          <a:latin typeface="Cambria Math" charset="0"/>
+                          <a:cs typeface="Cambria Math" charset="0"/>
+                        </a:rPr>
+                        <m:t>=</m:t>
+                      </m:r>
+                      <m:r>
+                        <a:rPr lang="en-US" altLang="zh-CN" sz="2000" i="1" dirty="0">
+                          <a:latin typeface="Cambria Math" charset="0"/>
+                          <a:cs typeface="Cambria Math" charset="0"/>
+                        </a:rPr>
+                        <m:t>𝑔</m:t>
+                      </m:r>
+                      <m:r>
+                        <a:rPr lang="en-US" altLang="zh-CN" sz="2000" i="1" dirty="0">
+                          <a:latin typeface="Cambria Math" charset="0"/>
+                          <a:cs typeface="Cambria Math" charset="0"/>
+                        </a:rPr>
+                        <m:t>(</m:t>
+                      </m:r>
+                      <m:r>
+                        <a:rPr lang="en-US" altLang="zh-CN" sz="2000" i="1" dirty="0">
+                          <a:latin typeface="Cambria Math" charset="0"/>
+                          <a:cs typeface="Cambria Math" charset="0"/>
+                        </a:rPr>
+                        <m:t>𝑉</m:t>
+                      </m:r>
+                      <m:r>
+                        <a:rPr lang="en-US" altLang="zh-CN" sz="2000" i="1" dirty="0">
+                          <a:latin typeface="Cambria Math" charset="0"/>
+                          <a:cs typeface="Cambria Math" charset="0"/>
+                        </a:rPr>
+                        <m:t>−</m:t>
+                      </m:r>
+                      <m:r>
+                        <a:rPr lang="en-US" altLang="zh-CN" sz="2000" i="1" dirty="0">
+                          <a:latin typeface="Cambria Math" charset="0"/>
+                          <a:cs typeface="Cambria Math" charset="0"/>
+                        </a:rPr>
+                        <m:t>𝐸</m:t>
+                      </m:r>
+                      <m:r>
+                        <a:rPr lang="en-US" altLang="zh-CN" sz="2000" i="1" dirty="0">
+                          <a:latin typeface="Cambria Math" charset="0"/>
+                          <a:cs typeface="Cambria Math" charset="0"/>
+                        </a:rPr>
+                        <m:t>)</m:t>
+                      </m:r>
+                    </m:oMath>
+                  </m:oMathPara>
+                </a14:m>
+                <a:endParaRPr lang="zh-CN" altLang="en-US" sz="2000"/>
+              </a:p>
+            </p:txBody>
+          </p:sp>
+        </mc:Choice>
+        <mc:Fallback>
+          <p:sp>
+            <p:nvSpPr>
+              <p:cNvPr id="18" name="文本框 17"/>
+              <p:cNvSpPr txBox="1">
+                <a:spLocks noRot="1" noChangeAspect="1" noMove="1" noResize="1" noEditPoints="1" noAdjustHandles="1" noChangeArrowheads="1" noChangeShapeType="1" noTextEdit="1"/>
+              </p:cNvSpPr>
+              <p:nvPr/>
+            </p:nvSpPr>
+            <p:spPr>
+              <a:xfrm>
+                <a:off x="10997565" y="13806805"/>
+                <a:ext cx="2274570" cy="451485"/>
+              </a:xfrm>
+              <a:prstGeom prst="rect">
+                <a:avLst/>
+              </a:prstGeom>
+              <a:blipFill rotWithShape="1">
+                <a:blip r:embed="rId4"/>
+                <a:stretch>
+                  <a:fillRect/>
+                </a:stretch>
+              </a:blipFill>
+            </p:spPr>
+            <p:txBody>
+              <a:bodyPr/>
+              <a:lstStyle/>
+              <a:p>
+                <a:r>
+                  <a:rPr lang="zh-CN" altLang="en-US">
+                    <a:noFill/>
+                  </a:rPr>
+                  <a:t> </a:t>
+                </a:r>
+              </a:p>
+            </p:txBody>
+          </p:sp>
+        </mc:Fallback>
+      </mc:AlternateContent>
+    </p:spTree>
+  </p:cSld>
+  <p:clrMapOvr>
+    <a:masterClrMapping/>
+  </p:clrMapOvr>
+</p:sld>
+</file>
+
+<file path=ppt/slides/slide13.xml><?xml version="1.0" encoding="utf-8"?>
+<p:sld xmlns:a="http://schemas.openxmlformats.org/drawingml/2006/main" xmlns:r="http://schemas.openxmlformats.org/officeDocument/2006/relationships" xmlns:p="http://schemas.openxmlformats.org/presentationml/2006/main">
+  <p:cSld>
+    <p:spTree>
+      <p:nvGrpSpPr>
+        <p:cNvPr id="1" name=""/>
+        <p:cNvGrpSpPr/>
+        <p:nvPr/>
+      </p:nvGrpSpPr>
+      <p:grpSpPr/>
+      <p:sp>
+        <p:nvSpPr>
+          <p:cNvPr id="2" name="标题 1"/>
+          <p:cNvSpPr>
+            <a:spLocks noGrp="1"/>
+          </p:cNvSpPr>
+          <p:nvPr>
+            <p:ph type="title"/>
+          </p:nvPr>
+        </p:nvSpPr>
+        <p:spPr>
+          <a:xfrm>
+            <a:off x="942975" y="528320"/>
+            <a:ext cx="11830050" cy="1216660"/>
+          </a:xfrm>
+        </p:spPr>
+        <p:txBody>
+          <a:bodyPr/>
+          <a:p>
+            <a:pPr algn="ctr"/>
+            <a:r>
+              <a:rPr lang="en-US" altLang="zh-CN" sz="5400">
+                <a:cs typeface="+mj-lt"/>
+              </a:rPr>
+              <a:t>gap</a:t>
+            </a:r>
+            <a:endParaRPr lang="en-US" altLang="zh-CN" sz="5400">
+              <a:cs typeface="+mj-lt"/>
+            </a:endParaRPr>
+          </a:p>
+        </p:txBody>
+      </p:sp>
+      <p:pic>
+        <p:nvPicPr>
+          <p:cNvPr id="5" name="图片 4" descr="/Users/mac/Documents/github/BrainPy-Models/docs/brainpy_handbook/ppt/figs/syns/gap_init2.pnggap_init2"/>
+          <p:cNvPicPr>
+            <a:picLocks noChangeAspect="1"/>
+          </p:cNvPicPr>
+          <p:nvPr/>
+        </p:nvPicPr>
+        <p:blipFill>
+          <a:blip r:embed="rId1"/>
+          <a:srcRect/>
+          <a:stretch>
+            <a:fillRect/>
+          </a:stretch>
+        </p:blipFill>
+        <p:spPr>
+          <a:xfrm>
+            <a:off x="-305" y="2870988"/>
+            <a:ext cx="10679724" cy="6625590"/>
+          </a:xfrm>
+          <a:prstGeom prst="rect">
+            <a:avLst/>
+          </a:prstGeom>
+        </p:spPr>
+      </p:pic>
+      <p:pic>
+        <p:nvPicPr>
+          <p:cNvPr id="4" name="图片 3" descr="/Users/mac/Documents/github/BrainPy-Models/docs/brainpy_handbook/ppt/figs/syns/gap_update.pnggap_update"/>
+          <p:cNvPicPr>
+            <a:picLocks noChangeAspect="1"/>
+          </p:cNvPicPr>
+          <p:nvPr/>
+        </p:nvPicPr>
+        <p:blipFill>
+          <a:blip r:embed="rId2"/>
+          <a:srcRect/>
+          <a:stretch>
+            <a:fillRect/>
+          </a:stretch>
+        </p:blipFill>
+        <p:spPr>
+          <a:xfrm>
+            <a:off x="-305" y="9854083"/>
+            <a:ext cx="10679724" cy="5956300"/>
+          </a:xfrm>
+          <a:prstGeom prst="rect">
+            <a:avLst/>
+          </a:prstGeom>
+        </p:spPr>
+      </p:pic>
+      <p:sp>
+        <p:nvSpPr>
+          <p:cNvPr id="14" name="右大括号 13"/>
+          <p:cNvSpPr/>
+          <p:nvPr/>
+        </p:nvSpPr>
+        <p:spPr>
+          <a:xfrm>
+            <a:off x="10099000" y="11634565"/>
+            <a:ext cx="216000" cy="468000"/>
+          </a:xfrm>
+          <a:prstGeom prst="rightBrace">
+            <a:avLst/>
+          </a:prstGeom>
+          <a:ln>
+            <a:solidFill>
+              <a:schemeClr val="tx1"/>
+            </a:solidFill>
+          </a:ln>
+        </p:spPr>
+        <p:style>
+          <a:lnRef idx="1">
+            <a:schemeClr val="accent1"/>
+          </a:lnRef>
+          <a:fillRef idx="0">
+            <a:schemeClr val="accent1"/>
+          </a:fillRef>
+          <a:effectRef idx="0">
+            <a:schemeClr val="accent1"/>
+          </a:effectRef>
+          <a:fontRef idx="minor">
+            <a:schemeClr val="tx1"/>
+          </a:fontRef>
+        </p:style>
+        <p:txBody>
+          <a:bodyPr rtlCol="0" anchor="ctr"/>
+          <a:p>
+            <a:pPr algn="ctr"/>
+            <a:endParaRPr lang="zh-CN" altLang="en-US"/>
+          </a:p>
+        </p:txBody>
+      </p:sp>
+      <mc:AlternateContent xmlns:mc="http://schemas.openxmlformats.org/markup-compatibility/2006">
+        <mc:Choice xmlns:a14="http://schemas.microsoft.com/office/drawing/2010/main" Requires="a14">
+          <p:sp>
+            <p:nvSpPr>
+              <p:cNvPr id="18" name="文本框 17"/>
+              <p:cNvSpPr txBox="1"/>
+              <p:nvPr/>
+            </p:nvSpPr>
+            <p:spPr>
+              <a:xfrm>
+                <a:off x="10346055" y="11650980"/>
+                <a:ext cx="2840990" cy="451485"/>
+              </a:xfrm>
+              <a:prstGeom prst="rect">
+                <a:avLst/>
+              </a:prstGeom>
+              <a:noFill/>
+            </p:spPr>
+            <p:txBody>
+              <a:bodyPr wrap="square" rtlCol="0" anchor="t">
+                <a:spAutoFit/>
+              </a:bodyPr>
+              <a:p>
+                <a14:m>
+                  <m:oMathPara xmlns:m="http://schemas.openxmlformats.org/officeDocument/2006/math">
+                    <m:oMathParaPr>
+                      <m:jc m:val="centerGroup"/>
+                    </m:oMathParaPr>
+                    <m:oMath xmlns:m="http://schemas.openxmlformats.org/officeDocument/2006/math">
+                      <m:sSub>
+                        <m:sSubPr>
+                          <m:ctrlPr>
+                            <a:rPr lang="en-US" altLang="zh-CN" sz="2000" i="1" dirty="0">
+                              <a:latin typeface="Cambria Math" charset="0"/>
+                              <a:cs typeface="Cambria Math" charset="0"/>
+                            </a:rPr>
+                          </m:ctrlPr>
+                        </m:sSubPr>
+                        <m:e>
+                          <m:r>
+                            <a:rPr lang="en-US" altLang="zh-CN" sz="2000" i="1" dirty="0">
+                              <a:latin typeface="Cambria Math" charset="0"/>
+                              <a:cs typeface="Cambria Math" charset="0"/>
+                            </a:rPr>
+                            <m:t>𝐼</m:t>
+                          </m:r>
+                        </m:e>
+                        <m:sub>
+                          <m:r>
+                            <a:rPr lang="en-US" altLang="zh-CN" sz="2000" i="1" dirty="0">
+                              <a:latin typeface="Cambria Math" charset="0"/>
+                              <a:cs typeface="Cambria Math" charset="0"/>
+                            </a:rPr>
+                            <m:t>𝑝𝑜𝑠𝑡</m:t>
+                          </m:r>
+                        </m:sub>
+                      </m:sSub>
+                      <m:r>
+                        <a:rPr lang="en-US" altLang="zh-CN" sz="2000" i="1" dirty="0">
+                          <a:latin typeface="Cambria Math" charset="0"/>
+                          <a:cs typeface="Cambria Math" charset="0"/>
+                        </a:rPr>
+                        <m:t>=</m:t>
+                      </m:r>
+                      <m:r>
+                        <a:rPr lang="en-US" altLang="zh-CN" sz="2000" i="1" dirty="0">
+                          <a:latin typeface="Cambria Math" charset="0"/>
+                          <a:cs typeface="Cambria Math" charset="0"/>
+                        </a:rPr>
+                        <m:t>𝑤</m:t>
+                      </m:r>
+                      <m:r>
+                        <a:rPr lang="en-US" altLang="zh-CN" sz="2000" i="1" dirty="0">
+                          <a:latin typeface="Cambria Math" charset="0"/>
+                          <a:cs typeface="Cambria Math" charset="0"/>
+                        </a:rPr>
+                        <m:t> (</m:t>
+                      </m:r>
+                      <m:sSub>
+                        <m:sSubPr>
+                          <m:ctrlPr>
+                            <a:rPr lang="en-US" altLang="zh-CN" sz="2000" i="1" dirty="0">
+                              <a:latin typeface="Cambria Math" charset="0"/>
+                              <a:cs typeface="Cambria Math" charset="0"/>
+                            </a:rPr>
+                          </m:ctrlPr>
+                        </m:sSubPr>
+                        <m:e>
+                          <m:r>
+                            <a:rPr lang="en-US" altLang="zh-CN" sz="2000" i="1" dirty="0">
+                              <a:latin typeface="Cambria Math" charset="0"/>
+                              <a:cs typeface="Cambria Math" charset="0"/>
+                            </a:rPr>
+                            <m:t>𝑉</m:t>
+                          </m:r>
+                        </m:e>
+                        <m:sub>
+                          <m:r>
+                            <a:rPr lang="en-US" altLang="zh-CN" sz="2000" i="1" dirty="0">
+                              <a:latin typeface="Cambria Math" charset="0"/>
+                              <a:cs typeface="Cambria Math" charset="0"/>
+                            </a:rPr>
+                            <m:t>𝑝𝑟𝑒</m:t>
+                          </m:r>
+                        </m:sub>
+                      </m:sSub>
+                      <m:r>
+                        <a:rPr lang="en-US" altLang="zh-CN" sz="2000" i="1" dirty="0">
+                          <a:latin typeface="Cambria Math" charset="0"/>
+                          <a:cs typeface="Cambria Math" charset="0"/>
+                        </a:rPr>
+                        <m:t>−</m:t>
+                      </m:r>
+                      <m:sSub>
+                        <m:sSubPr>
+                          <m:ctrlPr>
+                            <a:rPr lang="en-US" altLang="zh-CN" sz="2000" i="1" dirty="0">
+                              <a:latin typeface="Cambria Math" charset="0"/>
+                              <a:cs typeface="Cambria Math" charset="0"/>
+                            </a:rPr>
+                          </m:ctrlPr>
+                        </m:sSubPr>
+                        <m:e>
+                          <m:r>
+                            <a:rPr lang="en-US" altLang="zh-CN" sz="2000" i="1" dirty="0">
+                              <a:latin typeface="Cambria Math" charset="0"/>
+                              <a:cs typeface="Cambria Math" charset="0"/>
+                            </a:rPr>
+                            <m:t>𝑉</m:t>
+                          </m:r>
+                        </m:e>
+                        <m:sub>
+                          <m:r>
+                            <a:rPr lang="en-US" altLang="zh-CN" sz="2000" i="1" dirty="0">
+                              <a:latin typeface="Cambria Math" charset="0"/>
+                              <a:cs typeface="Cambria Math" charset="0"/>
+                            </a:rPr>
+                            <m:t>𝑝𝑜𝑠𝑡</m:t>
+                          </m:r>
+                        </m:sub>
+                      </m:sSub>
+                      <m:r>
+                        <a:rPr lang="en-US" altLang="zh-CN" sz="2000" i="1" dirty="0">
+                          <a:latin typeface="Cambria Math" charset="0"/>
+                          <a:cs typeface="Cambria Math" charset="0"/>
+                        </a:rPr>
+                        <m:t>)</m:t>
+                      </m:r>
+                    </m:oMath>
+                  </m:oMathPara>
+                </a14:m>
+                <a:endParaRPr lang="zh-CN" altLang="en-US" sz="2000"/>
+              </a:p>
+            </p:txBody>
+          </p:sp>
+        </mc:Choice>
+        <mc:Fallback>
+          <p:sp>
+            <p:nvSpPr>
+              <p:cNvPr id="18" name="文本框 17"/>
+              <p:cNvSpPr txBox="1">
+                <a:spLocks noRot="1" noChangeAspect="1" noMove="1" noResize="1" noEditPoints="1" noAdjustHandles="1" noChangeArrowheads="1" noChangeShapeType="1" noTextEdit="1"/>
+              </p:cNvSpPr>
+              <p:nvPr/>
+            </p:nvSpPr>
+            <p:spPr>
+              <a:xfrm>
+                <a:off x="10346055" y="11650980"/>
+                <a:ext cx="2840990" cy="451485"/>
+              </a:xfrm>
+              <a:prstGeom prst="rect">
+                <a:avLst/>
+              </a:prstGeom>
+              <a:blipFill rotWithShape="1">
+                <a:blip r:embed="rId3"/>
+                <a:stretch>
+                  <a:fillRect/>
+                </a:stretch>
+              </a:blipFill>
+            </p:spPr>
+            <p:txBody>
+              <a:bodyPr/>
+              <a:lstStyle/>
+              <a:p>
+                <a:r>
+                  <a:rPr lang="zh-CN" altLang="en-US">
+                    <a:noFill/>
+                  </a:rPr>
+                  <a:t> </a:t>
+                </a:r>
+              </a:p>
+            </p:txBody>
+          </p:sp>
+        </mc:Fallback>
+      </mc:AlternateContent>
+    </p:spTree>
+  </p:cSld>
+  <p:clrMapOvr>
+    <a:masterClrMapping/>
+  </p:clrMapOvr>
+</p:sld>
+</file>
+
+<file path=ppt/slides/slide14.xml><?xml version="1.0" encoding="utf-8"?>
+<p:sld xmlns:a="http://schemas.openxmlformats.org/drawingml/2006/main" xmlns:r="http://schemas.openxmlformats.org/officeDocument/2006/relationships" xmlns:p="http://schemas.openxmlformats.org/presentationml/2006/main">
+  <p:cSld>
+    <p:spTree>
+      <p:nvGrpSpPr>
+        <p:cNvPr id="1" name=""/>
+        <p:cNvGrpSpPr/>
+        <p:nvPr/>
+      </p:nvGrpSpPr>
+      <p:grpSpPr/>
+      <p:sp>
+        <p:nvSpPr>
+          <p:cNvPr id="2" name="标题 1"/>
+          <p:cNvSpPr>
+            <a:spLocks noGrp="1"/>
+          </p:cNvSpPr>
+          <p:nvPr>
+            <p:ph type="title"/>
+          </p:nvPr>
+        </p:nvSpPr>
+        <p:spPr>
+          <a:xfrm>
+            <a:off x="942975" y="528320"/>
+            <a:ext cx="11830050" cy="1216660"/>
+          </a:xfrm>
+        </p:spPr>
+        <p:txBody>
+          <a:bodyPr/>
+          <a:p>
+            <a:pPr algn="ctr"/>
+            <a:r>
+              <a:rPr lang="en-US" altLang="zh-CN" sz="5400">
+                <a:cs typeface="+mj-lt"/>
+              </a:rPr>
               <a:t>STP</a:t>
             </a:r>
             <a:endParaRPr lang="en-US" altLang="zh-CN" sz="5400">
@@ -3590,14 +4839,14 @@
                           <a:latin typeface="Cambria Math" charset="0"/>
                           <a:cs typeface="Cambria Math" charset="0"/>
                         </a:rPr>
-                        <m:t>=</m:t>
-                      </m:r>
-                      <m:r>
-                        <a:rPr lang="en-US" altLang="zh-CN" sz="2000" i="1" dirty="0">
-                          <a:latin typeface="Cambria Math" charset="0"/>
-                          <a:cs typeface="Cambria Math" charset="0"/>
-                        </a:rPr>
-                        <m:t>−𝑢</m:t>
+                        <m:t>=−</m:t>
+                      </m:r>
+                      <m:r>
+                        <a:rPr lang="en-US" altLang="zh-CN" sz="2000" i="1" dirty="0">
+                          <a:latin typeface="Cambria Math" charset="0"/>
+                          <a:cs typeface="Cambria Math" charset="0"/>
+                        </a:rPr>
+                        <m:t>𝑢</m:t>
                       </m:r>
                       <m:r>
                         <a:rPr lang="en-US" altLang="zh-CN" sz="2000" i="1" dirty="0">
@@ -3721,14 +4970,7 @@
                           <a:latin typeface="Cambria Math" charset="0"/>
                           <a:cs typeface="Cambria Math" charset="0"/>
                         </a:rPr>
-                        <m:t>)</m:t>
-                      </m:r>
-                      <m:r>
-                        <a:rPr lang="en-US" altLang="zh-CN" sz="2000" i="1" dirty="0">
-                          <a:latin typeface="Cambria Math" charset="0"/>
-                          <a:cs typeface="Cambria Math" charset="0"/>
-                        </a:rPr>
-                        <m:t>/</m:t>
+                        <m:t>)/</m:t>
                       </m:r>
                       <m:sSub>
                         <m:sSubPr>
@@ -3813,7 +5055,7 @@
 </p:sld>
 </file>
 
-<file path=ppt/slides/slide11.xml><?xml version="1.0" encoding="utf-8"?>
+<file path=ppt/slides/slide15.xml><?xml version="1.0" encoding="utf-8"?>
 <p:sld xmlns:a="http://schemas.openxmlformats.org/drawingml/2006/main" xmlns:r="http://schemas.openxmlformats.org/officeDocument/2006/relationships" xmlns:p="http://schemas.openxmlformats.org/presentationml/2006/main">
   <p:cSld>
     <p:spTree>
@@ -4044,7 +5286,7 @@
 </p:sld>
 </file>
 
-<file path=ppt/slides/slide12.xml><?xml version="1.0" encoding="utf-8"?>
+<file path=ppt/slides/slide16.xml><?xml version="1.0" encoding="utf-8"?>
 <p:sld xmlns:a="http://schemas.openxmlformats.org/drawingml/2006/main" xmlns:r="http://schemas.openxmlformats.org/officeDocument/2006/relationships" xmlns:p="http://schemas.openxmlformats.org/presentationml/2006/main">
   <p:cSld>
     <p:spTree>
@@ -4477,14 +5719,7 @@
                           <a:latin typeface="Cambria Math" charset="0"/>
                           <a:cs typeface="Cambria Math" charset="0"/>
                         </a:rPr>
-                        <m:t>=</m:t>
-                      </m:r>
-                      <m:r>
-                        <a:rPr lang="en-US" altLang="zh-CN" sz="2000" i="1" dirty="0">
-                          <a:latin typeface="Cambria Math" charset="0"/>
-                          <a:cs typeface="Cambria Math" charset="0"/>
-                        </a:rPr>
-                        <m:t>−</m:t>
+                        <m:t>=−</m:t>
                       </m:r>
                       <m:sSub>
                         <m:sSubPr>
@@ -4604,7 +5839,7 @@
 </p:sld>
 </file>
 
-<file path=ppt/slides/slide13.xml><?xml version="1.0" encoding="utf-8"?>
+<file path=ppt/slides/slide17.xml><?xml version="1.0" encoding="utf-8"?>
 <p:sld xmlns:a="http://schemas.openxmlformats.org/drawingml/2006/main" xmlns:r="http://schemas.openxmlformats.org/officeDocument/2006/relationships" xmlns:p="http://schemas.openxmlformats.org/presentationml/2006/main">
   <p:cSld>
     <p:spTree>
@@ -4876,7 +6111,7 @@
 </p:sld>
 </file>
 
-<file path=ppt/slides/slide14.xml><?xml version="1.0" encoding="utf-8"?>
+<file path=ppt/slides/slide18.xml><?xml version="1.0" encoding="utf-8"?>
 <p:sld xmlns:a="http://schemas.openxmlformats.org/drawingml/2006/main" xmlns:r="http://schemas.openxmlformats.org/officeDocument/2006/relationships" xmlns:p="http://schemas.openxmlformats.org/presentationml/2006/main">
   <p:cSld>
     <p:spTree>
@@ -5323,9 +6558,17 @@
                     <m:oMath xmlns:m="http://schemas.openxmlformats.org/officeDocument/2006/math">
                       <m:r>
                         <a:rPr lang="en-US" altLang="zh-CN" sz="2000">
+                          <a:latin typeface="Cambria Math" charset="0"/>
                           <a:sym typeface="+mn-ea"/>
                         </a:rPr>
-                        <m:t>let </m:t>
+                        <m:t>𝑙𝑒𝑡</m:t>
+                      </m:r>
+                      <m:r>
+                        <a:rPr lang="en-US" altLang="zh-CN" sz="2000">
+                          <a:latin typeface="Cambria Math" charset="0"/>
+                          <a:sym typeface="+mn-ea"/>
+                        </a:rPr>
+                        <m:t> </m:t>
                       </m:r>
                       <m:sSub>
                         <m:sSubPr>
@@ -6291,7 +7534,7 @@
 </p:sld>
 </file>
 
-<file path=ppt/slides/slide15.xml><?xml version="1.0" encoding="utf-8"?>
+<file path=ppt/slides/slide19.xml><?xml version="1.0" encoding="utf-8"?>
 <p:sld xmlns:a="http://schemas.openxmlformats.org/drawingml/2006/main" xmlns:r="http://schemas.openxmlformats.org/officeDocument/2006/relationships" xmlns:p="http://schemas.openxmlformats.org/presentationml/2006/main">
   <p:cSld>
     <p:spTree>
@@ -6814,7 +8057,413 @@
 </p:sld>
 </file>
 
-<file path=ppt/slides/slide16.xml><?xml version="1.0" encoding="utf-8"?>
+<file path=ppt/slides/slide2.xml><?xml version="1.0" encoding="utf-8"?>
+<p:sld xmlns:a="http://schemas.openxmlformats.org/drawingml/2006/main" xmlns:r="http://schemas.openxmlformats.org/officeDocument/2006/relationships" xmlns:p="http://schemas.openxmlformats.org/presentationml/2006/main">
+  <p:cSld>
+    <p:spTree>
+      <p:nvGrpSpPr>
+        <p:cNvPr id="1" name=""/>
+        <p:cNvGrpSpPr/>
+        <p:nvPr/>
+      </p:nvGrpSpPr>
+      <p:grpSpPr/>
+      <p:sp>
+        <p:nvSpPr>
+          <p:cNvPr id="2" name="标题 1"/>
+          <p:cNvSpPr>
+            <a:spLocks noGrp="1"/>
+          </p:cNvSpPr>
+          <p:nvPr>
+            <p:ph type="title"/>
+          </p:nvPr>
+        </p:nvSpPr>
+        <p:spPr>
+          <a:xfrm>
+            <a:off x="942975" y="528320"/>
+            <a:ext cx="11830050" cy="1216660"/>
+          </a:xfrm>
+        </p:spPr>
+        <p:txBody>
+          <a:bodyPr/>
+          <a:p>
+            <a:pPr algn="ctr"/>
+            <a:r>
+              <a:rPr lang="en-US" altLang="zh-CN" sz="5400">
+                <a:cs typeface="+mj-lt"/>
+              </a:rPr>
+              <a:t>AMPA</a:t>
+            </a:r>
+            <a:endParaRPr lang="en-US" altLang="zh-CN" sz="5400">
+              <a:cs typeface="+mj-lt"/>
+            </a:endParaRPr>
+          </a:p>
+        </p:txBody>
+      </p:sp>
+      <p:pic>
+        <p:nvPicPr>
+          <p:cNvPr id="5" name="图片 4" descr="/Users/mac/Documents/github/BrainPy-Models/docs/brainpy_handbook/figs/codes/AMPA3.pngAMPA3"/>
+          <p:cNvPicPr>
+            <a:picLocks noChangeAspect="1"/>
+          </p:cNvPicPr>
+          <p:nvPr/>
+        </p:nvPicPr>
+        <p:blipFill>
+          <a:blip r:embed="rId1"/>
+          <a:srcRect/>
+          <a:stretch>
+            <a:fillRect/>
+          </a:stretch>
+        </p:blipFill>
+        <p:spPr>
+          <a:xfrm>
+            <a:off x="0" y="4839335"/>
+            <a:ext cx="10718589" cy="6606540"/>
+          </a:xfrm>
+          <a:prstGeom prst="rect">
+            <a:avLst/>
+          </a:prstGeom>
+        </p:spPr>
+      </p:pic>
+      <p:cxnSp>
+        <p:nvCxnSpPr>
+          <p:cNvPr id="18" name="直接箭头连接符 17"/>
+          <p:cNvCxnSpPr/>
+          <p:nvPr/>
+        </p:nvCxnSpPr>
+        <p:spPr>
+          <a:xfrm>
+            <a:off x="5148000" y="6999605"/>
+            <a:ext cx="4392000" cy="0"/>
+          </a:xfrm>
+          <a:prstGeom prst="straightConnector1">
+            <a:avLst/>
+          </a:prstGeom>
+          <a:ln>
+            <a:solidFill>
+              <a:schemeClr val="tx1"/>
+            </a:solidFill>
+            <a:tailEnd type="arrow"/>
+          </a:ln>
+        </p:spPr>
+        <p:style>
+          <a:lnRef idx="1">
+            <a:schemeClr val="accent1"/>
+          </a:lnRef>
+          <a:fillRef idx="0">
+            <a:schemeClr val="accent1"/>
+          </a:fillRef>
+          <a:effectRef idx="0">
+            <a:schemeClr val="accent1"/>
+          </a:effectRef>
+          <a:fontRef idx="minor">
+            <a:schemeClr val="tx1"/>
+          </a:fontRef>
+        </p:style>
+      </p:cxnSp>
+      <p:sp>
+        <p:nvSpPr>
+          <p:cNvPr id="19" name="文本框 18"/>
+          <p:cNvSpPr txBox="1"/>
+          <p:nvPr/>
+        </p:nvSpPr>
+        <p:spPr>
+          <a:xfrm>
+            <a:off x="9644380" y="6800215"/>
+            <a:ext cx="3228975" cy="398780"/>
+          </a:xfrm>
+          <a:prstGeom prst="rect">
+            <a:avLst/>
+          </a:prstGeom>
+          <a:noFill/>
+        </p:spPr>
+        <p:txBody>
+          <a:bodyPr wrap="square" rtlCol="0">
+            <a:spAutoFit/>
+          </a:bodyPr>
+          <a:p>
+            <a:r>
+              <a:rPr lang="en-US" altLang="zh-CN" sz="2000"/>
+              <a:t>A method to run synapse</a:t>
+            </a:r>
+            <a:endParaRPr lang="en-US" altLang="zh-CN" sz="2000"/>
+          </a:p>
+        </p:txBody>
+      </p:sp>
+      <p:cxnSp>
+        <p:nvCxnSpPr>
+          <p:cNvPr id="4" name="直接箭头连接符 3"/>
+          <p:cNvCxnSpPr/>
+          <p:nvPr/>
+        </p:nvCxnSpPr>
+        <p:spPr>
+          <a:xfrm>
+            <a:off x="5688000" y="6005830"/>
+            <a:ext cx="1332000" cy="0"/>
+          </a:xfrm>
+          <a:prstGeom prst="straightConnector1">
+            <a:avLst/>
+          </a:prstGeom>
+          <a:ln>
+            <a:solidFill>
+              <a:schemeClr val="tx1"/>
+            </a:solidFill>
+            <a:tailEnd type="arrow"/>
+          </a:ln>
+        </p:spPr>
+        <p:style>
+          <a:lnRef idx="1">
+            <a:schemeClr val="accent1"/>
+          </a:lnRef>
+          <a:fillRef idx="0">
+            <a:schemeClr val="accent1"/>
+          </a:fillRef>
+          <a:effectRef idx="0">
+            <a:schemeClr val="accent1"/>
+          </a:effectRef>
+          <a:fontRef idx="minor">
+            <a:schemeClr val="tx1"/>
+          </a:fontRef>
+        </p:style>
+      </p:cxnSp>
+      <p:sp>
+        <p:nvSpPr>
+          <p:cNvPr id="7" name="文本框 6"/>
+          <p:cNvSpPr txBox="1"/>
+          <p:nvPr/>
+        </p:nvSpPr>
+        <p:spPr>
+          <a:xfrm>
+            <a:off x="7094220" y="5806440"/>
+            <a:ext cx="2779395" cy="398780"/>
+          </a:xfrm>
+          <a:prstGeom prst="rect">
+            <a:avLst/>
+          </a:prstGeom>
+          <a:noFill/>
+        </p:spPr>
+        <p:txBody>
+          <a:bodyPr wrap="square" rtlCol="0">
+            <a:spAutoFit/>
+          </a:bodyPr>
+          <a:p>
+            <a:r>
+              <a:rPr lang="en-US" altLang="zh-CN" sz="2000"/>
+              <a:t>Set numba backend</a:t>
+            </a:r>
+            <a:endParaRPr lang="en-US" altLang="zh-CN" sz="2000"/>
+          </a:p>
+        </p:txBody>
+      </p:sp>
+      <p:sp>
+        <p:nvSpPr>
+          <p:cNvPr id="13" name="右大括号 12"/>
+          <p:cNvSpPr/>
+          <p:nvPr/>
+        </p:nvSpPr>
+        <p:spPr>
+          <a:xfrm>
+            <a:off x="6319464" y="7219030"/>
+            <a:ext cx="216000" cy="612000"/>
+          </a:xfrm>
+          <a:prstGeom prst="rightBrace">
+            <a:avLst/>
+          </a:prstGeom>
+          <a:ln>
+            <a:solidFill>
+              <a:schemeClr val="tx1"/>
+            </a:solidFill>
+          </a:ln>
+        </p:spPr>
+        <p:style>
+          <a:lnRef idx="1">
+            <a:schemeClr val="accent1"/>
+          </a:lnRef>
+          <a:fillRef idx="0">
+            <a:schemeClr val="accent1"/>
+          </a:fillRef>
+          <a:effectRef idx="0">
+            <a:schemeClr val="accent1"/>
+          </a:effectRef>
+          <a:fontRef idx="minor">
+            <a:schemeClr val="tx1"/>
+          </a:fontRef>
+        </p:style>
+        <p:txBody>
+          <a:bodyPr rtlCol="0" anchor="ctr"/>
+          <a:p>
+            <a:pPr algn="ctr"/>
+            <a:endParaRPr lang="zh-CN" altLang="en-US"/>
+          </a:p>
+        </p:txBody>
+      </p:sp>
+      <p:sp>
+        <p:nvSpPr>
+          <p:cNvPr id="22" name="文本框 21"/>
+          <p:cNvSpPr txBox="1"/>
+          <p:nvPr/>
+        </p:nvSpPr>
+        <p:spPr>
+          <a:xfrm>
+            <a:off x="6657975" y="7176135"/>
+            <a:ext cx="3803650" cy="706755"/>
+          </a:xfrm>
+          <a:prstGeom prst="rect">
+            <a:avLst/>
+          </a:prstGeom>
+          <a:noFill/>
+        </p:spPr>
+        <p:txBody>
+          <a:bodyPr wrap="square" rtlCol="0">
+            <a:spAutoFit/>
+          </a:bodyPr>
+          <a:p>
+            <a:r>
+              <a:rPr lang="en-US" altLang="zh-CN" sz="2000"/>
+              <a:t>Get two LIF neuron groups from brainmodels package</a:t>
+            </a:r>
+            <a:endParaRPr lang="en-US" altLang="zh-CN" sz="2000"/>
+          </a:p>
+        </p:txBody>
+      </p:sp>
+      <p:cxnSp>
+        <p:nvCxnSpPr>
+          <p:cNvPr id="23" name="直接箭头连接符 22"/>
+          <p:cNvCxnSpPr/>
+          <p:nvPr/>
+        </p:nvCxnSpPr>
+        <p:spPr>
+          <a:xfrm>
+            <a:off x="6587999" y="8691880"/>
+            <a:ext cx="2808000" cy="0"/>
+          </a:xfrm>
+          <a:prstGeom prst="straightConnector1">
+            <a:avLst/>
+          </a:prstGeom>
+          <a:ln>
+            <a:solidFill>
+              <a:schemeClr val="tx1"/>
+            </a:solidFill>
+            <a:tailEnd type="arrow"/>
+          </a:ln>
+        </p:spPr>
+        <p:style>
+          <a:lnRef idx="1">
+            <a:schemeClr val="accent1"/>
+          </a:lnRef>
+          <a:fillRef idx="0">
+            <a:schemeClr val="accent1"/>
+          </a:fillRef>
+          <a:effectRef idx="0">
+            <a:schemeClr val="accent1"/>
+          </a:effectRef>
+          <a:fontRef idx="minor">
+            <a:schemeClr val="tx1"/>
+          </a:fontRef>
+        </p:style>
+      </p:cxnSp>
+      <p:sp>
+        <p:nvSpPr>
+          <p:cNvPr id="24" name="文本框 23"/>
+          <p:cNvSpPr txBox="1"/>
+          <p:nvPr/>
+        </p:nvSpPr>
+        <p:spPr>
+          <a:xfrm>
+            <a:off x="9507855" y="8492490"/>
+            <a:ext cx="4142105" cy="1322070"/>
+          </a:xfrm>
+          <a:prstGeom prst="rect">
+            <a:avLst/>
+          </a:prstGeom>
+          <a:noFill/>
+        </p:spPr>
+        <p:txBody>
+          <a:bodyPr wrap="square" rtlCol="0">
+            <a:spAutoFit/>
+          </a:bodyPr>
+          <a:p>
+            <a:r>
+              <a:rPr lang="en-US" altLang="zh-CN" sz="2000"/>
+              <a:t>Specify pre and post neurons and there connections. Here we use all to all connections provided by BrainPy.</a:t>
+            </a:r>
+            <a:endParaRPr lang="en-US" altLang="zh-CN" sz="2000"/>
+          </a:p>
+        </p:txBody>
+      </p:sp>
+      <p:cxnSp>
+        <p:nvCxnSpPr>
+          <p:cNvPr id="25" name="直接箭头连接符 24"/>
+          <p:cNvCxnSpPr/>
+          <p:nvPr/>
+        </p:nvCxnSpPr>
+        <p:spPr>
+          <a:xfrm>
+            <a:off x="4284000" y="10984865"/>
+            <a:ext cx="1296000" cy="0"/>
+          </a:xfrm>
+          <a:prstGeom prst="straightConnector1">
+            <a:avLst/>
+          </a:prstGeom>
+          <a:ln>
+            <a:solidFill>
+              <a:schemeClr val="tx1"/>
+            </a:solidFill>
+            <a:tailEnd type="arrow"/>
+          </a:ln>
+        </p:spPr>
+        <p:style>
+          <a:lnRef idx="1">
+            <a:schemeClr val="accent1"/>
+          </a:lnRef>
+          <a:fillRef idx="0">
+            <a:schemeClr val="accent1"/>
+          </a:fillRef>
+          <a:effectRef idx="0">
+            <a:schemeClr val="accent1"/>
+          </a:effectRef>
+          <a:fontRef idx="minor">
+            <a:schemeClr val="tx1"/>
+          </a:fontRef>
+        </p:style>
+      </p:cxnSp>
+      <p:sp>
+        <p:nvSpPr>
+          <p:cNvPr id="26" name="文本框 25"/>
+          <p:cNvSpPr txBox="1"/>
+          <p:nvPr/>
+        </p:nvSpPr>
+        <p:spPr>
+          <a:xfrm>
+            <a:off x="5672455" y="10477500"/>
+            <a:ext cx="2779395" cy="1014730"/>
+          </a:xfrm>
+          <a:prstGeom prst="rect">
+            <a:avLst/>
+          </a:prstGeom>
+          <a:noFill/>
+        </p:spPr>
+        <p:txBody>
+          <a:bodyPr wrap="square" rtlCol="0">
+            <a:spAutoFit/>
+          </a:bodyPr>
+          <a:p>
+            <a:r>
+              <a:rPr lang="en-US" altLang="zh-CN" sz="2000"/>
+              <a:t>Run AMPA synapse and set parameter T_duration to be 3.</a:t>
+            </a:r>
+            <a:endParaRPr lang="en-US" altLang="zh-CN" sz="2000"/>
+          </a:p>
+        </p:txBody>
+      </p:sp>
+    </p:spTree>
+  </p:cSld>
+  <p:clrMapOvr>
+    <a:masterClrMapping/>
+  </p:clrMapOvr>
+</p:sld>
+</file>
+
+<file path=ppt/slides/slide20.xml><?xml version="1.0" encoding="utf-8"?>
 <p:sld xmlns:a="http://schemas.openxmlformats.org/drawingml/2006/main" xmlns:r="http://schemas.openxmlformats.org/officeDocument/2006/relationships" xmlns:p="http://schemas.openxmlformats.org/presentationml/2006/main">
   <p:cSld>
     <p:spTree>
@@ -8371,7 +10020,7 @@
 </p:sld>
 </file>
 
-<file path=ppt/slides/slide17.xml><?xml version="1.0" encoding="utf-8"?>
+<file path=ppt/slides/slide21.xml><?xml version="1.0" encoding="utf-8"?>
 <p:sld xmlns:a="http://schemas.openxmlformats.org/drawingml/2006/main" xmlns:r="http://schemas.openxmlformats.org/officeDocument/2006/relationships" xmlns:p="http://schemas.openxmlformats.org/presentationml/2006/main">
   <p:cSld>
     <p:spTree>
@@ -8471,7 +10120,7 @@
 </p:sld>
 </file>
 
-<file path=ppt/slides/slide2.xml><?xml version="1.0" encoding="utf-8"?>
+<file path=ppt/slides/slide3.xml><?xml version="1.0" encoding="utf-8"?>
 <p:sld xmlns:a="http://schemas.openxmlformats.org/drawingml/2006/main" xmlns:r="http://schemas.openxmlformats.org/officeDocument/2006/relationships" xmlns:p="http://schemas.openxmlformats.org/presentationml/2006/main">
   <p:cSld>
     <p:spTree>
@@ -8505,7 +10154,7 @@
               <a:rPr lang="en-US" altLang="zh-CN" sz="5400">
                 <a:cs typeface="+mj-lt"/>
               </a:rPr>
-              <a:t>AMPA</a:t>
+              <a:t>NMDA</a:t>
             </a:r>
             <a:endParaRPr lang="en-US" altLang="zh-CN" sz="5400">
               <a:cs typeface="+mj-lt"/>
@@ -8515,7 +10164,7 @@
       </p:sp>
       <p:pic>
         <p:nvPicPr>
-          <p:cNvPr id="5" name="图片 4" descr="/Users/mac/Documents/github/BrainPy-Models/docs/brainpy_handbook/figs/codes/AMPA3.pngAMPA3"/>
+          <p:cNvPr id="5" name="图片 4" descr="/Users/mac/Documents/github/BrainPy-Models/docs/brainpy_handbook/ppt/figs/syns/nmda_init.pngnmda_init"/>
           <p:cNvPicPr>
             <a:picLocks noChangeAspect="1"/>
           </p:cNvPicPr>
@@ -8530,14 +10179,443 @@
         </p:blipFill>
         <p:spPr>
           <a:xfrm>
-            <a:off x="0" y="4839335"/>
-            <a:ext cx="10718589" cy="6606540"/>
+            <a:off x="19580" y="1758315"/>
+            <a:ext cx="10680051" cy="11861800"/>
           </a:xfrm>
           <a:prstGeom prst="rect">
             <a:avLst/>
           </a:prstGeom>
         </p:spPr>
       </p:pic>
+      <mc:AlternateContent xmlns:mc="http://schemas.openxmlformats.org/markup-compatibility/2006">
+        <mc:Choice xmlns:a14="http://schemas.microsoft.com/office/drawing/2010/main" Requires="a14">
+          <p:sp>
+            <p:nvSpPr>
+              <p:cNvPr id="7" name="文本框 6"/>
+              <p:cNvSpPr txBox="1"/>
+              <p:nvPr/>
+            </p:nvSpPr>
+            <p:spPr>
+              <a:xfrm>
+                <a:off x="7645400" y="3068955"/>
+                <a:ext cx="4360545" cy="1358265"/>
+              </a:xfrm>
+              <a:prstGeom prst="rect">
+                <a:avLst/>
+              </a:prstGeom>
+              <a:noFill/>
+            </p:spPr>
+            <p:txBody>
+              <a:bodyPr wrap="square" rtlCol="0" anchor="t">
+                <a:spAutoFit/>
+              </a:bodyPr>
+              <a:p>
+                <a14:m>
+                  <m:oMathPara xmlns:m="http://schemas.openxmlformats.org/officeDocument/2006/math">
+                    <m:oMathParaPr>
+                      <m:jc m:val="left"/>
+                    </m:oMathParaPr>
+                    <m:oMath xmlns:m="http://schemas.openxmlformats.org/officeDocument/2006/math">
+                      <m:f>
+                        <m:fPr>
+                          <m:ctrlPr>
+                            <a:rPr lang="en-US" altLang="zh-CN" sz="2000" i="1" dirty="0">
+                              <a:latin typeface="Cambria Math" charset="0"/>
+                              <a:cs typeface="Cambria Math" charset="0"/>
+                            </a:rPr>
+                          </m:ctrlPr>
+                        </m:fPr>
+                        <m:num>
+                          <m:r>
+                            <a:rPr lang="en-US" altLang="zh-CN" sz="2000" i="1" dirty="0">
+                              <a:latin typeface="Cambria Math" charset="0"/>
+                              <a:cs typeface="Cambria Math" charset="0"/>
+                            </a:rPr>
+                            <m:t>𝑑𝑠</m:t>
+                          </m:r>
+                        </m:num>
+                        <m:den>
+                          <m:r>
+                            <a:rPr lang="en-US" altLang="zh-CN" sz="2000" i="1" dirty="0">
+                              <a:latin typeface="Cambria Math" charset="0"/>
+                              <a:cs typeface="Cambria Math" charset="0"/>
+                            </a:rPr>
+                            <m:t>𝑑𝑡</m:t>
+                          </m:r>
+                        </m:den>
+                      </m:f>
+                      <m:r>
+                        <a:rPr lang="en-US" altLang="zh-CN" sz="2000" i="1" dirty="0">
+                          <a:latin typeface="Cambria Math" charset="0"/>
+                          <a:cs typeface="Cambria Math" charset="0"/>
+                        </a:rPr>
+                        <m:t>=−</m:t>
+                      </m:r>
+                      <m:r>
+                        <a:rPr lang="en-US" altLang="zh-CN" sz="2000" i="1" dirty="0">
+                          <a:latin typeface="Cambria Math" charset="0"/>
+                          <a:cs typeface="Cambria Math" charset="0"/>
+                        </a:rPr>
+                        <m:t>𝑠</m:t>
+                      </m:r>
+                      <m:r>
+                        <a:rPr lang="en-US" altLang="zh-CN" sz="2000" i="1" dirty="0">
+                          <a:latin typeface="Cambria Math" charset="0"/>
+                          <a:cs typeface="Cambria Math" charset="0"/>
+                        </a:rPr>
+                        <m:t>/</m:t>
+                      </m:r>
+                      <m:sSub>
+                        <m:sSubPr>
+                          <m:ctrlPr>
+                            <a:rPr lang="en-US" altLang="zh-CN" sz="2000" i="1" dirty="0">
+                              <a:latin typeface="Cambria Math" charset="0"/>
+                              <a:cs typeface="Cambria Math" charset="0"/>
+                            </a:rPr>
+                          </m:ctrlPr>
+                        </m:sSubPr>
+                        <m:e>
+                          <m:r>
+                            <a:rPr lang="en-US" altLang="zh-CN" sz="2000" i="1" dirty="0">
+                              <a:latin typeface="Cambria Math" charset="0"/>
+                              <a:cs typeface="Cambria Math" charset="0"/>
+                            </a:rPr>
+                            <m:t>𝜏</m:t>
+                          </m:r>
+                        </m:e>
+                        <m:sub>
+                          <m:r>
+                            <a:rPr lang="en-US" altLang="zh-CN" sz="2000" i="1" dirty="0">
+                              <a:latin typeface="Cambria Math" charset="0"/>
+                              <a:cs typeface="Cambria Math" charset="0"/>
+                            </a:rPr>
+                            <m:t>𝑑𝑒𝑐𝑎𝑦</m:t>
+                          </m:r>
+                        </m:sub>
+                      </m:sSub>
+                      <m:r>
+                        <a:rPr lang="en-US" altLang="zh-CN" sz="2000" i="1" dirty="0">
+                          <a:latin typeface="Cambria Math" charset="0"/>
+                          <a:cs typeface="Cambria Math" charset="0"/>
+                        </a:rPr>
+                        <m:t>+</m:t>
+                      </m:r>
+                      <m:r>
+                        <a:rPr lang="en-US" altLang="zh-CN" sz="2000" i="1" dirty="0">
+                          <a:latin typeface="Cambria Math" charset="0"/>
+                          <a:cs typeface="Cambria Math" charset="0"/>
+                        </a:rPr>
+                        <m:t>𝑎𝑥</m:t>
+                      </m:r>
+                      <m:r>
+                        <a:rPr lang="en-US" altLang="zh-CN" sz="2000" i="1" dirty="0">
+                          <a:latin typeface="Cambria Math" charset="0"/>
+                          <a:cs typeface="Cambria Math" charset="0"/>
+                        </a:rPr>
+                        <m:t>(</m:t>
+                      </m:r>
+                      <m:r>
+                        <a:rPr lang="en-US" altLang="zh-CN" sz="2000" i="1" dirty="0">
+                          <a:latin typeface="Cambria Math" charset="0"/>
+                          <a:cs typeface="Cambria Math" charset="0"/>
+                        </a:rPr>
+                        <m:t>1</m:t>
+                      </m:r>
+                      <m:r>
+                        <a:rPr lang="en-US" altLang="zh-CN" sz="2000" i="1" dirty="0">
+                          <a:latin typeface="Cambria Math" charset="0"/>
+                          <a:cs typeface="Cambria Math" charset="0"/>
+                        </a:rPr>
+                        <m:t>−𝑠</m:t>
+                      </m:r>
+                      <m:r>
+                        <a:rPr lang="en-US" altLang="zh-CN" sz="2000" i="1" dirty="0">
+                          <a:latin typeface="Cambria Math" charset="0"/>
+                          <a:cs typeface="Cambria Math" charset="0"/>
+                        </a:rPr>
+                        <m:t>)</m:t>
+                      </m:r>
+                    </m:oMath>
+                  </m:oMathPara>
+                </a14:m>
+                <a:endParaRPr lang="en-US" altLang="zh-CN" sz="2000" i="1" dirty="0">
+                  <a:latin typeface="Cambria Math" charset="0"/>
+                  <a:cs typeface="Cambria Math" charset="0"/>
+                </a:endParaRPr>
+              </a:p>
+              <a:p>
+                <a:pPr fontAlgn="auto">
+                  <a:lnSpc>
+                    <a:spcPts val="1000"/>
+                  </a:lnSpc>
+                </a:pPr>
+                <a:endParaRPr lang="en-US" altLang="zh-CN" sz="2000" i="1" dirty="0">
+                  <a:latin typeface="Cambria Math" charset="0"/>
+                  <a:cs typeface="Cambria Math" charset="0"/>
+                </a:endParaRPr>
+              </a:p>
+              <a:p>
+                <a14:m>
+                  <m:oMathPara xmlns:m="http://schemas.openxmlformats.org/officeDocument/2006/math">
+                    <m:oMathParaPr>
+                      <m:jc m:val="left"/>
+                    </m:oMathParaPr>
+                    <m:oMath xmlns:m="http://schemas.openxmlformats.org/officeDocument/2006/math">
+                      <m:f>
+                        <m:fPr>
+                          <m:ctrlPr>
+                            <a:rPr lang="en-US" altLang="zh-CN" sz="2000" i="1" dirty="0">
+                              <a:latin typeface="Cambria Math" charset="0"/>
+                              <a:cs typeface="Cambria Math" charset="0"/>
+                            </a:rPr>
+                          </m:ctrlPr>
+                        </m:fPr>
+                        <m:num>
+                          <m:r>
+                            <a:rPr lang="en-US" altLang="zh-CN" sz="2000" i="1" dirty="0">
+                              <a:latin typeface="Cambria Math" charset="0"/>
+                              <a:cs typeface="Cambria Math" charset="0"/>
+                            </a:rPr>
+                            <m:t>𝑑𝑥</m:t>
+                          </m:r>
+                        </m:num>
+                        <m:den>
+                          <m:r>
+                            <a:rPr lang="en-US" altLang="zh-CN" sz="2000" i="1" dirty="0">
+                              <a:latin typeface="Cambria Math" charset="0"/>
+                              <a:cs typeface="Cambria Math" charset="0"/>
+                            </a:rPr>
+                            <m:t>𝑑𝑡</m:t>
+                          </m:r>
+                        </m:den>
+                      </m:f>
+                      <m:r>
+                        <a:rPr lang="en-US" altLang="zh-CN" sz="2000" i="1" dirty="0">
+                          <a:latin typeface="Cambria Math" charset="0"/>
+                          <a:cs typeface="Cambria Math" charset="0"/>
+                        </a:rPr>
+                        <m:t>=</m:t>
+                      </m:r>
+                      <m:r>
+                        <a:rPr lang="en-US" altLang="zh-CN" sz="2000" i="1" dirty="0">
+                          <a:latin typeface="Cambria Math" charset="0"/>
+                          <a:cs typeface="Cambria Math" charset="0"/>
+                        </a:rPr>
+                        <m:t>−</m:t>
+                      </m:r>
+                      <m:r>
+                        <a:rPr lang="en-US" altLang="zh-CN" sz="2000" i="1" dirty="0">
+                          <a:latin typeface="Cambria Math" charset="0"/>
+                          <a:cs typeface="Cambria Math" charset="0"/>
+                        </a:rPr>
+                        <m:t>𝑥</m:t>
+                      </m:r>
+                      <m:r>
+                        <a:rPr lang="en-US" altLang="zh-CN" sz="2000" i="1" dirty="0">
+                          <a:latin typeface="Cambria Math" charset="0"/>
+                          <a:cs typeface="Cambria Math" charset="0"/>
+                        </a:rPr>
+                        <m:t>/</m:t>
+                      </m:r>
+                      <m:sSub>
+                        <m:sSubPr>
+                          <m:ctrlPr>
+                            <a:rPr lang="en-US" altLang="zh-CN" sz="2000" i="1" dirty="0">
+                              <a:latin typeface="Cambria Math" charset="0"/>
+                              <a:cs typeface="Cambria Math" charset="0"/>
+                            </a:rPr>
+                          </m:ctrlPr>
+                        </m:sSubPr>
+                        <m:e>
+                          <m:r>
+                            <a:rPr lang="en-US" altLang="zh-CN" sz="2000" i="1" dirty="0">
+                              <a:latin typeface="Cambria Math" charset="0"/>
+                              <a:cs typeface="Cambria Math" charset="0"/>
+                            </a:rPr>
+                            <m:t>𝜏</m:t>
+                          </m:r>
+                        </m:e>
+                        <m:sub>
+                          <m:r>
+                            <a:rPr lang="en-US" altLang="zh-CN" sz="2000" i="1" dirty="0">
+                              <a:latin typeface="Cambria Math" charset="0"/>
+                              <a:cs typeface="Cambria Math" charset="0"/>
+                            </a:rPr>
+                            <m:t>𝑟𝑖𝑠𝑒</m:t>
+                          </m:r>
+                        </m:sub>
+                      </m:sSub>
+                    </m:oMath>
+                  </m:oMathPara>
+                </a14:m>
+                <a:endParaRPr lang="zh-CN" altLang="en-US" sz="2000"/>
+              </a:p>
+            </p:txBody>
+          </p:sp>
+        </mc:Choice>
+        <mc:Fallback>
+          <p:sp>
+            <p:nvSpPr>
+              <p:cNvPr id="7" name="文本框 6"/>
+              <p:cNvSpPr txBox="1">
+                <a:spLocks noRot="1" noChangeAspect="1" noMove="1" noResize="1" noEditPoints="1" noAdjustHandles="1" noChangeArrowheads="1" noChangeShapeType="1" noTextEdit="1"/>
+              </p:cNvSpPr>
+              <p:nvPr/>
+            </p:nvSpPr>
+            <p:spPr>
+              <a:xfrm>
+                <a:off x="7645400" y="3068955"/>
+                <a:ext cx="4360545" cy="1358265"/>
+              </a:xfrm>
+              <a:prstGeom prst="rect">
+                <a:avLst/>
+              </a:prstGeom>
+              <a:blipFill rotWithShape="1">
+                <a:blip r:embed="rId2"/>
+                <a:stretch>
+                  <a:fillRect/>
+                </a:stretch>
+              </a:blipFill>
+            </p:spPr>
+            <p:txBody>
+              <a:bodyPr/>
+              <a:lstStyle/>
+              <a:p>
+                <a:r>
+                  <a:rPr lang="zh-CN" altLang="en-US">
+                    <a:noFill/>
+                  </a:rPr>
+                  <a:t> </a:t>
+                </a:r>
+              </a:p>
+            </p:txBody>
+          </p:sp>
+        </mc:Fallback>
+      </mc:AlternateContent>
+      <p:sp>
+        <p:nvSpPr>
+          <p:cNvPr id="12" name="右大括号 11"/>
+          <p:cNvSpPr/>
+          <p:nvPr/>
+        </p:nvSpPr>
+        <p:spPr>
+          <a:xfrm>
+            <a:off x="7158934" y="3503010"/>
+            <a:ext cx="216000" cy="576000"/>
+          </a:xfrm>
+          <a:prstGeom prst="rightBrace">
+            <a:avLst/>
+          </a:prstGeom>
+          <a:ln>
+            <a:solidFill>
+              <a:schemeClr val="tx1"/>
+            </a:solidFill>
+          </a:ln>
+        </p:spPr>
+        <p:style>
+          <a:lnRef idx="1">
+            <a:schemeClr val="accent1"/>
+          </a:lnRef>
+          <a:fillRef idx="0">
+            <a:schemeClr val="accent1"/>
+          </a:fillRef>
+          <a:effectRef idx="0">
+            <a:schemeClr val="accent1"/>
+          </a:effectRef>
+          <a:fontRef idx="minor">
+            <a:schemeClr val="tx1"/>
+          </a:fontRef>
+        </p:style>
+        <p:txBody>
+          <a:bodyPr rtlCol="0" anchor="ctr"/>
+          <a:p>
+            <a:pPr algn="ctr"/>
+            <a:endParaRPr lang="zh-CN" altLang="en-US"/>
+          </a:p>
+        </p:txBody>
+      </p:sp>
+    </p:spTree>
+  </p:cSld>
+  <p:clrMapOvr>
+    <a:masterClrMapping/>
+  </p:clrMapOvr>
+  <p:timing>
+    <p:tnLst>
+      <p:par>
+        <p:cTn id="1" dur="indefinite" restart="never" nodeType="tmRoot"/>
+      </p:par>
+    </p:tnLst>
+  </p:timing>
+</p:sld>
+</file>
+
+<file path=ppt/slides/slide4.xml><?xml version="1.0" encoding="utf-8"?>
+<p:sld xmlns:a="http://schemas.openxmlformats.org/drawingml/2006/main" xmlns:r="http://schemas.openxmlformats.org/officeDocument/2006/relationships" xmlns:p="http://schemas.openxmlformats.org/presentationml/2006/main">
+  <p:cSld>
+    <p:spTree>
+      <p:nvGrpSpPr>
+        <p:cNvPr id="1" name=""/>
+        <p:cNvGrpSpPr/>
+        <p:nvPr/>
+      </p:nvGrpSpPr>
+      <p:grpSpPr/>
+      <p:pic>
+        <p:nvPicPr>
+          <p:cNvPr id="3" name="图片 2" descr="/Users/mac/Documents/github/BrainPy-Models/docs/brainpy_handbook/ppt/figs/syns/nmda_update.pngnmda_update"/>
+          <p:cNvPicPr>
+            <a:picLocks noChangeAspect="1"/>
+          </p:cNvPicPr>
+          <p:nvPr/>
+        </p:nvPicPr>
+        <p:blipFill>
+          <a:blip r:embed="rId1"/>
+          <a:srcRect/>
+          <a:stretch>
+            <a:fillRect/>
+          </a:stretch>
+        </p:blipFill>
+        <p:spPr>
+          <a:xfrm>
+            <a:off x="22033" y="2372804"/>
+            <a:ext cx="10654975" cy="6299200"/>
+          </a:xfrm>
+          <a:prstGeom prst="rect">
+            <a:avLst/>
+          </a:prstGeom>
+        </p:spPr>
+      </p:pic>
+      <p:sp>
+        <p:nvSpPr>
+          <p:cNvPr id="2" name="标题 1"/>
+          <p:cNvSpPr>
+            <a:spLocks noGrp="1"/>
+          </p:cNvSpPr>
+          <p:nvPr>
+            <p:ph type="title"/>
+          </p:nvPr>
+        </p:nvSpPr>
+        <p:spPr>
+          <a:xfrm>
+            <a:off x="942975" y="528320"/>
+            <a:ext cx="11830050" cy="1216660"/>
+          </a:xfrm>
+        </p:spPr>
+        <p:txBody>
+          <a:bodyPr/>
+          <a:p>
+            <a:pPr algn="ctr"/>
+            <a:r>
+              <a:rPr lang="en-US" altLang="zh-CN" sz="5400">
+                <a:cs typeface="+mj-lt"/>
+              </a:rPr>
+              <a:t>NMDA</a:t>
+            </a:r>
+            <a:endParaRPr lang="en-US" altLang="zh-CN" sz="5400">
+              <a:cs typeface="+mj-lt"/>
+            </a:endParaRPr>
+          </a:p>
+        </p:txBody>
+      </p:sp>
       <p:cxnSp>
         <p:nvCxnSpPr>
           <p:cNvPr id="18" name="直接箭头连接符 17"/>
@@ -8546,73 +10624,8 @@
         </p:nvCxnSpPr>
         <p:spPr>
           <a:xfrm>
-            <a:off x="5148000" y="6999605"/>
-            <a:ext cx="4392000" cy="0"/>
-          </a:xfrm>
-          <a:prstGeom prst="straightConnector1">
-            <a:avLst/>
-          </a:prstGeom>
-          <a:ln>
-            <a:solidFill>
-              <a:schemeClr val="tx1"/>
-            </a:solidFill>
-            <a:tailEnd type="arrow"/>
-          </a:ln>
-        </p:spPr>
-        <p:style>
-          <a:lnRef idx="1">
-            <a:schemeClr val="accent1"/>
-          </a:lnRef>
-          <a:fillRef idx="0">
-            <a:schemeClr val="accent1"/>
-          </a:fillRef>
-          <a:effectRef idx="0">
-            <a:schemeClr val="accent1"/>
-          </a:effectRef>
-          <a:fontRef idx="minor">
-            <a:schemeClr val="tx1"/>
-          </a:fontRef>
-        </p:style>
-      </p:cxnSp>
-      <p:sp>
-        <p:nvSpPr>
-          <p:cNvPr id="19" name="文本框 18"/>
-          <p:cNvSpPr txBox="1"/>
-          <p:nvPr/>
-        </p:nvSpPr>
-        <p:spPr>
-          <a:xfrm>
-            <a:off x="9644380" y="6800215"/>
-            <a:ext cx="3228975" cy="398780"/>
-          </a:xfrm>
-          <a:prstGeom prst="rect">
-            <a:avLst/>
-          </a:prstGeom>
-          <a:noFill/>
-        </p:spPr>
-        <p:txBody>
-          <a:bodyPr wrap="square" rtlCol="0">
-            <a:spAutoFit/>
-          </a:bodyPr>
-          <a:p>
-            <a:r>
-              <a:rPr lang="en-US" altLang="zh-CN" sz="2000"/>
-              <a:t>A method to run synapse</a:t>
-            </a:r>
-            <a:endParaRPr lang="en-US" altLang="zh-CN" sz="2000"/>
-          </a:p>
-        </p:txBody>
-      </p:sp>
-      <p:cxnSp>
-        <p:nvCxnSpPr>
-          <p:cNvPr id="4" name="直接箭头连接符 3"/>
-          <p:cNvCxnSpPr/>
-          <p:nvPr/>
-        </p:nvCxnSpPr>
-        <p:spPr>
-          <a:xfrm>
-            <a:off x="5688000" y="6005830"/>
-            <a:ext cx="1332000" cy="0"/>
+            <a:off x="6726555" y="4183380"/>
+            <a:ext cx="2124000" cy="0"/>
           </a:xfrm>
           <a:prstGeom prst="straightConnector1">
             <a:avLst/>
@@ -8647,8 +10660,8 @@
         </p:nvSpPr>
         <p:spPr>
           <a:xfrm>
-            <a:off x="7094220" y="5806440"/>
-            <a:ext cx="2779395" cy="398780"/>
+            <a:off x="9010650" y="3924300"/>
+            <a:ext cx="3689350" cy="398780"/>
           </a:xfrm>
           <a:prstGeom prst="rect">
             <a:avLst/>
@@ -8662,12 +10675,291 @@
           <a:p>
             <a:r>
               <a:rPr lang="en-US" altLang="zh-CN" sz="2000"/>
-              <a:t>Set numba backend</a:t>
+              <a:t>if (pre spike), then x = x + 1</a:t>
             </a:r>
             <a:endParaRPr lang="en-US" altLang="zh-CN" sz="2000"/>
           </a:p>
         </p:txBody>
       </p:sp>
+      <mc:AlternateContent xmlns:mc="http://schemas.openxmlformats.org/markup-compatibility/2006">
+        <mc:Choice xmlns:a14="http://schemas.microsoft.com/office/drawing/2010/main" Requires="a14">
+          <p:sp>
+            <p:nvSpPr>
+              <p:cNvPr id="12" name="文本框 11"/>
+              <p:cNvSpPr txBox="1"/>
+              <p:nvPr/>
+            </p:nvSpPr>
+            <p:spPr>
+              <a:xfrm>
+                <a:off x="10071735" y="5983605"/>
+                <a:ext cx="3253105" cy="798830"/>
+              </a:xfrm>
+              <a:prstGeom prst="rect">
+                <a:avLst/>
+              </a:prstGeom>
+              <a:noFill/>
+            </p:spPr>
+            <p:txBody>
+              <a:bodyPr wrap="square" rtlCol="0" anchor="t">
+                <a:spAutoFit/>
+              </a:bodyPr>
+              <a:p>
+                <a14:m>
+                  <m:oMathPara xmlns:m="http://schemas.openxmlformats.org/officeDocument/2006/math">
+                    <m:oMathParaPr>
+                      <m:jc m:val="left"/>
+                    </m:oMathParaPr>
+                    <m:oMath xmlns:m="http://schemas.openxmlformats.org/officeDocument/2006/math">
+                      <m:sSub>
+                        <m:sSubPr>
+                          <m:ctrlPr>
+                            <a:rPr lang="en-US" altLang="zh-CN" sz="2000" i="1" dirty="0">
+                              <a:latin typeface="Cambria Math" charset="0"/>
+                              <a:cs typeface="Cambria Math" charset="0"/>
+                            </a:rPr>
+                          </m:ctrlPr>
+                        </m:sSubPr>
+                        <m:e>
+                          <m:r>
+                            <a:rPr lang="en-US" altLang="zh-CN" sz="2000" i="1" dirty="0">
+                              <a:latin typeface="Cambria Math" charset="0"/>
+                              <a:cs typeface="Cambria Math" charset="0"/>
+                            </a:rPr>
+                            <m:t>𝑔</m:t>
+                          </m:r>
+                        </m:e>
+                        <m:sub>
+                          <m:r>
+                            <a:rPr lang="en-US" altLang="zh-CN" sz="2000" i="1" dirty="0">
+                              <a:latin typeface="Cambria Math" charset="0"/>
+                              <a:cs typeface="Cambria Math" charset="0"/>
+                            </a:rPr>
+                            <m:t>∞</m:t>
+                          </m:r>
+                        </m:sub>
+                      </m:sSub>
+                      <m:r>
+                        <a:rPr lang="en-US" altLang="zh-CN" sz="2000" i="1" dirty="0">
+                          <a:latin typeface="Cambria Math" charset="0"/>
+                          <a:cs typeface="Cambria Math" charset="0"/>
+                        </a:rPr>
+                        <m:t>=(</m:t>
+                      </m:r>
+                      <m:r>
+                        <a:rPr lang="en-US" altLang="zh-CN" sz="2000" i="1" dirty="0">
+                          <a:latin typeface="Cambria Math" charset="0"/>
+                          <a:cs typeface="Cambria Math" charset="0"/>
+                        </a:rPr>
+                        <m:t>1</m:t>
+                      </m:r>
+                      <m:r>
+                        <a:rPr lang="en-US" altLang="zh-CN" sz="2000" i="1" dirty="0">
+                          <a:latin typeface="Cambria Math" charset="0"/>
+                          <a:cs typeface="Cambria Math" charset="0"/>
+                        </a:rPr>
+                        <m:t>+</m:t>
+                      </m:r>
+                      <m:sSup>
+                        <m:sSupPr>
+                          <m:ctrlPr>
+                            <a:rPr lang="en-US" altLang="zh-CN" sz="2000" i="1" dirty="0">
+                              <a:latin typeface="Cambria Math" charset="0"/>
+                              <a:cs typeface="Cambria Math" charset="0"/>
+                            </a:rPr>
+                          </m:ctrlPr>
+                        </m:sSupPr>
+                        <m:e>
+                          <m:r>
+                            <a:rPr lang="en-US" altLang="zh-CN" sz="2000" i="1" dirty="0">
+                              <a:latin typeface="Cambria Math" charset="0"/>
+                              <a:cs typeface="Cambria Math" charset="0"/>
+                            </a:rPr>
+                            <m:t>𝑒</m:t>
+                          </m:r>
+                        </m:e>
+                        <m:sup>
+                          <m:r>
+                            <a:rPr lang="en-US" altLang="zh-CN" sz="2000" i="1" dirty="0">
+                              <a:latin typeface="Cambria Math" charset="0"/>
+                              <a:cs typeface="Cambria Math" charset="0"/>
+                            </a:rPr>
+                            <m:t>−</m:t>
+                          </m:r>
+                          <m:r>
+                            <a:rPr lang="en-US" altLang="zh-CN" sz="2000" i="1" dirty="0">
+                              <a:latin typeface="Cambria Math" charset="0"/>
+                              <a:cs typeface="Cambria Math" charset="0"/>
+                            </a:rPr>
+                            <m:t>𝛼</m:t>
+                          </m:r>
+                          <m:r>
+                            <a:rPr lang="en-US" altLang="zh-CN" sz="2000" i="1" dirty="0">
+                              <a:latin typeface="Cambria Math" charset="0"/>
+                              <a:cs typeface="Cambria Math" charset="0"/>
+                            </a:rPr>
+                            <m:t>𝑉</m:t>
+                          </m:r>
+                        </m:sup>
+                      </m:sSup>
+                      <m:f>
+                        <m:fPr>
+                          <m:ctrlPr>
+                            <a:rPr lang="en-US" altLang="zh-CN" sz="2000" i="1" dirty="0">
+                              <a:latin typeface="Cambria Math" charset="0"/>
+                              <a:cs typeface="Cambria Math" charset="0"/>
+                            </a:rPr>
+                          </m:ctrlPr>
+                        </m:fPr>
+                        <m:num>
+                          <m:sSub>
+                            <m:sSubPr>
+                              <m:ctrlPr>
+                                <a:rPr lang="en-US" altLang="zh-CN" sz="2000" i="1" dirty="0">
+                                  <a:latin typeface="Cambria Math" charset="0"/>
+                                  <a:cs typeface="Cambria Math" charset="0"/>
+                                </a:rPr>
+                              </m:ctrlPr>
+                            </m:sSubPr>
+                            <m:e>
+                              <m:r>
+                                <a:rPr lang="en-US" altLang="zh-CN" sz="2000" i="1" dirty="0">
+                                  <a:latin typeface="Cambria Math" charset="0"/>
+                                  <a:cs typeface="Cambria Math" charset="0"/>
+                                </a:rPr>
+                                <m:t>𝑐</m:t>
+                              </m:r>
+                            </m:e>
+                            <m:sub>
+                              <m:r>
+                                <a:rPr lang="en-US" altLang="zh-CN" sz="2000" i="1" dirty="0">
+                                  <a:latin typeface="Cambria Math" charset="0"/>
+                                  <a:cs typeface="Cambria Math" charset="0"/>
+                                </a:rPr>
+                                <m:t>𝑀</m:t>
+                              </m:r>
+                              <m:r>
+                                <a:rPr lang="en-US" altLang="zh-CN" sz="2000" i="1" dirty="0">
+                                  <a:latin typeface="Cambria Math" charset="0"/>
+                                  <a:cs typeface="Cambria Math" charset="0"/>
+                                </a:rPr>
+                                <m:t> </m:t>
+                              </m:r>
+                              <m:r>
+                                <a:rPr lang="en-US" altLang="zh-CN" sz="2000" i="1" dirty="0">
+                                  <a:latin typeface="Cambria Math" charset="0"/>
+                                  <a:cs typeface="Cambria Math" charset="0"/>
+                                </a:rPr>
+                                <m:t>𝑔</m:t>
+                              </m:r>
+                            </m:sub>
+                          </m:sSub>
+                        </m:num>
+                        <m:den>
+                          <m:r>
+                            <a:rPr lang="en-US" altLang="zh-CN" sz="2000" i="1" dirty="0">
+                              <a:latin typeface="Cambria Math" charset="0"/>
+                              <a:cs typeface="Cambria Math" charset="0"/>
+                            </a:rPr>
+                            <m:t>𝛽</m:t>
+                          </m:r>
+                        </m:den>
+                      </m:f>
+                      <m:sSup>
+                        <m:sSupPr>
+                          <m:ctrlPr>
+                            <a:rPr lang="en-US" altLang="zh-CN" sz="2000" i="1" dirty="0">
+                              <a:latin typeface="Cambria Math" charset="0"/>
+                              <a:cs typeface="Cambria Math" charset="0"/>
+                            </a:rPr>
+                          </m:ctrlPr>
+                        </m:sSupPr>
+                        <m:e>
+                          <m:r>
+                            <a:rPr lang="en-US" altLang="zh-CN" sz="2000" i="1" dirty="0">
+                              <a:latin typeface="Cambria Math" charset="0"/>
+                              <a:cs typeface="Cambria Math" charset="0"/>
+                            </a:rPr>
+                            <m:t>)</m:t>
+                          </m:r>
+                        </m:e>
+                        <m:sup>
+                          <m:r>
+                            <a:rPr lang="en-US" altLang="zh-CN" sz="2000" i="1" dirty="0">
+                              <a:latin typeface="Cambria Math" charset="0"/>
+                              <a:cs typeface="Cambria Math" charset="0"/>
+                            </a:rPr>
+                            <m:t>−</m:t>
+                          </m:r>
+                          <m:r>
+                            <a:rPr lang="en-US" altLang="zh-CN" sz="2000" i="1" dirty="0">
+                              <a:latin typeface="Cambria Math" charset="0"/>
+                              <a:cs typeface="Cambria Math" charset="0"/>
+                            </a:rPr>
+                            <m:t>1</m:t>
+                          </m:r>
+                        </m:sup>
+                      </m:sSup>
+                    </m:oMath>
+                  </m:oMathPara>
+                </a14:m>
+                <a:endParaRPr lang="en-US" altLang="zh-CN" sz="2000" i="1" dirty="0">
+                  <a:latin typeface="Cambria Math" charset="0"/>
+                  <a:cs typeface="Cambria Math" charset="0"/>
+                </a:endParaRPr>
+              </a:p>
+              <a:p>
+                <a:pPr fontAlgn="auto">
+                  <a:lnSpc>
+                    <a:spcPts val="1000"/>
+                  </a:lnSpc>
+                </a:pPr>
+                <a:endParaRPr lang="en-US" altLang="zh-CN" sz="2000" i="1" dirty="0">
+                  <a:latin typeface="Cambria Math" charset="0"/>
+                  <a:cs typeface="Cambria Math" charset="0"/>
+                </a:endParaRPr>
+              </a:p>
+            </p:txBody>
+          </p:sp>
+        </mc:Choice>
+        <mc:Fallback>
+          <p:sp>
+            <p:nvSpPr>
+              <p:cNvPr id="12" name="文本框 11"/>
+              <p:cNvSpPr txBox="1">
+                <a:spLocks noRot="1" noChangeAspect="1" noMove="1" noResize="1" noEditPoints="1" noAdjustHandles="1" noChangeArrowheads="1" noChangeShapeType="1" noTextEdit="1"/>
+              </p:cNvSpPr>
+              <p:nvPr/>
+            </p:nvSpPr>
+            <p:spPr>
+              <a:xfrm>
+                <a:off x="10071735" y="5983605"/>
+                <a:ext cx="3253105" cy="798830"/>
+              </a:xfrm>
+              <a:prstGeom prst="rect">
+                <a:avLst/>
+              </a:prstGeom>
+              <a:blipFill rotWithShape="1">
+                <a:blip r:embed="rId2"/>
+                <a:stretch>
+                  <a:fillRect/>
+                </a:stretch>
+              </a:blipFill>
+            </p:spPr>
+            <p:txBody>
+              <a:bodyPr/>
+              <a:lstStyle/>
+              <a:p>
+                <a:r>
+                  <a:rPr lang="zh-CN" altLang="en-US">
+                    <a:noFill/>
+                  </a:rPr>
+                  <a:t> </a:t>
+                </a:r>
+              </a:p>
+            </p:txBody>
+          </p:sp>
+        </mc:Fallback>
+      </mc:AlternateContent>
       <p:sp>
         <p:nvSpPr>
           <p:cNvPr id="13" name="右大括号 12"/>
@@ -8676,8 +10968,8 @@
         </p:nvSpPr>
         <p:spPr>
           <a:xfrm>
-            <a:off x="6319464" y="7219030"/>
-            <a:ext cx="216000" cy="612000"/>
+            <a:off x="9697029" y="6096985"/>
+            <a:ext cx="216000" cy="576000"/>
           </a:xfrm>
           <a:prstGeom prst="rightBrace">
             <a:avLst/>
@@ -8710,45 +11002,16 @@
           </a:p>
         </p:txBody>
       </p:sp>
-      <p:sp>
-        <p:nvSpPr>
-          <p:cNvPr id="22" name="文本框 21"/>
-          <p:cNvSpPr txBox="1"/>
-          <p:nvPr/>
-        </p:nvSpPr>
-        <p:spPr>
-          <a:xfrm>
-            <a:off x="6657975" y="7176135"/>
-            <a:ext cx="3803650" cy="706755"/>
-          </a:xfrm>
-          <a:prstGeom prst="rect">
-            <a:avLst/>
-          </a:prstGeom>
-          <a:noFill/>
-        </p:spPr>
-        <p:txBody>
-          <a:bodyPr wrap="square" rtlCol="0">
-            <a:spAutoFit/>
-          </a:bodyPr>
-          <a:p>
-            <a:r>
-              <a:rPr lang="en-US" altLang="zh-CN" sz="2000"/>
-              <a:t>Get two LIF neuron groups from brainmodels package</a:t>
-            </a:r>
-            <a:endParaRPr lang="en-US" altLang="zh-CN" sz="2000"/>
-          </a:p>
-        </p:txBody>
-      </p:sp>
       <p:cxnSp>
         <p:nvCxnSpPr>
-          <p:cNvPr id="23" name="直接箭头连接符 22"/>
+          <p:cNvPr id="17" name="直接箭头连接符 16"/>
           <p:cNvCxnSpPr/>
           <p:nvPr/>
         </p:nvCxnSpPr>
         <p:spPr>
           <a:xfrm>
-            <a:off x="6587999" y="8691880"/>
-            <a:ext cx="2808000" cy="0"/>
+            <a:off x="8049260" y="7154545"/>
+            <a:ext cx="2124000" cy="0"/>
           </a:xfrm>
           <a:prstGeom prst="straightConnector1">
             <a:avLst/>
@@ -8775,16 +11038,981 @@
           </a:fontRef>
         </p:style>
       </p:cxnSp>
+      <mc:AlternateContent xmlns:mc="http://schemas.openxmlformats.org/markup-compatibility/2006">
+        <mc:Choice xmlns:a14="http://schemas.microsoft.com/office/drawing/2010/main" Requires="a14">
+          <p:sp>
+            <p:nvSpPr>
+              <p:cNvPr id="22" name="文本框 21"/>
+              <p:cNvSpPr txBox="1"/>
+              <p:nvPr/>
+            </p:nvSpPr>
+            <p:spPr>
+              <a:xfrm>
+                <a:off x="10264140" y="6894195"/>
+                <a:ext cx="1927860" cy="582930"/>
+              </a:xfrm>
+              <a:prstGeom prst="rect">
+                <a:avLst/>
+              </a:prstGeom>
+              <a:noFill/>
+            </p:spPr>
+            <p:txBody>
+              <a:bodyPr wrap="square" rtlCol="0" anchor="t">
+                <a:spAutoFit/>
+              </a:bodyPr>
+              <a:p>
+                <a14:m>
+                  <m:oMathPara xmlns:m="http://schemas.openxmlformats.org/officeDocument/2006/math">
+                    <m:oMathParaPr>
+                      <m:jc m:val="left"/>
+                    </m:oMathParaPr>
+                    <m:oMath xmlns:m="http://schemas.openxmlformats.org/officeDocument/2006/math">
+                      <m:r>
+                        <a:rPr lang="en-US" altLang="zh-CN" sz="2000" i="1" dirty="0">
+                          <a:latin typeface="Cambria Math" charset="0"/>
+                          <a:cs typeface="Cambria Math" charset="0"/>
+                        </a:rPr>
+                        <m:t>𝑔</m:t>
+                      </m:r>
+                      <m:r>
+                        <a:rPr lang="en-US" altLang="zh-CN" sz="2000" i="1" dirty="0">
+                          <a:latin typeface="Cambria Math" charset="0"/>
+                          <a:cs typeface="Cambria Math" charset="0"/>
+                        </a:rPr>
+                        <m:t>=</m:t>
+                      </m:r>
+                      <m:bar>
+                        <m:barPr>
+                          <m:pos m:val="top"/>
+                          <m:ctrlPr>
+                            <a:rPr lang="en-US" altLang="zh-CN" sz="2000" i="1" dirty="0">
+                              <a:latin typeface="Cambria Math" charset="0"/>
+                              <a:cs typeface="Cambria Math" charset="0"/>
+                            </a:rPr>
+                          </m:ctrlPr>
+                        </m:barPr>
+                        <m:e>
+                          <m:r>
+                            <a:rPr lang="en-US" altLang="zh-CN" sz="2000" i="1" dirty="0">
+                              <a:latin typeface="Cambria Math" charset="0"/>
+                              <a:cs typeface="Cambria Math" charset="0"/>
+                            </a:rPr>
+                            <m:t>𝑔</m:t>
+                          </m:r>
+                        </m:e>
+                      </m:bar>
+                      <m:r>
+                        <a:rPr lang="en-US" altLang="zh-CN" sz="2000" i="1" dirty="0">
+                          <a:latin typeface="Cambria Math" charset="0"/>
+                          <a:cs typeface="Cambria Math" charset="0"/>
+                        </a:rPr>
+                        <m:t> </m:t>
+                      </m:r>
+                      <m:sSub>
+                        <m:sSubPr>
+                          <m:ctrlPr>
+                            <a:rPr lang="en-US" altLang="zh-CN" sz="2000" i="1" dirty="0">
+                              <a:latin typeface="Cambria Math" charset="0"/>
+                              <a:cs typeface="Cambria Math" charset="0"/>
+                            </a:rPr>
+                          </m:ctrlPr>
+                        </m:sSubPr>
+                        <m:e>
+                          <m:r>
+                            <a:rPr lang="en-US" altLang="zh-CN" sz="2000" i="1" dirty="0">
+                              <a:latin typeface="Cambria Math" charset="0"/>
+                              <a:cs typeface="Cambria Math" charset="0"/>
+                            </a:rPr>
+                            <m:t>𝑔</m:t>
+                          </m:r>
+                        </m:e>
+                        <m:sub>
+                          <m:r>
+                            <a:rPr lang="en-US" altLang="zh-CN" sz="2000" i="1" dirty="0">
+                              <a:latin typeface="Cambria Math" charset="0"/>
+                              <a:cs typeface="Cambria Math" charset="0"/>
+                            </a:rPr>
+                            <m:t>∞</m:t>
+                          </m:r>
+                        </m:sub>
+                      </m:sSub>
+                      <m:r>
+                        <a:rPr lang="en-US" altLang="zh-CN" sz="2000" i="1" dirty="0">
+                          <a:latin typeface="Cambria Math" charset="0"/>
+                          <a:cs typeface="Cambria Math" charset="0"/>
+                        </a:rPr>
+                        <m:t>𝑠</m:t>
+                      </m:r>
+                    </m:oMath>
+                  </m:oMathPara>
+                </a14:m>
+                <a:endParaRPr lang="en-US" altLang="zh-CN" sz="2000" i="1" dirty="0">
+                  <a:latin typeface="Cambria Math" charset="0"/>
+                  <a:cs typeface="Cambria Math" charset="0"/>
+                </a:endParaRPr>
+              </a:p>
+              <a:p>
+                <a:pPr fontAlgn="auto">
+                  <a:lnSpc>
+                    <a:spcPts val="1000"/>
+                  </a:lnSpc>
+                </a:pPr>
+                <a:endParaRPr lang="en-US" altLang="zh-CN" sz="2000" i="1" dirty="0">
+                  <a:latin typeface="Cambria Math" charset="0"/>
+                  <a:cs typeface="Cambria Math" charset="0"/>
+                </a:endParaRPr>
+              </a:p>
+            </p:txBody>
+          </p:sp>
+        </mc:Choice>
+        <mc:Fallback>
+          <p:sp>
+            <p:nvSpPr>
+              <p:cNvPr id="22" name="文本框 21"/>
+              <p:cNvSpPr txBox="1">
+                <a:spLocks noRot="1" noChangeAspect="1" noMove="1" noResize="1" noEditPoints="1" noAdjustHandles="1" noChangeArrowheads="1" noChangeShapeType="1" noTextEdit="1"/>
+              </p:cNvSpPr>
+              <p:nvPr/>
+            </p:nvSpPr>
+            <p:spPr>
+              <a:xfrm>
+                <a:off x="10264140" y="6894195"/>
+                <a:ext cx="1927860" cy="582930"/>
+              </a:xfrm>
+              <a:prstGeom prst="rect">
+                <a:avLst/>
+              </a:prstGeom>
+              <a:blipFill rotWithShape="1">
+                <a:blip r:embed="rId3"/>
+                <a:stretch>
+                  <a:fillRect/>
+                </a:stretch>
+              </a:blipFill>
+            </p:spPr>
+            <p:txBody>
+              <a:bodyPr/>
+              <a:lstStyle/>
+              <a:p>
+                <a:r>
+                  <a:rPr lang="zh-CN" altLang="en-US">
+                    <a:noFill/>
+                  </a:rPr>
+                  <a:t> </a:t>
+                </a:r>
+              </a:p>
+            </p:txBody>
+          </p:sp>
+        </mc:Fallback>
+      </mc:AlternateContent>
+      <mc:AlternateContent xmlns:mc="http://schemas.openxmlformats.org/markup-compatibility/2006">
+        <mc:Choice xmlns:a14="http://schemas.microsoft.com/office/drawing/2010/main" Requires="a14">
+          <p:sp>
+            <p:nvSpPr>
+              <p:cNvPr id="24" name="文本框 23"/>
+              <p:cNvSpPr txBox="1"/>
+              <p:nvPr/>
+            </p:nvSpPr>
+            <p:spPr>
+              <a:xfrm>
+                <a:off x="9917430" y="7775575"/>
+                <a:ext cx="2274570" cy="451485"/>
+              </a:xfrm>
+              <a:prstGeom prst="rect">
+                <a:avLst/>
+              </a:prstGeom>
+              <a:noFill/>
+            </p:spPr>
+            <p:txBody>
+              <a:bodyPr wrap="square" rtlCol="0" anchor="t">
+                <a:spAutoFit/>
+              </a:bodyPr>
+              <a:p>
+                <a14:m>
+                  <m:oMathPara xmlns:m="http://schemas.openxmlformats.org/officeDocument/2006/math">
+                    <m:oMathParaPr>
+                      <m:jc m:val="left"/>
+                    </m:oMathParaPr>
+                    <m:oMath xmlns:m="http://schemas.openxmlformats.org/officeDocument/2006/math">
+                      <m:r>
+                        <a:rPr lang="en-US" altLang="zh-CN" sz="2000" i="1" dirty="0">
+                          <a:latin typeface="Cambria Math" charset="0"/>
+                          <a:cs typeface="Cambria Math" charset="0"/>
+                        </a:rPr>
+                        <m:t>𝐼</m:t>
+                      </m:r>
+                      <m:r>
+                        <a:rPr lang="en-US" altLang="zh-CN" sz="2000" i="1" dirty="0">
+                          <a:latin typeface="Cambria Math" charset="0"/>
+                          <a:cs typeface="Cambria Math" charset="0"/>
+                        </a:rPr>
+                        <m:t>=</m:t>
+                      </m:r>
+                      <m:r>
+                        <a:rPr lang="en-US" altLang="zh-CN" sz="2000" i="1" dirty="0">
+                          <a:latin typeface="Cambria Math" charset="0"/>
+                          <a:cs typeface="Cambria Math" charset="0"/>
+                        </a:rPr>
+                        <m:t>𝑔</m:t>
+                      </m:r>
+                      <m:r>
+                        <a:rPr lang="en-US" altLang="zh-CN" sz="2000" i="1" dirty="0">
+                          <a:latin typeface="Cambria Math" charset="0"/>
+                          <a:cs typeface="Cambria Math" charset="0"/>
+                        </a:rPr>
+                        <m:t>(</m:t>
+                      </m:r>
+                      <m:r>
+                        <a:rPr lang="en-US" altLang="zh-CN" sz="2000" i="1" dirty="0">
+                          <a:latin typeface="Cambria Math" charset="0"/>
+                          <a:cs typeface="Cambria Math" charset="0"/>
+                        </a:rPr>
+                        <m:t>𝑉</m:t>
+                      </m:r>
+                      <m:r>
+                        <a:rPr lang="en-US" altLang="zh-CN" sz="2000" i="1" dirty="0">
+                          <a:latin typeface="Cambria Math" charset="0"/>
+                          <a:cs typeface="Cambria Math" charset="0"/>
+                        </a:rPr>
+                        <m:t>−</m:t>
+                      </m:r>
+                      <m:r>
+                        <a:rPr lang="en-US" altLang="zh-CN" sz="2000" i="1" dirty="0">
+                          <a:latin typeface="Cambria Math" charset="0"/>
+                          <a:cs typeface="Cambria Math" charset="0"/>
+                        </a:rPr>
+                        <m:t>𝐸</m:t>
+                      </m:r>
+                      <m:r>
+                        <a:rPr lang="en-US" altLang="zh-CN" sz="2000" i="1" dirty="0">
+                          <a:latin typeface="Cambria Math" charset="0"/>
+                          <a:cs typeface="Cambria Math" charset="0"/>
+                        </a:rPr>
+                        <m:t>)</m:t>
+                      </m:r>
+                    </m:oMath>
+                  </m:oMathPara>
+                </a14:m>
+                <a:endParaRPr lang="zh-CN" altLang="en-US" sz="2000"/>
+              </a:p>
+            </p:txBody>
+          </p:sp>
+        </mc:Choice>
+        <mc:Fallback>
+          <p:sp>
+            <p:nvSpPr>
+              <p:cNvPr id="24" name="文本框 23"/>
+              <p:cNvSpPr txBox="1">
+                <a:spLocks noRot="1" noChangeAspect="1" noMove="1" noResize="1" noEditPoints="1" noAdjustHandles="1" noChangeArrowheads="1" noChangeShapeType="1" noTextEdit="1"/>
+              </p:cNvSpPr>
+              <p:nvPr/>
+            </p:nvSpPr>
+            <p:spPr>
+              <a:xfrm>
+                <a:off x="9917430" y="7775575"/>
+                <a:ext cx="2274570" cy="451485"/>
+              </a:xfrm>
+              <a:prstGeom prst="rect">
+                <a:avLst/>
+              </a:prstGeom>
+              <a:blipFill rotWithShape="1">
+                <a:blip r:embed="rId4"/>
+                <a:stretch>
+                  <a:fillRect/>
+                </a:stretch>
+              </a:blipFill>
+            </p:spPr>
+            <p:txBody>
+              <a:bodyPr/>
+              <a:lstStyle/>
+              <a:p>
+                <a:r>
+                  <a:rPr lang="zh-CN" altLang="en-US">
+                    <a:noFill/>
+                  </a:rPr>
+                  <a:t> </a:t>
+                </a:r>
+              </a:p>
+            </p:txBody>
+          </p:sp>
+        </mc:Fallback>
+      </mc:AlternateContent>
       <p:sp>
         <p:nvSpPr>
-          <p:cNvPr id="24" name="文本框 23"/>
+          <p:cNvPr id="25" name="右大括号 24"/>
+          <p:cNvSpPr/>
+          <p:nvPr/>
+        </p:nvSpPr>
+        <p:spPr>
+          <a:xfrm>
+            <a:off x="9485400" y="7727105"/>
+            <a:ext cx="216000" cy="576000"/>
+          </a:xfrm>
+          <a:prstGeom prst="rightBrace">
+            <a:avLst/>
+          </a:prstGeom>
+          <a:ln>
+            <a:solidFill>
+              <a:schemeClr val="tx1"/>
+            </a:solidFill>
+          </a:ln>
+        </p:spPr>
+        <p:style>
+          <a:lnRef idx="1">
+            <a:schemeClr val="accent1"/>
+          </a:lnRef>
+          <a:fillRef idx="0">
+            <a:schemeClr val="accent1"/>
+          </a:fillRef>
+          <a:effectRef idx="0">
+            <a:schemeClr val="accent1"/>
+          </a:effectRef>
+          <a:fontRef idx="minor">
+            <a:schemeClr val="tx1"/>
+          </a:fontRef>
+        </p:style>
+        <p:txBody>
+          <a:bodyPr rtlCol="0" anchor="ctr"/>
+          <a:p>
+            <a:pPr algn="ctr"/>
+            <a:endParaRPr lang="zh-CN" altLang="en-US"/>
+          </a:p>
+        </p:txBody>
+      </p:sp>
+    </p:spTree>
+  </p:cSld>
+  <p:clrMapOvr>
+    <a:masterClrMapping/>
+  </p:clrMapOvr>
+  <p:timing>
+    <p:tnLst>
+      <p:par>
+        <p:cTn id="1" dur="indefinite" restart="never" nodeType="tmRoot"/>
+      </p:par>
+    </p:tnLst>
+  </p:timing>
+</p:sld>
+</file>
+
+<file path=ppt/slides/slide5.xml><?xml version="1.0" encoding="utf-8"?>
+<p:sld xmlns:a="http://schemas.openxmlformats.org/drawingml/2006/main" xmlns:r="http://schemas.openxmlformats.org/officeDocument/2006/relationships" xmlns:p="http://schemas.openxmlformats.org/presentationml/2006/main">
+  <p:cSld>
+    <p:spTree>
+      <p:nvGrpSpPr>
+        <p:cNvPr id="1" name=""/>
+        <p:cNvGrpSpPr/>
+        <p:nvPr/>
+      </p:nvGrpSpPr>
+      <p:grpSpPr/>
+      <p:sp>
+        <p:nvSpPr>
+          <p:cNvPr id="2" name="标题 1"/>
+          <p:cNvSpPr>
+            <a:spLocks noGrp="1"/>
+          </p:cNvSpPr>
+          <p:nvPr>
+            <p:ph type="title"/>
+          </p:nvPr>
+        </p:nvSpPr>
+        <p:spPr>
+          <a:xfrm>
+            <a:off x="942975" y="528320"/>
+            <a:ext cx="11830050" cy="1216660"/>
+          </a:xfrm>
+        </p:spPr>
+        <p:txBody>
+          <a:bodyPr/>
+          <a:p>
+            <a:pPr algn="ctr"/>
+            <a:r>
+              <a:rPr lang="en-US" altLang="zh-CN" sz="5400">
+                <a:cs typeface="+mj-lt"/>
+              </a:rPr>
+              <a:t>GABAb</a:t>
+            </a:r>
+            <a:endParaRPr lang="en-US" altLang="zh-CN" sz="5400">
+              <a:cs typeface="+mj-lt"/>
+            </a:endParaRPr>
+          </a:p>
+        </p:txBody>
+      </p:sp>
+      <p:pic>
+        <p:nvPicPr>
+          <p:cNvPr id="5" name="图片 4" descr="/Users/mac/Documents/github/BrainPy-Models/docs/brainpy_handbook/ppt/figs/syns/gabab_init.pnggabab_init"/>
+          <p:cNvPicPr>
+            <a:picLocks noChangeAspect="1"/>
+          </p:cNvPicPr>
+          <p:nvPr/>
+        </p:nvPicPr>
+        <p:blipFill>
+          <a:blip r:embed="rId1"/>
+          <a:srcRect/>
+          <a:stretch>
+            <a:fillRect/>
+          </a:stretch>
+        </p:blipFill>
+        <p:spPr>
+          <a:xfrm>
+            <a:off x="19580" y="2355215"/>
+            <a:ext cx="10680051" cy="12547600"/>
+          </a:xfrm>
+          <a:prstGeom prst="rect">
+            <a:avLst/>
+          </a:prstGeom>
+        </p:spPr>
+      </p:pic>
+      <mc:AlternateContent xmlns:mc="http://schemas.openxmlformats.org/markup-compatibility/2006">
+        <mc:Choice xmlns:a14="http://schemas.microsoft.com/office/drawing/2010/main" Requires="a14">
+          <p:sp>
+            <p:nvSpPr>
+              <p:cNvPr id="7" name="文本框 6"/>
+              <p:cNvSpPr txBox="1"/>
+              <p:nvPr/>
+            </p:nvSpPr>
+            <p:spPr>
+              <a:xfrm>
+                <a:off x="7490460" y="3664585"/>
+                <a:ext cx="4360545" cy="1376045"/>
+              </a:xfrm>
+              <a:prstGeom prst="rect">
+                <a:avLst/>
+              </a:prstGeom>
+              <a:noFill/>
+            </p:spPr>
+            <p:txBody>
+              <a:bodyPr wrap="square" rtlCol="0" anchor="t">
+                <a:spAutoFit/>
+              </a:bodyPr>
+              <a:p>
+                <a14:m>
+                  <m:oMathPara xmlns:m="http://schemas.openxmlformats.org/officeDocument/2006/math">
+                    <m:oMathParaPr>
+                      <m:jc m:val="left"/>
+                    </m:oMathParaPr>
+                    <m:oMath xmlns:m="http://schemas.openxmlformats.org/officeDocument/2006/math">
+                      <m:f>
+                        <m:fPr>
+                          <m:ctrlPr>
+                            <a:rPr lang="en-US" altLang="zh-CN" sz="2000" i="1" dirty="0">
+                              <a:latin typeface="Cambria Math" charset="0"/>
+                              <a:cs typeface="Cambria Math" charset="0"/>
+                            </a:rPr>
+                          </m:ctrlPr>
+                        </m:fPr>
+                        <m:num>
+                          <m:r>
+                            <a:rPr lang="en-US" altLang="zh-CN" sz="2000" i="1" dirty="0">
+                              <a:latin typeface="Cambria Math" charset="0"/>
+                              <a:cs typeface="Cambria Math" charset="0"/>
+                            </a:rPr>
+                            <m:t>𝑑</m:t>
+                          </m:r>
+                          <m:r>
+                            <a:rPr lang="en-US" altLang="zh-CN" sz="2000" i="1" dirty="0">
+                              <a:latin typeface="Cambria Math" charset="0"/>
+                              <a:cs typeface="Cambria Math" charset="0"/>
+                            </a:rPr>
+                            <m:t>[</m:t>
+                          </m:r>
+                          <m:r>
+                            <a:rPr lang="en-US" altLang="zh-CN" sz="2000" i="1" dirty="0">
+                              <a:latin typeface="Cambria Math" charset="0"/>
+                              <a:cs typeface="Cambria Math" charset="0"/>
+                            </a:rPr>
+                            <m:t>𝑅</m:t>
+                          </m:r>
+                          <m:r>
+                            <a:rPr lang="en-US" altLang="zh-CN" sz="2000" i="1" dirty="0">
+                              <a:latin typeface="Cambria Math" charset="0"/>
+                              <a:cs typeface="Cambria Math" charset="0"/>
+                            </a:rPr>
+                            <m:t>]</m:t>
+                          </m:r>
+                        </m:num>
+                        <m:den>
+                          <m:r>
+                            <a:rPr lang="en-US" altLang="zh-CN" sz="2000" i="1" dirty="0">
+                              <a:latin typeface="Cambria Math" charset="0"/>
+                              <a:cs typeface="Cambria Math" charset="0"/>
+                            </a:rPr>
+                            <m:t>𝑑𝑡</m:t>
+                          </m:r>
+                        </m:den>
+                      </m:f>
+                      <m:r>
+                        <a:rPr lang="en-US" altLang="zh-CN" sz="2000" i="1" dirty="0">
+                          <a:latin typeface="Cambria Math" charset="0"/>
+                          <a:cs typeface="Cambria Math" charset="0"/>
+                        </a:rPr>
+                        <m:t>=−</m:t>
+                      </m:r>
+                      <m:sSub>
+                        <m:sSubPr>
+                          <m:ctrlPr>
+                            <a:rPr lang="en-US" altLang="zh-CN" sz="2000" i="1" dirty="0">
+                              <a:latin typeface="Cambria Math" charset="0"/>
+                              <a:cs typeface="Cambria Math" charset="0"/>
+                            </a:rPr>
+                          </m:ctrlPr>
+                        </m:sSubPr>
+                        <m:e>
+                          <m:r>
+                            <a:rPr lang="en-US" altLang="zh-CN" sz="2000" i="1" dirty="0">
+                              <a:latin typeface="Cambria Math" charset="0"/>
+                              <a:cs typeface="Cambria Math" charset="0"/>
+                            </a:rPr>
+                            <m:t>𝑘</m:t>
+                          </m:r>
+                        </m:e>
+                        <m:sub>
+                          <m:r>
+                            <a:rPr lang="en-US" altLang="zh-CN" sz="2000" i="1" dirty="0">
+                              <a:latin typeface="Cambria Math" charset="0"/>
+                              <a:cs typeface="Cambria Math" charset="0"/>
+                            </a:rPr>
+                            <m:t>3</m:t>
+                          </m:r>
+                        </m:sub>
+                      </m:sSub>
+                      <m:r>
+                        <a:rPr lang="en-US" altLang="zh-CN" sz="2000" i="1" dirty="0">
+                          <a:latin typeface="Cambria Math" charset="0"/>
+                          <a:cs typeface="Cambria Math" charset="0"/>
+                        </a:rPr>
+                        <m:t>[</m:t>
+                      </m:r>
+                      <m:r>
+                        <a:rPr lang="en-US" altLang="zh-CN" sz="2000" i="1" dirty="0">
+                          <a:latin typeface="Cambria Math" charset="0"/>
+                          <a:cs typeface="Cambria Math" charset="0"/>
+                        </a:rPr>
+                        <m:t>𝑇</m:t>
+                      </m:r>
+                      <m:r>
+                        <a:rPr lang="en-US" altLang="zh-CN" sz="2000" i="1" dirty="0">
+                          <a:latin typeface="Cambria Math" charset="0"/>
+                          <a:cs typeface="Cambria Math" charset="0"/>
+                        </a:rPr>
+                        <m:t>](</m:t>
+                      </m:r>
+                      <m:r>
+                        <a:rPr lang="en-US" altLang="zh-CN" sz="2000" i="1" dirty="0">
+                          <a:latin typeface="Cambria Math" charset="0"/>
+                          <a:cs typeface="Cambria Math" charset="0"/>
+                        </a:rPr>
+                        <m:t>1</m:t>
+                      </m:r>
+                      <m:r>
+                        <a:rPr lang="en-US" altLang="zh-CN" sz="2000" i="1" dirty="0">
+                          <a:latin typeface="Cambria Math" charset="0"/>
+                          <a:cs typeface="Cambria Math" charset="0"/>
+                        </a:rPr>
+                        <m:t>−</m:t>
+                      </m:r>
+                      <m:r>
+                        <a:rPr lang="en-US" altLang="zh-CN" sz="2000" i="1" dirty="0">
+                          <a:latin typeface="Cambria Math" charset="0"/>
+                          <a:cs typeface="Cambria Math" charset="0"/>
+                        </a:rPr>
+                        <m:t>[</m:t>
+                      </m:r>
+                      <m:r>
+                        <a:rPr lang="en-US" altLang="zh-CN" sz="2000" i="1" dirty="0">
+                          <a:latin typeface="Cambria Math" charset="0"/>
+                          <a:cs typeface="Cambria Math" charset="0"/>
+                        </a:rPr>
+                        <m:t>𝑅</m:t>
+                      </m:r>
+                      <m:r>
+                        <a:rPr lang="en-US" altLang="zh-CN" sz="2000" i="1" dirty="0">
+                          <a:latin typeface="Cambria Math" charset="0"/>
+                          <a:cs typeface="Cambria Math" charset="0"/>
+                        </a:rPr>
+                        <m:t>])</m:t>
+                      </m:r>
+                      <m:r>
+                        <a:rPr lang="en-US" altLang="zh-CN" sz="2000" i="1" dirty="0">
+                          <a:latin typeface="Cambria Math" charset="0"/>
+                          <a:cs typeface="Cambria Math" charset="0"/>
+                        </a:rPr>
+                        <m:t>−</m:t>
+                      </m:r>
+                      <m:sSub>
+                        <m:sSubPr>
+                          <m:ctrlPr>
+                            <a:rPr lang="en-US" altLang="zh-CN" sz="2000" i="1" dirty="0">
+                              <a:latin typeface="Cambria Math" charset="0"/>
+                              <a:cs typeface="Cambria Math" charset="0"/>
+                            </a:rPr>
+                          </m:ctrlPr>
+                        </m:sSubPr>
+                        <m:e>
+                          <m:r>
+                            <a:rPr lang="en-US" altLang="zh-CN" sz="2000" i="1" dirty="0">
+                              <a:latin typeface="Cambria Math" charset="0"/>
+                              <a:cs typeface="Cambria Math" charset="0"/>
+                            </a:rPr>
+                            <m:t>𝑘</m:t>
+                          </m:r>
+                        </m:e>
+                        <m:sub>
+                          <m:r>
+                            <a:rPr lang="en-US" altLang="zh-CN" sz="2000" i="1" dirty="0">
+                              <a:latin typeface="Cambria Math" charset="0"/>
+                              <a:cs typeface="Cambria Math" charset="0"/>
+                            </a:rPr>
+                            <m:t>4</m:t>
+                          </m:r>
+                        </m:sub>
+                      </m:sSub>
+                      <m:r>
+                        <a:rPr lang="en-US" altLang="zh-CN" sz="2000" i="1" dirty="0">
+                          <a:latin typeface="Cambria Math" charset="0"/>
+                          <a:cs typeface="Cambria Math" charset="0"/>
+                        </a:rPr>
+                        <m:t>[</m:t>
+                      </m:r>
+                      <m:r>
+                        <a:rPr lang="en-US" altLang="zh-CN" sz="2000" i="1" dirty="0">
+                          <a:latin typeface="Cambria Math" charset="0"/>
+                          <a:cs typeface="Cambria Math" charset="0"/>
+                        </a:rPr>
+                        <m:t>𝑅</m:t>
+                      </m:r>
+                      <m:r>
+                        <a:rPr lang="en-US" altLang="zh-CN" sz="2000" i="1" dirty="0">
+                          <a:latin typeface="Cambria Math" charset="0"/>
+                          <a:cs typeface="Cambria Math" charset="0"/>
+                        </a:rPr>
+                        <m:t>]</m:t>
+                      </m:r>
+                    </m:oMath>
+                  </m:oMathPara>
+                </a14:m>
+                <a:endParaRPr lang="en-US" altLang="zh-CN" sz="2000" i="1" dirty="0">
+                  <a:latin typeface="Cambria Math" charset="0"/>
+                  <a:cs typeface="Cambria Math" charset="0"/>
+                </a:endParaRPr>
+              </a:p>
+              <a:p>
+                <a:pPr fontAlgn="auto">
+                  <a:lnSpc>
+                    <a:spcPts val="1000"/>
+                  </a:lnSpc>
+                </a:pPr>
+                <a:endParaRPr lang="en-US" altLang="zh-CN" sz="2000" i="1" dirty="0">
+                  <a:latin typeface="Cambria Math" charset="0"/>
+                  <a:cs typeface="Cambria Math" charset="0"/>
+                </a:endParaRPr>
+              </a:p>
+              <a:p>
+                <a14:m>
+                  <m:oMathPara xmlns:m="http://schemas.openxmlformats.org/officeDocument/2006/math">
+                    <m:oMathParaPr>
+                      <m:jc m:val="left"/>
+                    </m:oMathParaPr>
+                    <m:oMath xmlns:m="http://schemas.openxmlformats.org/officeDocument/2006/math">
+                      <m:f>
+                        <m:fPr>
+                          <m:ctrlPr>
+                            <a:rPr lang="en-US" altLang="zh-CN" sz="2000" i="1" dirty="0">
+                              <a:latin typeface="Cambria Math" charset="0"/>
+                              <a:cs typeface="Cambria Math" charset="0"/>
+                            </a:rPr>
+                          </m:ctrlPr>
+                        </m:fPr>
+                        <m:num>
+                          <m:r>
+                            <a:rPr lang="en-US" altLang="zh-CN" sz="2000" i="1" dirty="0">
+                              <a:latin typeface="Cambria Math" charset="0"/>
+                              <a:cs typeface="Cambria Math" charset="0"/>
+                            </a:rPr>
+                            <m:t>𝑑</m:t>
+                          </m:r>
+                          <m:r>
+                            <a:rPr lang="en-US" altLang="zh-CN" sz="2000" i="1" dirty="0">
+                              <a:latin typeface="Cambria Math" charset="0"/>
+                              <a:cs typeface="Cambria Math" charset="0"/>
+                            </a:rPr>
+                            <m:t>[</m:t>
+                          </m:r>
+                          <m:r>
+                            <a:rPr lang="en-US" altLang="zh-CN" sz="2000" i="1" dirty="0">
+                              <a:latin typeface="Cambria Math" charset="0"/>
+                              <a:cs typeface="Cambria Math" charset="0"/>
+                            </a:rPr>
+                            <m:t>𝐺</m:t>
+                          </m:r>
+                          <m:r>
+                            <a:rPr lang="en-US" altLang="zh-CN" sz="2000" i="1" dirty="0">
+                              <a:latin typeface="Cambria Math" charset="0"/>
+                              <a:cs typeface="Cambria Math" charset="0"/>
+                            </a:rPr>
+                            <m:t>]</m:t>
+                          </m:r>
+                        </m:num>
+                        <m:den>
+                          <m:r>
+                            <a:rPr lang="en-US" altLang="zh-CN" sz="2000" i="1" dirty="0">
+                              <a:latin typeface="Cambria Math" charset="0"/>
+                              <a:cs typeface="Cambria Math" charset="0"/>
+                            </a:rPr>
+                            <m:t>𝑑𝑡</m:t>
+                          </m:r>
+                        </m:den>
+                      </m:f>
+                      <m:r>
+                        <a:rPr lang="en-US" altLang="zh-CN" sz="2000" i="1" dirty="0">
+                          <a:latin typeface="Cambria Math" charset="0"/>
+                          <a:cs typeface="Cambria Math" charset="0"/>
+                        </a:rPr>
+                        <m:t>=−</m:t>
+                      </m:r>
+                      <m:sSub>
+                        <m:sSubPr>
+                          <m:ctrlPr>
+                            <a:rPr lang="en-US" altLang="zh-CN" sz="2000" i="1" dirty="0">
+                              <a:latin typeface="Cambria Math" charset="0"/>
+                              <a:cs typeface="Cambria Math" charset="0"/>
+                            </a:rPr>
+                          </m:ctrlPr>
+                        </m:sSubPr>
+                        <m:e>
+                          <m:r>
+                            <a:rPr lang="en-US" altLang="zh-CN" sz="2000" i="1" dirty="0">
+                              <a:latin typeface="Cambria Math" charset="0"/>
+                              <a:cs typeface="Cambria Math" charset="0"/>
+                            </a:rPr>
+                            <m:t>𝑘</m:t>
+                          </m:r>
+                        </m:e>
+                        <m:sub>
+                          <m:r>
+                            <a:rPr lang="en-US" altLang="zh-CN" sz="2000" i="1" dirty="0">
+                              <a:latin typeface="Cambria Math" charset="0"/>
+                              <a:cs typeface="Cambria Math" charset="0"/>
+                            </a:rPr>
+                            <m:t>1</m:t>
+                          </m:r>
+                        </m:sub>
+                      </m:sSub>
+                      <m:r>
+                        <a:rPr lang="en-US" altLang="zh-CN" sz="2000" i="1" dirty="0">
+                          <a:latin typeface="Cambria Math" charset="0"/>
+                          <a:cs typeface="Cambria Math" charset="0"/>
+                        </a:rPr>
+                        <m:t>[</m:t>
+                      </m:r>
+                      <m:r>
+                        <a:rPr lang="en-US" altLang="zh-CN" sz="2000" i="1" dirty="0">
+                          <a:latin typeface="Cambria Math" charset="0"/>
+                          <a:cs typeface="Cambria Math" charset="0"/>
+                        </a:rPr>
+                        <m:t>𝑅</m:t>
+                      </m:r>
+                      <m:r>
+                        <a:rPr lang="en-US" altLang="zh-CN" sz="2000" i="1" dirty="0">
+                          <a:latin typeface="Cambria Math" charset="0"/>
+                          <a:cs typeface="Cambria Math" charset="0"/>
+                        </a:rPr>
+                        <m:t>]</m:t>
+                      </m:r>
+                      <m:r>
+                        <a:rPr lang="en-US" altLang="zh-CN" sz="2000" i="1" dirty="0">
+                          <a:latin typeface="Cambria Math" charset="0"/>
+                          <a:cs typeface="Cambria Math" charset="0"/>
+                        </a:rPr>
+                        <m:t>−</m:t>
+                      </m:r>
+                      <m:sSub>
+                        <m:sSubPr>
+                          <m:ctrlPr>
+                            <a:rPr lang="en-US" altLang="zh-CN" sz="2000" i="1" dirty="0">
+                              <a:latin typeface="Cambria Math" charset="0"/>
+                              <a:cs typeface="Cambria Math" charset="0"/>
+                            </a:rPr>
+                          </m:ctrlPr>
+                        </m:sSubPr>
+                        <m:e>
+                          <m:r>
+                            <a:rPr lang="en-US" altLang="zh-CN" sz="2000" i="1" dirty="0">
+                              <a:latin typeface="Cambria Math" charset="0"/>
+                              <a:cs typeface="Cambria Math" charset="0"/>
+                            </a:rPr>
+                            <m:t>𝑘</m:t>
+                          </m:r>
+                        </m:e>
+                        <m:sub>
+                          <m:r>
+                            <a:rPr lang="en-US" altLang="zh-CN" sz="2000" i="1" dirty="0">
+                              <a:latin typeface="Cambria Math" charset="0"/>
+                              <a:cs typeface="Cambria Math" charset="0"/>
+                            </a:rPr>
+                            <m:t>2</m:t>
+                          </m:r>
+                        </m:sub>
+                      </m:sSub>
+                      <m:r>
+                        <a:rPr lang="en-US" altLang="zh-CN" sz="2000" i="1" dirty="0">
+                          <a:latin typeface="Cambria Math" charset="0"/>
+                          <a:cs typeface="Cambria Math" charset="0"/>
+                        </a:rPr>
+                        <m:t>[</m:t>
+                      </m:r>
+                      <m:r>
+                        <a:rPr lang="en-US" altLang="zh-CN" sz="2000" i="1" dirty="0">
+                          <a:latin typeface="Cambria Math" charset="0"/>
+                          <a:cs typeface="Cambria Math" charset="0"/>
+                        </a:rPr>
+                        <m:t>𝐺</m:t>
+                      </m:r>
+                      <m:r>
+                        <a:rPr lang="en-US" altLang="zh-CN" sz="2000" i="1" dirty="0">
+                          <a:latin typeface="Cambria Math" charset="0"/>
+                          <a:cs typeface="Cambria Math" charset="0"/>
+                        </a:rPr>
+                        <m:t>]</m:t>
+                      </m:r>
+                    </m:oMath>
+                  </m:oMathPara>
+                </a14:m>
+                <a:endParaRPr lang="zh-CN" altLang="en-US" sz="2000"/>
+              </a:p>
+            </p:txBody>
+          </p:sp>
+        </mc:Choice>
+        <mc:Fallback>
+          <p:sp>
+            <p:nvSpPr>
+              <p:cNvPr id="7" name="文本框 6"/>
+              <p:cNvSpPr txBox="1">
+                <a:spLocks noRot="1" noChangeAspect="1" noMove="1" noResize="1" noEditPoints="1" noAdjustHandles="1" noChangeArrowheads="1" noChangeShapeType="1" noTextEdit="1"/>
+              </p:cNvSpPr>
+              <p:nvPr/>
+            </p:nvSpPr>
+            <p:spPr>
+              <a:xfrm>
+                <a:off x="7490460" y="3664585"/>
+                <a:ext cx="4360545" cy="1376045"/>
+              </a:xfrm>
+              <a:prstGeom prst="rect">
+                <a:avLst/>
+              </a:prstGeom>
+              <a:blipFill rotWithShape="1">
+                <a:blip r:embed="rId2"/>
+                <a:stretch>
+                  <a:fillRect/>
+                </a:stretch>
+              </a:blipFill>
+            </p:spPr>
+            <p:txBody>
+              <a:bodyPr/>
+              <a:lstStyle/>
+              <a:p>
+                <a:r>
+                  <a:rPr lang="zh-CN" altLang="en-US">
+                    <a:noFill/>
+                  </a:rPr>
+                  <a:t> </a:t>
+                </a:r>
+              </a:p>
+            </p:txBody>
+          </p:sp>
+        </mc:Fallback>
+      </mc:AlternateContent>
+      <p:sp>
+        <p:nvSpPr>
+          <p:cNvPr id="12" name="右大括号 11"/>
+          <p:cNvSpPr/>
+          <p:nvPr/>
+        </p:nvSpPr>
+        <p:spPr>
+          <a:xfrm>
+            <a:off x="7003994" y="4108800"/>
+            <a:ext cx="216000" cy="576000"/>
+          </a:xfrm>
+          <a:prstGeom prst="rightBrace">
+            <a:avLst/>
+          </a:prstGeom>
+          <a:ln>
+            <a:solidFill>
+              <a:schemeClr val="tx1"/>
+            </a:solidFill>
+          </a:ln>
+        </p:spPr>
+        <p:style>
+          <a:lnRef idx="1">
+            <a:schemeClr val="accent1"/>
+          </a:lnRef>
+          <a:fillRef idx="0">
+            <a:schemeClr val="accent1"/>
+          </a:fillRef>
+          <a:effectRef idx="0">
+            <a:schemeClr val="accent1"/>
+          </a:effectRef>
+          <a:fontRef idx="minor">
+            <a:schemeClr val="tx1"/>
+          </a:fontRef>
+        </p:style>
+        <p:txBody>
+          <a:bodyPr rtlCol="0" anchor="ctr"/>
+          <a:p>
+            <a:pPr algn="ctr"/>
+            <a:endParaRPr lang="zh-CN" altLang="en-US"/>
+          </a:p>
+        </p:txBody>
+      </p:sp>
+      <p:sp>
+        <p:nvSpPr>
+          <p:cNvPr id="14" name="右大括号 13"/>
+          <p:cNvSpPr/>
+          <p:nvPr/>
+        </p:nvSpPr>
+        <p:spPr>
+          <a:xfrm>
+            <a:off x="5547955" y="9060275"/>
+            <a:ext cx="216000" cy="468000"/>
+          </a:xfrm>
+          <a:prstGeom prst="rightBrace">
+            <a:avLst/>
+          </a:prstGeom>
+          <a:ln>
+            <a:solidFill>
+              <a:schemeClr val="tx1"/>
+            </a:solidFill>
+          </a:ln>
+        </p:spPr>
+        <p:style>
+          <a:lnRef idx="1">
+            <a:schemeClr val="accent1"/>
+          </a:lnRef>
+          <a:fillRef idx="0">
+            <a:schemeClr val="accent1"/>
+          </a:fillRef>
+          <a:effectRef idx="0">
+            <a:schemeClr val="accent1"/>
+          </a:effectRef>
+          <a:fontRef idx="minor">
+            <a:schemeClr val="tx1"/>
+          </a:fontRef>
+        </p:style>
+        <p:txBody>
+          <a:bodyPr rtlCol="0" anchor="ctr"/>
+          <a:p>
+            <a:pPr algn="ctr"/>
+            <a:endParaRPr lang="zh-CN" altLang="en-US"/>
+          </a:p>
+        </p:txBody>
+      </p:sp>
+      <p:sp>
+        <p:nvSpPr>
+          <p:cNvPr id="15" name="文本框 14"/>
           <p:cNvSpPr txBox="1"/>
           <p:nvPr/>
         </p:nvSpPr>
         <p:spPr>
           <a:xfrm>
-            <a:off x="9507855" y="8492490"/>
-            <a:ext cx="4142105" cy="1322070"/>
+            <a:off x="5967730" y="9060180"/>
+            <a:ext cx="5464175" cy="398780"/>
           </a:xfrm>
           <a:prstGeom prst="rect">
             <a:avLst/>
@@ -8798,22 +12026,348 @@
           <a:p>
             <a:r>
               <a:rPr lang="en-US" altLang="zh-CN" sz="2000"/>
-              <a:t>Specify pre and post neurons and there connections. Here we use all to all connections provided by BrainPy.</a:t>
+              <a:t>Regard [T] as a constant T, last for T_duration</a:t>
             </a:r>
             <a:endParaRPr lang="en-US" altLang="zh-CN" sz="2000"/>
           </a:p>
         </p:txBody>
       </p:sp>
+    </p:spTree>
+  </p:cSld>
+  <p:clrMapOvr>
+    <a:masterClrMapping/>
+  </p:clrMapOvr>
+  <p:timing>
+    <p:tnLst>
+      <p:par>
+        <p:cTn id="1" dur="indefinite" restart="never" nodeType="tmRoot"/>
+      </p:par>
+    </p:tnLst>
+  </p:timing>
+</p:sld>
+</file>
+
+<file path=ppt/slides/slide6.xml><?xml version="1.0" encoding="utf-8"?>
+<p:sld xmlns:a="http://schemas.openxmlformats.org/drawingml/2006/main" xmlns:r="http://schemas.openxmlformats.org/officeDocument/2006/relationships" xmlns:p="http://schemas.openxmlformats.org/presentationml/2006/main">
+  <p:cSld>
+    <p:spTree>
+      <p:nvGrpSpPr>
+        <p:cNvPr id="1" name=""/>
+        <p:cNvGrpSpPr/>
+        <p:nvPr/>
+      </p:nvGrpSpPr>
+      <p:grpSpPr/>
+      <p:pic>
+        <p:nvPicPr>
+          <p:cNvPr id="3" name="图片 2" descr="/Users/mac/Documents/github/BrainPy-Models/docs/brainpy_handbook/ppt/figs/syns/gabab_update.pnggabab_update"/>
+          <p:cNvPicPr>
+            <a:picLocks noChangeAspect="1"/>
+          </p:cNvPicPr>
+          <p:nvPr/>
+        </p:nvPicPr>
+        <p:blipFill>
+          <a:blip r:embed="rId1"/>
+          <a:srcRect/>
+          <a:stretch>
+            <a:fillRect/>
+          </a:stretch>
+        </p:blipFill>
+        <p:spPr>
+          <a:xfrm>
+            <a:off x="28165" y="2541079"/>
+            <a:ext cx="10679865" cy="5924550"/>
+          </a:xfrm>
+          <a:prstGeom prst="rect">
+            <a:avLst/>
+          </a:prstGeom>
+        </p:spPr>
+      </p:pic>
+      <p:sp>
+        <p:nvSpPr>
+          <p:cNvPr id="2" name="标题 1"/>
+          <p:cNvSpPr>
+            <a:spLocks noGrp="1"/>
+          </p:cNvSpPr>
+          <p:nvPr>
+            <p:ph type="title"/>
+          </p:nvPr>
+        </p:nvSpPr>
+        <p:spPr>
+          <a:xfrm>
+            <a:off x="942975" y="528320"/>
+            <a:ext cx="11830050" cy="1216660"/>
+          </a:xfrm>
+        </p:spPr>
+        <p:txBody>
+          <a:bodyPr/>
+          <a:p>
+            <a:pPr algn="ctr"/>
+            <a:r>
+              <a:rPr lang="en-US" altLang="zh-CN" sz="5400">
+                <a:cs typeface="+mj-lt"/>
+              </a:rPr>
+              <a:t>GABAb</a:t>
+            </a:r>
+            <a:endParaRPr lang="en-US" altLang="zh-CN" sz="5400">
+              <a:cs typeface="+mj-lt"/>
+            </a:endParaRPr>
+          </a:p>
+        </p:txBody>
+      </p:sp>
+      <mc:AlternateContent xmlns:mc="http://schemas.openxmlformats.org/markup-compatibility/2006">
+        <mc:Choice xmlns:a14="http://schemas.microsoft.com/office/drawing/2010/main" Requires="a14">
+          <p:sp>
+            <p:nvSpPr>
+              <p:cNvPr id="12" name="文本框 11"/>
+              <p:cNvSpPr txBox="1"/>
+              <p:nvPr/>
+            </p:nvSpPr>
+            <p:spPr>
+              <a:xfrm>
+                <a:off x="10071735" y="6078855"/>
+                <a:ext cx="3253105" cy="579755"/>
+              </a:xfrm>
+              <a:prstGeom prst="rect">
+                <a:avLst/>
+              </a:prstGeom>
+              <a:noFill/>
+            </p:spPr>
+            <p:txBody>
+              <a:bodyPr wrap="square" rtlCol="0" anchor="t">
+                <a:spAutoFit/>
+              </a:bodyPr>
+              <a:p>
+                <a14:m>
+                  <m:oMathPara xmlns:m="http://schemas.openxmlformats.org/officeDocument/2006/math">
+                    <m:oMathParaPr>
+                      <m:jc m:val="left"/>
+                    </m:oMathParaPr>
+                    <m:oMath xmlns:m="http://schemas.openxmlformats.org/officeDocument/2006/math">
+                      <m:r>
+                        <a:rPr lang="en-US" altLang="zh-CN" sz="2000" i="1" dirty="0">
+                          <a:latin typeface="Cambria Math" charset="0"/>
+                          <a:cs typeface="Cambria Math" charset="0"/>
+                        </a:rPr>
+                        <m:t>𝑠</m:t>
+                      </m:r>
+                      <m:r>
+                        <a:rPr lang="en-US" altLang="zh-CN" sz="2000" i="1" dirty="0">
+                          <a:latin typeface="Cambria Math" charset="0"/>
+                          <a:cs typeface="Cambria Math" charset="0"/>
+                        </a:rPr>
+                        <m:t>=</m:t>
+                      </m:r>
+                      <m:sSup>
+                        <m:sSupPr>
+                          <m:ctrlPr>
+                            <a:rPr lang="en-US" altLang="zh-CN" sz="2000" i="1" dirty="0">
+                              <a:latin typeface="Cambria Math" charset="0"/>
+                              <a:cs typeface="Cambria Math" charset="0"/>
+                            </a:rPr>
+                          </m:ctrlPr>
+                        </m:sSupPr>
+                        <m:e>
+                          <m:r>
+                            <a:rPr lang="en-US" altLang="zh-CN" sz="2000" i="1" dirty="0">
+                              <a:latin typeface="Cambria Math" charset="0"/>
+                              <a:cs typeface="Cambria Math" charset="0"/>
+                            </a:rPr>
+                            <m:t>[</m:t>
+                          </m:r>
+                          <m:r>
+                            <a:rPr lang="en-US" altLang="zh-CN" sz="2000" i="1" dirty="0">
+                              <a:latin typeface="Cambria Math" charset="0"/>
+                              <a:cs typeface="Cambria Math" charset="0"/>
+                            </a:rPr>
+                            <m:t>𝐺</m:t>
+                          </m:r>
+                          <m:r>
+                            <a:rPr lang="en-US" altLang="zh-CN" sz="2000" i="1" dirty="0">
+                              <a:latin typeface="Cambria Math" charset="0"/>
+                              <a:cs typeface="Cambria Math" charset="0"/>
+                            </a:rPr>
+                            <m:t>]</m:t>
+                          </m:r>
+                        </m:e>
+                        <m:sup>
+                          <m:r>
+                            <a:rPr lang="en-US" altLang="zh-CN" sz="2000" i="1" dirty="0">
+                              <a:latin typeface="Cambria Math" charset="0"/>
+                              <a:cs typeface="Cambria Math" charset="0"/>
+                            </a:rPr>
+                            <m:t>4</m:t>
+                          </m:r>
+                        </m:sup>
+                      </m:sSup>
+                      <m:r>
+                        <a:rPr lang="en-US" altLang="zh-CN" sz="2000" i="1" dirty="0">
+                          <a:latin typeface="Cambria Math" charset="0"/>
+                          <a:cs typeface="Cambria Math" charset="0"/>
+                        </a:rPr>
+                        <m:t>/</m:t>
+                      </m:r>
+                      <m:r>
+                        <a:rPr lang="en-US" altLang="zh-CN" sz="2000" i="1" dirty="0">
+                          <a:latin typeface="Cambria Math" charset="0"/>
+                          <a:cs typeface="Cambria Math" charset="0"/>
+                        </a:rPr>
+                        <m:t>(</m:t>
+                      </m:r>
+                      <m:sSup>
+                        <m:sSupPr>
+                          <m:ctrlPr>
+                            <a:rPr lang="en-US" altLang="zh-CN" sz="2000" i="1" dirty="0">
+                              <a:latin typeface="Cambria Math" charset="0"/>
+                              <a:cs typeface="Cambria Math" charset="0"/>
+                            </a:rPr>
+                          </m:ctrlPr>
+                        </m:sSupPr>
+                        <m:e>
+                          <m:r>
+                            <a:rPr lang="en-US" altLang="zh-CN" sz="2000" i="1" dirty="0">
+                              <a:latin typeface="Cambria Math" charset="0"/>
+                              <a:cs typeface="Cambria Math" charset="0"/>
+                            </a:rPr>
+                            <m:t>[</m:t>
+                          </m:r>
+                          <m:r>
+                            <a:rPr lang="en-US" altLang="zh-CN" sz="2000" i="1" dirty="0">
+                              <a:latin typeface="Cambria Math" charset="0"/>
+                              <a:cs typeface="Cambria Math" charset="0"/>
+                            </a:rPr>
+                            <m:t>𝐺</m:t>
+                          </m:r>
+                          <m:r>
+                            <a:rPr lang="en-US" altLang="zh-CN" sz="2000" i="1" dirty="0">
+                              <a:latin typeface="Cambria Math" charset="0"/>
+                              <a:cs typeface="Cambria Math" charset="0"/>
+                            </a:rPr>
+                            <m:t>]</m:t>
+                          </m:r>
+                        </m:e>
+                        <m:sup>
+                          <m:r>
+                            <a:rPr lang="en-US" altLang="zh-CN" sz="2000" i="1" dirty="0">
+                              <a:latin typeface="Cambria Math" charset="0"/>
+                              <a:cs typeface="Cambria Math" charset="0"/>
+                            </a:rPr>
+                            <m:t>4</m:t>
+                          </m:r>
+                        </m:sup>
+                      </m:sSup>
+                      <m:r>
+                        <a:rPr lang="en-US" altLang="zh-CN" sz="2000" i="1" dirty="0">
+                          <a:latin typeface="Cambria Math" charset="0"/>
+                          <a:cs typeface="Cambria Math" charset="0"/>
+                        </a:rPr>
+                        <m:t>+</m:t>
+                      </m:r>
+                      <m:sSub>
+                        <m:sSubPr>
+                          <m:ctrlPr>
+                            <a:rPr lang="en-US" altLang="zh-CN" sz="2000" i="1" dirty="0">
+                              <a:latin typeface="Cambria Math" charset="0"/>
+                              <a:cs typeface="Cambria Math" charset="0"/>
+                            </a:rPr>
+                          </m:ctrlPr>
+                        </m:sSubPr>
+                        <m:e>
+                          <m:r>
+                            <a:rPr lang="en-US" altLang="zh-CN" sz="2000" i="1" dirty="0">
+                              <a:latin typeface="Cambria Math" charset="0"/>
+                              <a:cs typeface="Cambria Math" charset="0"/>
+                            </a:rPr>
+                            <m:t>𝐾</m:t>
+                          </m:r>
+                        </m:e>
+                        <m:sub>
+                          <m:r>
+                            <a:rPr lang="en-US" altLang="zh-CN" sz="2000" i="1" dirty="0">
+                              <a:latin typeface="Cambria Math" charset="0"/>
+                              <a:cs typeface="Cambria Math" charset="0"/>
+                            </a:rPr>
+                            <m:t>𝑑</m:t>
+                          </m:r>
+                        </m:sub>
+                      </m:sSub>
+                      <m:r>
+                        <a:rPr lang="en-US" altLang="zh-CN" sz="2000" i="1" dirty="0">
+                          <a:latin typeface="Cambria Math" charset="0"/>
+                          <a:cs typeface="Cambria Math" charset="0"/>
+                        </a:rPr>
+                        <m:t>)</m:t>
+                      </m:r>
+                    </m:oMath>
+                  </m:oMathPara>
+                </a14:m>
+                <a:endParaRPr lang="en-US" altLang="zh-CN" sz="2000" i="1" dirty="0">
+                  <a:latin typeface="Cambria Math" charset="0"/>
+                  <a:cs typeface="Cambria Math" charset="0"/>
+                </a:endParaRPr>
+              </a:p>
+              <a:p>
+                <a:pPr fontAlgn="auto">
+                  <a:lnSpc>
+                    <a:spcPts val="1000"/>
+                  </a:lnSpc>
+                </a:pPr>
+                <a:endParaRPr lang="en-US" altLang="zh-CN" sz="2000" i="1" dirty="0">
+                  <a:latin typeface="Cambria Math" charset="0"/>
+                  <a:cs typeface="Cambria Math" charset="0"/>
+                </a:endParaRPr>
+              </a:p>
+            </p:txBody>
+          </p:sp>
+        </mc:Choice>
+        <mc:Fallback>
+          <p:sp>
+            <p:nvSpPr>
+              <p:cNvPr id="12" name="文本框 11"/>
+              <p:cNvSpPr txBox="1">
+                <a:spLocks noRot="1" noChangeAspect="1" noMove="1" noResize="1" noEditPoints="1" noAdjustHandles="1" noChangeArrowheads="1" noChangeShapeType="1" noTextEdit="1"/>
+              </p:cNvSpPr>
+              <p:nvPr/>
+            </p:nvSpPr>
+            <p:spPr>
+              <a:xfrm>
+                <a:off x="10071735" y="6078855"/>
+                <a:ext cx="3253105" cy="579755"/>
+              </a:xfrm>
+              <a:prstGeom prst="rect">
+                <a:avLst/>
+              </a:prstGeom>
+              <a:blipFill rotWithShape="1">
+                <a:blip r:embed="rId2"/>
+                <a:stretch>
+                  <a:fillRect/>
+                </a:stretch>
+              </a:blipFill>
+            </p:spPr>
+            <p:txBody>
+              <a:bodyPr/>
+              <a:lstStyle/>
+              <a:p>
+                <a:r>
+                  <a:rPr lang="zh-CN" altLang="en-US">
+                    <a:noFill/>
+                  </a:rPr>
+                  <a:t> </a:t>
+                </a:r>
+              </a:p>
+            </p:txBody>
+          </p:sp>
+        </mc:Fallback>
+      </mc:AlternateContent>
       <p:cxnSp>
         <p:nvCxnSpPr>
-          <p:cNvPr id="25" name="直接箭头连接符 24"/>
+          <p:cNvPr id="17" name="直接箭头连接符 16"/>
           <p:cNvCxnSpPr/>
           <p:nvPr/>
         </p:nvCxnSpPr>
         <p:spPr>
           <a:xfrm>
-            <a:off x="4284000" y="10984865"/>
-            <a:ext cx="1296000" cy="0"/>
+            <a:off x="7109460" y="7154545"/>
+            <a:ext cx="2124000" cy="0"/>
           </a:xfrm>
           <a:prstGeom prst="straightConnector1">
             <a:avLst/>
@@ -8840,16 +12394,406 @@
           </a:fontRef>
         </p:style>
       </p:cxnSp>
+      <mc:AlternateContent xmlns:mc="http://schemas.openxmlformats.org/markup-compatibility/2006">
+        <mc:Choice xmlns:a14="http://schemas.microsoft.com/office/drawing/2010/main" Requires="a14">
+          <p:sp>
+            <p:nvSpPr>
+              <p:cNvPr id="22" name="文本框 21"/>
+              <p:cNvSpPr txBox="1"/>
+              <p:nvPr/>
+            </p:nvSpPr>
+            <p:spPr>
+              <a:xfrm>
+                <a:off x="9324340" y="6894195"/>
+                <a:ext cx="1927860" cy="582930"/>
+              </a:xfrm>
+              <a:prstGeom prst="rect">
+                <a:avLst/>
+              </a:prstGeom>
+              <a:noFill/>
+            </p:spPr>
+            <p:txBody>
+              <a:bodyPr wrap="square" rtlCol="0" anchor="t">
+                <a:spAutoFit/>
+              </a:bodyPr>
+              <a:p>
+                <a14:m>
+                  <m:oMathPara xmlns:m="http://schemas.openxmlformats.org/officeDocument/2006/math">
+                    <m:oMathParaPr>
+                      <m:jc m:val="left"/>
+                    </m:oMathParaPr>
+                    <m:oMath xmlns:m="http://schemas.openxmlformats.org/officeDocument/2006/math">
+                      <m:r>
+                        <a:rPr lang="en-US" altLang="zh-CN" sz="2000" i="1" dirty="0">
+                          <a:latin typeface="Cambria Math" charset="0"/>
+                          <a:cs typeface="Cambria Math" charset="0"/>
+                        </a:rPr>
+                        <m:t>𝑔</m:t>
+                      </m:r>
+                      <m:r>
+                        <a:rPr lang="en-US" altLang="zh-CN" sz="2000" i="1" dirty="0">
+                          <a:latin typeface="Cambria Math" charset="0"/>
+                          <a:cs typeface="Cambria Math" charset="0"/>
+                        </a:rPr>
+                        <m:t>=</m:t>
+                      </m:r>
+                      <m:bar>
+                        <m:barPr>
+                          <m:pos m:val="top"/>
+                          <m:ctrlPr>
+                            <a:rPr lang="en-US" altLang="zh-CN" sz="2000" i="1" dirty="0">
+                              <a:latin typeface="Cambria Math" charset="0"/>
+                              <a:cs typeface="Cambria Math" charset="0"/>
+                            </a:rPr>
+                          </m:ctrlPr>
+                        </m:barPr>
+                        <m:e>
+                          <m:r>
+                            <a:rPr lang="en-US" altLang="zh-CN" sz="2000" i="1" dirty="0">
+                              <a:latin typeface="Cambria Math" charset="0"/>
+                              <a:cs typeface="Cambria Math" charset="0"/>
+                            </a:rPr>
+                            <m:t>𝑔</m:t>
+                          </m:r>
+                        </m:e>
+                      </m:bar>
+                      <m:r>
+                        <a:rPr lang="en-US" altLang="zh-CN" sz="2000" i="1" dirty="0">
+                          <a:latin typeface="Cambria Math" charset="0"/>
+                          <a:cs typeface="Cambria Math" charset="0"/>
+                        </a:rPr>
+                        <m:t> </m:t>
+                      </m:r>
+                      <m:r>
+                        <a:rPr lang="en-US" altLang="zh-CN" sz="2000" i="1" dirty="0">
+                          <a:latin typeface="Cambria Math" charset="0"/>
+                          <a:cs typeface="Cambria Math" charset="0"/>
+                        </a:rPr>
+                        <m:t>𝑠</m:t>
+                      </m:r>
+                    </m:oMath>
+                  </m:oMathPara>
+                </a14:m>
+                <a:endParaRPr lang="en-US" altLang="zh-CN" sz="2000" i="1" dirty="0">
+                  <a:latin typeface="Cambria Math" charset="0"/>
+                  <a:cs typeface="Cambria Math" charset="0"/>
+                </a:endParaRPr>
+              </a:p>
+              <a:p>
+                <a:pPr fontAlgn="auto">
+                  <a:lnSpc>
+                    <a:spcPts val="1000"/>
+                  </a:lnSpc>
+                </a:pPr>
+                <a:endParaRPr lang="en-US" altLang="zh-CN" sz="2000" i="1" dirty="0">
+                  <a:latin typeface="Cambria Math" charset="0"/>
+                  <a:cs typeface="Cambria Math" charset="0"/>
+                </a:endParaRPr>
+              </a:p>
+            </p:txBody>
+          </p:sp>
+        </mc:Choice>
+        <mc:Fallback>
+          <p:sp>
+            <p:nvSpPr>
+              <p:cNvPr id="22" name="文本框 21"/>
+              <p:cNvSpPr txBox="1">
+                <a:spLocks noRot="1" noChangeAspect="1" noMove="1" noResize="1" noEditPoints="1" noAdjustHandles="1" noChangeArrowheads="1" noChangeShapeType="1" noTextEdit="1"/>
+              </p:cNvSpPr>
+              <p:nvPr/>
+            </p:nvSpPr>
+            <p:spPr>
+              <a:xfrm>
+                <a:off x="9324340" y="6894195"/>
+                <a:ext cx="1927860" cy="582930"/>
+              </a:xfrm>
+              <a:prstGeom prst="rect">
+                <a:avLst/>
+              </a:prstGeom>
+              <a:blipFill rotWithShape="1">
+                <a:blip r:embed="rId3"/>
+                <a:stretch>
+                  <a:fillRect/>
+                </a:stretch>
+              </a:blipFill>
+            </p:spPr>
+            <p:txBody>
+              <a:bodyPr/>
+              <a:lstStyle/>
+              <a:p>
+                <a:r>
+                  <a:rPr lang="zh-CN" altLang="en-US">
+                    <a:noFill/>
+                  </a:rPr>
+                  <a:t> </a:t>
+                </a:r>
+              </a:p>
+            </p:txBody>
+          </p:sp>
+        </mc:Fallback>
+      </mc:AlternateContent>
+      <mc:AlternateContent xmlns:mc="http://schemas.openxmlformats.org/markup-compatibility/2006">
+        <mc:Choice xmlns:a14="http://schemas.microsoft.com/office/drawing/2010/main" Requires="a14">
+          <p:sp>
+            <p:nvSpPr>
+              <p:cNvPr id="24" name="文本框 23"/>
+              <p:cNvSpPr txBox="1"/>
+              <p:nvPr/>
+            </p:nvSpPr>
+            <p:spPr>
+              <a:xfrm>
+                <a:off x="9451340" y="7611110"/>
+                <a:ext cx="2274570" cy="451485"/>
+              </a:xfrm>
+              <a:prstGeom prst="rect">
+                <a:avLst/>
+              </a:prstGeom>
+              <a:noFill/>
+            </p:spPr>
+            <p:txBody>
+              <a:bodyPr wrap="square" rtlCol="0" anchor="t">
+                <a:spAutoFit/>
+              </a:bodyPr>
+              <a:p>
+                <a14:m>
+                  <m:oMathPara xmlns:m="http://schemas.openxmlformats.org/officeDocument/2006/math">
+                    <m:oMathParaPr>
+                      <m:jc m:val="centerGroup"/>
+                    </m:oMathParaPr>
+                    <m:oMath xmlns:m="http://schemas.openxmlformats.org/officeDocument/2006/math">
+                      <m:r>
+                        <a:rPr lang="en-US" altLang="zh-CN" sz="2000" i="1" dirty="0">
+                          <a:latin typeface="Cambria Math" charset="0"/>
+                          <a:cs typeface="Cambria Math" charset="0"/>
+                        </a:rPr>
+                        <m:t>𝐼</m:t>
+                      </m:r>
+                      <m:r>
+                        <a:rPr lang="en-US" altLang="zh-CN" sz="2000" i="1" dirty="0">
+                          <a:latin typeface="Cambria Math" charset="0"/>
+                          <a:cs typeface="Cambria Math" charset="0"/>
+                        </a:rPr>
+                        <m:t>=</m:t>
+                      </m:r>
+                      <m:r>
+                        <a:rPr lang="en-US" altLang="zh-CN" sz="2000" i="1" dirty="0">
+                          <a:latin typeface="Cambria Math" charset="0"/>
+                          <a:cs typeface="Cambria Math" charset="0"/>
+                        </a:rPr>
+                        <m:t>𝑔</m:t>
+                      </m:r>
+                      <m:r>
+                        <a:rPr lang="en-US" altLang="zh-CN" sz="2000" i="1" dirty="0">
+                          <a:latin typeface="Cambria Math" charset="0"/>
+                          <a:cs typeface="Cambria Math" charset="0"/>
+                        </a:rPr>
+                        <m:t>(</m:t>
+                      </m:r>
+                      <m:r>
+                        <a:rPr lang="en-US" altLang="zh-CN" sz="2000" i="1" dirty="0">
+                          <a:latin typeface="Cambria Math" charset="0"/>
+                          <a:cs typeface="Cambria Math" charset="0"/>
+                        </a:rPr>
+                        <m:t>𝑉</m:t>
+                      </m:r>
+                      <m:r>
+                        <a:rPr lang="en-US" altLang="zh-CN" sz="2000" i="1" dirty="0">
+                          <a:latin typeface="Cambria Math" charset="0"/>
+                          <a:cs typeface="Cambria Math" charset="0"/>
+                        </a:rPr>
+                        <m:t>−</m:t>
+                      </m:r>
+                      <m:r>
+                        <a:rPr lang="en-US" altLang="zh-CN" sz="2000" i="1" dirty="0">
+                          <a:latin typeface="Cambria Math" charset="0"/>
+                          <a:cs typeface="Cambria Math" charset="0"/>
+                        </a:rPr>
+                        <m:t>𝐸</m:t>
+                      </m:r>
+                      <m:r>
+                        <a:rPr lang="en-US" altLang="zh-CN" sz="2000" i="1" dirty="0">
+                          <a:latin typeface="Cambria Math" charset="0"/>
+                          <a:cs typeface="Cambria Math" charset="0"/>
+                        </a:rPr>
+                        <m:t>)</m:t>
+                      </m:r>
+                    </m:oMath>
+                  </m:oMathPara>
+                </a14:m>
+                <a:endParaRPr lang="zh-CN" altLang="en-US" sz="2000"/>
+              </a:p>
+            </p:txBody>
+          </p:sp>
+        </mc:Choice>
+        <mc:Fallback>
+          <p:sp>
+            <p:nvSpPr>
+              <p:cNvPr id="24" name="文本框 23"/>
+              <p:cNvSpPr txBox="1">
+                <a:spLocks noRot="1" noChangeAspect="1" noMove="1" noResize="1" noEditPoints="1" noAdjustHandles="1" noChangeArrowheads="1" noChangeShapeType="1" noTextEdit="1"/>
+              </p:cNvSpPr>
+              <p:nvPr/>
+            </p:nvSpPr>
+            <p:spPr>
+              <a:xfrm>
+                <a:off x="9451340" y="7611110"/>
+                <a:ext cx="2274570" cy="451485"/>
+              </a:xfrm>
+              <a:prstGeom prst="rect">
+                <a:avLst/>
+              </a:prstGeom>
+              <a:blipFill rotWithShape="1">
+                <a:blip r:embed="rId4"/>
+                <a:stretch>
+                  <a:fillRect/>
+                </a:stretch>
+              </a:blipFill>
+            </p:spPr>
+            <p:txBody>
+              <a:bodyPr/>
+              <a:lstStyle/>
+              <a:p>
+                <a:r>
+                  <a:rPr lang="zh-CN" altLang="en-US">
+                    <a:noFill/>
+                  </a:rPr>
+                  <a:t> </a:t>
+                </a:r>
+              </a:p>
+            </p:txBody>
+          </p:sp>
+        </mc:Fallback>
+      </mc:AlternateContent>
       <p:sp>
         <p:nvSpPr>
-          <p:cNvPr id="26" name="文本框 25"/>
+          <p:cNvPr id="25" name="右大括号 24"/>
+          <p:cNvSpPr/>
+          <p:nvPr/>
+        </p:nvSpPr>
+        <p:spPr>
+          <a:xfrm>
+            <a:off x="9392690" y="7565180"/>
+            <a:ext cx="216000" cy="576000"/>
+          </a:xfrm>
+          <a:prstGeom prst="rightBrace">
+            <a:avLst/>
+          </a:prstGeom>
+          <a:ln>
+            <a:solidFill>
+              <a:schemeClr val="tx1"/>
+            </a:solidFill>
+          </a:ln>
+        </p:spPr>
+        <p:style>
+          <a:lnRef idx="1">
+            <a:schemeClr val="accent1"/>
+          </a:lnRef>
+          <a:fillRef idx="0">
+            <a:schemeClr val="accent1"/>
+          </a:fillRef>
+          <a:effectRef idx="0">
+            <a:schemeClr val="accent1"/>
+          </a:effectRef>
+          <a:fontRef idx="minor">
+            <a:schemeClr val="tx1"/>
+          </a:fontRef>
+        </p:style>
+        <p:txBody>
+          <a:bodyPr rtlCol="0" anchor="ctr"/>
+          <a:p>
+            <a:pPr algn="ctr"/>
+            <a:endParaRPr lang="zh-CN" altLang="en-US"/>
+          </a:p>
+        </p:txBody>
+      </p:sp>
+      <p:cxnSp>
+        <p:nvCxnSpPr>
+          <p:cNvPr id="4" name="直接箭头连接符 3"/>
+          <p:cNvCxnSpPr/>
+          <p:nvPr/>
+        </p:nvCxnSpPr>
+        <p:spPr>
+          <a:xfrm>
+            <a:off x="7286625" y="6337300"/>
+            <a:ext cx="2700000" cy="0"/>
+          </a:xfrm>
+          <a:prstGeom prst="straightConnector1">
+            <a:avLst/>
+          </a:prstGeom>
+          <a:ln>
+            <a:solidFill>
+              <a:schemeClr val="tx1"/>
+            </a:solidFill>
+            <a:tailEnd type="arrow"/>
+          </a:ln>
+        </p:spPr>
+        <p:style>
+          <a:lnRef idx="1">
+            <a:schemeClr val="accent1"/>
+          </a:lnRef>
+          <a:fillRef idx="0">
+            <a:schemeClr val="accent1"/>
+          </a:fillRef>
+          <a:effectRef idx="0">
+            <a:schemeClr val="accent1"/>
+          </a:effectRef>
+          <a:fontRef idx="minor">
+            <a:schemeClr val="tx1"/>
+          </a:fontRef>
+        </p:style>
+      </p:cxnSp>
+      <p:sp>
+        <p:nvSpPr>
+          <p:cNvPr id="20" name="右大括号 19"/>
+          <p:cNvSpPr/>
+          <p:nvPr/>
+        </p:nvSpPr>
+        <p:spPr>
+          <a:xfrm>
+            <a:off x="10480619" y="4238340"/>
+            <a:ext cx="216000" cy="1044000"/>
+          </a:xfrm>
+          <a:prstGeom prst="rightBrace">
+            <a:avLst/>
+          </a:prstGeom>
+          <a:ln>
+            <a:solidFill>
+              <a:schemeClr val="tx1"/>
+            </a:solidFill>
+          </a:ln>
+        </p:spPr>
+        <p:style>
+          <a:lnRef idx="1">
+            <a:schemeClr val="accent1"/>
+          </a:lnRef>
+          <a:fillRef idx="0">
+            <a:schemeClr val="accent1"/>
+          </a:fillRef>
+          <a:effectRef idx="0">
+            <a:schemeClr val="accent1"/>
+          </a:effectRef>
+          <a:fontRef idx="minor">
+            <a:schemeClr val="tx1"/>
+          </a:fontRef>
+        </p:style>
+        <p:txBody>
+          <a:bodyPr rtlCol="0" anchor="ctr"/>
+          <a:p>
+            <a:pPr algn="ctr"/>
+            <a:endParaRPr lang="zh-CN" altLang="en-US"/>
+          </a:p>
+        </p:txBody>
+      </p:sp>
+      <p:sp>
+        <p:nvSpPr>
+          <p:cNvPr id="21" name="文本框 20"/>
           <p:cNvSpPr txBox="1"/>
           <p:nvPr/>
         </p:nvSpPr>
         <p:spPr>
           <a:xfrm>
-            <a:off x="5672455" y="10477500"/>
-            <a:ext cx="2779395" cy="1014730"/>
+            <a:off x="10932795" y="4111625"/>
+            <a:ext cx="2550160" cy="1322070"/>
           </a:xfrm>
           <a:prstGeom prst="rect">
             <a:avLst/>
@@ -8863,7 +12807,7 @@
           <a:p>
             <a:r>
               <a:rPr lang="en-US" altLang="zh-CN" sz="2000"/>
-              <a:t>Run AMPA synapse and set parameter T_duration to be 3.</a:t>
+              <a:t>TT denotes [T], TT=T if pre neuron spikes within T_duration, otherwise TT=0.</a:t>
             </a:r>
             <a:endParaRPr lang="en-US" altLang="zh-CN" sz="2000"/>
           </a:p>
@@ -8874,10 +12818,17 @@
   <p:clrMapOvr>
     <a:masterClrMapping/>
   </p:clrMapOvr>
+  <p:timing>
+    <p:tnLst>
+      <p:par>
+        <p:cTn id="1" dur="indefinite" restart="never" nodeType="tmRoot"/>
+      </p:par>
+    </p:tnLst>
+  </p:timing>
 </p:sld>
 </file>
 
-<file path=ppt/slides/slide3.xml><?xml version="1.0" encoding="utf-8"?>
+<file path=ppt/slides/slide7.xml><?xml version="1.0" encoding="utf-8"?>
 <p:sld xmlns:a="http://schemas.openxmlformats.org/drawingml/2006/main" xmlns:r="http://schemas.openxmlformats.org/officeDocument/2006/relationships" xmlns:p="http://schemas.openxmlformats.org/presentationml/2006/main">
   <p:cSld>
     <p:spTree>
@@ -9401,7 +13352,7 @@
 </p:sld>
 </file>
 
-<file path=ppt/slides/slide4.xml><?xml version="1.0" encoding="utf-8"?>
+<file path=ppt/slides/slide8.xml><?xml version="1.0" encoding="utf-8"?>
 <p:sld xmlns:a="http://schemas.openxmlformats.org/drawingml/2006/main" xmlns:r="http://schemas.openxmlformats.org/officeDocument/2006/relationships" xmlns:p="http://schemas.openxmlformats.org/presentationml/2006/main">
   <p:cSld>
     <p:spTree>
@@ -9834,7 +13785,7 @@
 </p:sld>
 </file>
 
-<file path=ppt/slides/slide5.xml><?xml version="1.0" encoding="utf-8"?>
+<file path=ppt/slides/slide9.xml><?xml version="1.0" encoding="utf-8"?>
 <p:sld xmlns:a="http://schemas.openxmlformats.org/drawingml/2006/main" xmlns:r="http://schemas.openxmlformats.org/officeDocument/2006/relationships" xmlns:p="http://schemas.openxmlformats.org/presentationml/2006/main">
   <p:cSld>
     <p:spTree>
@@ -10134,1244 +14085,6 @@
           </a:p>
         </p:txBody>
       </p:sp>
-    </p:spTree>
-  </p:cSld>
-  <p:clrMapOvr>
-    <a:masterClrMapping/>
-  </p:clrMapOvr>
-</p:sld>
-</file>
-
-<file path=ppt/slides/slide6.xml><?xml version="1.0" encoding="utf-8"?>
-<p:sld xmlns:a="http://schemas.openxmlformats.org/drawingml/2006/main" xmlns:r="http://schemas.openxmlformats.org/officeDocument/2006/relationships" xmlns:p="http://schemas.openxmlformats.org/presentationml/2006/main">
-  <p:cSld>
-    <p:spTree>
-      <p:nvGrpSpPr>
-        <p:cNvPr id="1" name=""/>
-        <p:cNvGrpSpPr/>
-        <p:nvPr/>
-      </p:nvGrpSpPr>
-      <p:grpSpPr/>
-      <p:sp>
-        <p:nvSpPr>
-          <p:cNvPr id="2" name="标题 1"/>
-          <p:cNvSpPr>
-            <a:spLocks noGrp="1"/>
-          </p:cNvSpPr>
-          <p:nvPr>
-            <p:ph type="title"/>
-          </p:nvPr>
-        </p:nvSpPr>
-        <p:spPr>
-          <a:xfrm>
-            <a:off x="942975" y="528320"/>
-            <a:ext cx="11830050" cy="1216660"/>
-          </a:xfrm>
-        </p:spPr>
-        <p:txBody>
-          <a:bodyPr/>
-          <a:p>
-            <a:pPr algn="ctr"/>
-            <a:r>
-              <a:rPr lang="en-US" altLang="zh-CN" sz="5400">
-                <a:cs typeface="+mj-lt"/>
-              </a:rPr>
-              <a:t>Voltage jump</a:t>
-            </a:r>
-            <a:endParaRPr lang="en-US" altLang="zh-CN" sz="5400">
-              <a:cs typeface="+mj-lt"/>
-            </a:endParaRPr>
-          </a:p>
-        </p:txBody>
-      </p:sp>
-      <p:pic>
-        <p:nvPicPr>
-          <p:cNvPr id="5" name="图片 4" descr="/Users/mac/Documents/github/BrainPy-Models/docs/brainpy_handbook/ppt/figs/vj.pngvj"/>
-          <p:cNvPicPr>
-            <a:picLocks noChangeAspect="1"/>
-          </p:cNvPicPr>
-          <p:nvPr/>
-        </p:nvPicPr>
-        <p:blipFill>
-          <a:blip r:embed="rId1"/>
-          <a:srcRect/>
-          <a:stretch>
-            <a:fillRect/>
-          </a:stretch>
-        </p:blipFill>
-        <p:spPr>
-          <a:xfrm>
-            <a:off x="0" y="2016913"/>
-            <a:ext cx="10718825" cy="6921500"/>
-          </a:xfrm>
-          <a:prstGeom prst="rect">
-            <a:avLst/>
-          </a:prstGeom>
-        </p:spPr>
-      </p:pic>
-      <p:cxnSp>
-        <p:nvCxnSpPr>
-          <p:cNvPr id="23" name="直接箭头连接符 22"/>
-          <p:cNvCxnSpPr/>
-          <p:nvPr/>
-        </p:nvCxnSpPr>
-        <p:spPr>
-          <a:xfrm>
-            <a:off x="6476239" y="7793355"/>
-            <a:ext cx="2808000" cy="0"/>
-          </a:xfrm>
-          <a:prstGeom prst="straightConnector1">
-            <a:avLst/>
-          </a:prstGeom>
-          <a:ln>
-            <a:solidFill>
-              <a:schemeClr val="tx1"/>
-            </a:solidFill>
-            <a:tailEnd type="arrow"/>
-          </a:ln>
-        </p:spPr>
-        <p:style>
-          <a:lnRef idx="1">
-            <a:schemeClr val="accent1"/>
-          </a:lnRef>
-          <a:fillRef idx="0">
-            <a:schemeClr val="accent1"/>
-          </a:fillRef>
-          <a:effectRef idx="0">
-            <a:schemeClr val="accent1"/>
-          </a:effectRef>
-          <a:fontRef idx="minor">
-            <a:schemeClr val="tx1"/>
-          </a:fontRef>
-        </p:style>
-      </p:cxnSp>
-      <p:sp>
-        <p:nvSpPr>
-          <p:cNvPr id="11" name="文本框 10"/>
-          <p:cNvSpPr txBox="1"/>
-          <p:nvPr/>
-        </p:nvSpPr>
-        <p:spPr>
-          <a:xfrm>
-            <a:off x="9443085" y="7593965"/>
-            <a:ext cx="3689350" cy="398780"/>
-          </a:xfrm>
-          <a:prstGeom prst="rect">
-            <a:avLst/>
-          </a:prstGeom>
-          <a:noFill/>
-        </p:spPr>
-        <p:txBody>
-          <a:bodyPr wrap="square" rtlCol="0">
-            <a:spAutoFit/>
-          </a:bodyPr>
-          <a:p>
-            <a:r>
-              <a:rPr lang="en-US" altLang="zh-CN" sz="2000"/>
-              <a:t>if (pre spike), then s = s + 1</a:t>
-            </a:r>
-            <a:endParaRPr lang="en-US" altLang="zh-CN" sz="2000"/>
-          </a:p>
-        </p:txBody>
-      </p:sp>
-    </p:spTree>
-  </p:cSld>
-  <p:clrMapOvr>
-    <a:masterClrMapping/>
-  </p:clrMapOvr>
-</p:sld>
-</file>
-
-<file path=ppt/slides/slide7.xml><?xml version="1.0" encoding="utf-8"?>
-<p:sld xmlns:a="http://schemas.openxmlformats.org/drawingml/2006/main" xmlns:r="http://schemas.openxmlformats.org/officeDocument/2006/relationships" xmlns:p="http://schemas.openxmlformats.org/presentationml/2006/main">
-  <p:cSld>
-    <p:spTree>
-      <p:nvGrpSpPr>
-        <p:cNvPr id="1" name=""/>
-        <p:cNvGrpSpPr/>
-        <p:nvPr/>
-      </p:nvGrpSpPr>
-      <p:grpSpPr/>
-      <p:sp>
-        <p:nvSpPr>
-          <p:cNvPr id="2" name="标题 1"/>
-          <p:cNvSpPr>
-            <a:spLocks noGrp="1"/>
-          </p:cNvSpPr>
-          <p:nvPr>
-            <p:ph type="title"/>
-          </p:nvPr>
-        </p:nvSpPr>
-        <p:spPr>
-          <a:xfrm>
-            <a:off x="942975" y="528320"/>
-            <a:ext cx="11830050" cy="1216660"/>
-          </a:xfrm>
-        </p:spPr>
-        <p:txBody>
-          <a:bodyPr/>
-          <a:p>
-            <a:pPr algn="ctr"/>
-            <a:r>
-              <a:rPr lang="en-US" altLang="zh-CN" sz="5400">
-                <a:solidFill>
-                  <a:srgbClr val="FF0000"/>
-                </a:solidFill>
-                <a:cs typeface="+mj-lt"/>
-              </a:rPr>
-              <a:t>Voltage jump (V)</a:t>
-            </a:r>
-            <a:endParaRPr lang="en-US" altLang="zh-CN" sz="5400">
-              <a:solidFill>
-                <a:srgbClr val="FF0000"/>
-              </a:solidFill>
-              <a:cs typeface="+mj-lt"/>
-            </a:endParaRPr>
-          </a:p>
-        </p:txBody>
-      </p:sp>
-      <p:pic>
-        <p:nvPicPr>
-          <p:cNvPr id="5" name="图片 4" descr="/Users/mac/Documents/github/BrainPy-Models/docs/brainpy_handbook/ppt/figs/vj_lif.pngvj_lif"/>
-          <p:cNvPicPr>
-            <a:picLocks noChangeAspect="1"/>
-          </p:cNvPicPr>
-          <p:nvPr/>
-        </p:nvPicPr>
-        <p:blipFill>
-          <a:blip r:embed="rId1"/>
-          <a:srcRect/>
-          <a:stretch>
-            <a:fillRect/>
-          </a:stretch>
-        </p:blipFill>
-        <p:spPr>
-          <a:xfrm>
-            <a:off x="366395" y="2034693"/>
-            <a:ext cx="10667619" cy="12458700"/>
-          </a:xfrm>
-          <a:prstGeom prst="rect">
-            <a:avLst/>
-          </a:prstGeom>
-        </p:spPr>
-      </p:pic>
-      <p:cxnSp>
-        <p:nvCxnSpPr>
-          <p:cNvPr id="23" name="直接箭头连接符 22"/>
-          <p:cNvCxnSpPr/>
-          <p:nvPr/>
-        </p:nvCxnSpPr>
-        <p:spPr>
-          <a:xfrm>
-            <a:off x="6876000" y="10443210"/>
-            <a:ext cx="2520000" cy="0"/>
-          </a:xfrm>
-          <a:prstGeom prst="straightConnector1">
-            <a:avLst/>
-          </a:prstGeom>
-          <a:ln>
-            <a:solidFill>
-              <a:schemeClr val="tx1"/>
-            </a:solidFill>
-            <a:tailEnd type="arrow"/>
-          </a:ln>
-        </p:spPr>
-        <p:style>
-          <a:lnRef idx="1">
-            <a:schemeClr val="accent1"/>
-          </a:lnRef>
-          <a:fillRef idx="0">
-            <a:schemeClr val="accent1"/>
-          </a:fillRef>
-          <a:effectRef idx="0">
-            <a:schemeClr val="accent1"/>
-          </a:effectRef>
-          <a:fontRef idx="minor">
-            <a:schemeClr val="tx1"/>
-          </a:fontRef>
-        </p:style>
-      </p:cxnSp>
-      <p:sp>
-        <p:nvSpPr>
-          <p:cNvPr id="11" name="文本框 10"/>
-          <p:cNvSpPr txBox="1"/>
-          <p:nvPr/>
-        </p:nvSpPr>
-        <p:spPr>
-          <a:xfrm>
-            <a:off x="9444355" y="10243820"/>
-            <a:ext cx="3689350" cy="398780"/>
-          </a:xfrm>
-          <a:prstGeom prst="rect">
-            <a:avLst/>
-          </a:prstGeom>
-          <a:noFill/>
-        </p:spPr>
-        <p:txBody>
-          <a:bodyPr wrap="square" rtlCol="0">
-            <a:spAutoFit/>
-          </a:bodyPr>
-          <a:p>
-            <a:r>
-              <a:rPr lang="en-US" altLang="zh-CN" sz="2000"/>
-              <a:t>if (pre spike), then s = s + 1</a:t>
-            </a:r>
-            <a:endParaRPr lang="en-US" altLang="zh-CN" sz="2000"/>
-          </a:p>
-        </p:txBody>
-      </p:sp>
-    </p:spTree>
-  </p:cSld>
-  <p:clrMapOvr>
-    <a:masterClrMapping/>
-  </p:clrMapOvr>
-</p:sld>
-</file>
-
-<file path=ppt/slides/slide8.xml><?xml version="1.0" encoding="utf-8"?>
-<p:sld xmlns:a="http://schemas.openxmlformats.org/drawingml/2006/main" xmlns:r="http://schemas.openxmlformats.org/officeDocument/2006/relationships" xmlns:p="http://schemas.openxmlformats.org/presentationml/2006/main">
-  <p:cSld>
-    <p:spTree>
-      <p:nvGrpSpPr>
-        <p:cNvPr id="1" name=""/>
-        <p:cNvGrpSpPr/>
-        <p:nvPr/>
-      </p:nvGrpSpPr>
-      <p:grpSpPr/>
-      <p:sp>
-        <p:nvSpPr>
-          <p:cNvPr id="2" name="标题 1"/>
-          <p:cNvSpPr>
-            <a:spLocks noGrp="1"/>
-          </p:cNvSpPr>
-          <p:nvPr>
-            <p:ph type="title"/>
-          </p:nvPr>
-        </p:nvSpPr>
-        <p:spPr>
-          <a:xfrm>
-            <a:off x="942975" y="528320"/>
-            <a:ext cx="11830050" cy="1216660"/>
-          </a:xfrm>
-        </p:spPr>
-        <p:txBody>
-          <a:bodyPr/>
-          <a:p>
-            <a:pPr algn="ctr"/>
-            <a:r>
-              <a:rPr lang="en-US" altLang="zh-CN" sz="5400">
-                <a:cs typeface="+mj-lt"/>
-              </a:rPr>
-              <a:t>current &amp; conductance based</a:t>
-            </a:r>
-            <a:endParaRPr lang="en-US" altLang="zh-CN" sz="5400">
-              <a:cs typeface="+mj-lt"/>
-            </a:endParaRPr>
-          </a:p>
-        </p:txBody>
-      </p:sp>
-      <p:pic>
-        <p:nvPicPr>
-          <p:cNvPr id="5" name="图片 4" descr="/Users/mac/Documents/github/BrainPy-Models/docs/brainpy_handbook/ppt/figs/I_based.pngI_based"/>
-          <p:cNvPicPr>
-            <a:picLocks noChangeAspect="1"/>
-          </p:cNvPicPr>
-          <p:nvPr/>
-        </p:nvPicPr>
-        <p:blipFill>
-          <a:blip r:embed="rId1"/>
-          <a:srcRect/>
-          <a:stretch>
-            <a:fillRect/>
-          </a:stretch>
-        </p:blipFill>
-        <p:spPr>
-          <a:xfrm>
-            <a:off x="0" y="3313583"/>
-            <a:ext cx="10718825" cy="4328160"/>
-          </a:xfrm>
-          <a:prstGeom prst="rect">
-            <a:avLst/>
-          </a:prstGeom>
-        </p:spPr>
-      </p:pic>
-      <p:cxnSp>
-        <p:nvCxnSpPr>
-          <p:cNvPr id="23" name="直接箭头连接符 22"/>
-          <p:cNvCxnSpPr/>
-          <p:nvPr/>
-        </p:nvCxnSpPr>
-        <p:spPr>
-          <a:xfrm>
-            <a:off x="9633459" y="4778375"/>
-            <a:ext cx="648000" cy="0"/>
-          </a:xfrm>
-          <a:prstGeom prst="straightConnector1">
-            <a:avLst/>
-          </a:prstGeom>
-          <a:ln>
-            <a:solidFill>
-              <a:schemeClr val="tx1"/>
-            </a:solidFill>
-            <a:tailEnd type="arrow"/>
-          </a:ln>
-        </p:spPr>
-        <p:style>
-          <a:lnRef idx="1">
-            <a:schemeClr val="accent1"/>
-          </a:lnRef>
-          <a:fillRef idx="0">
-            <a:schemeClr val="accent1"/>
-          </a:fillRef>
-          <a:effectRef idx="0">
-            <a:schemeClr val="accent1"/>
-          </a:effectRef>
-          <a:fontRef idx="minor">
-            <a:schemeClr val="tx1"/>
-          </a:fontRef>
-        </p:style>
-      </p:cxnSp>
-      <p:pic>
-        <p:nvPicPr>
-          <p:cNvPr id="3" name="图片 2" descr="/Users/mac/Documents/github/BrainPy-Models/docs/brainpy_handbook/ppt/figs/g_based.pngg_based"/>
-          <p:cNvPicPr>
-            <a:picLocks noChangeAspect="1"/>
-          </p:cNvPicPr>
-          <p:nvPr/>
-        </p:nvPicPr>
-        <p:blipFill>
-          <a:blip r:embed="rId2"/>
-          <a:srcRect/>
-          <a:stretch>
-            <a:fillRect/>
-          </a:stretch>
-        </p:blipFill>
-        <p:spPr>
-          <a:xfrm>
-            <a:off x="0" y="9754388"/>
-            <a:ext cx="10693112" cy="4940300"/>
-          </a:xfrm>
-          <a:prstGeom prst="rect">
-            <a:avLst/>
-          </a:prstGeom>
-        </p:spPr>
-      </p:pic>
-      <p:sp>
-        <p:nvSpPr>
-          <p:cNvPr id="6" name="文本框 5"/>
-          <p:cNvSpPr txBox="1"/>
-          <p:nvPr/>
-        </p:nvSpPr>
-        <p:spPr>
-          <a:xfrm>
-            <a:off x="10281285" y="4271010"/>
-            <a:ext cx="2993390" cy="1630045"/>
-          </a:xfrm>
-          <a:prstGeom prst="rect">
-            <a:avLst/>
-          </a:prstGeom>
-          <a:noFill/>
-        </p:spPr>
-        <p:txBody>
-          <a:bodyPr wrap="square" rtlCol="0">
-            <a:spAutoFit/>
-          </a:bodyPr>
-          <a:p>
-            <a:r>
-              <a:rPr lang="en-US" altLang="zh-CN" sz="2000"/>
-              <a:t>set delay time before changing synaptic current by using the  register_constant_delay method</a:t>
-            </a:r>
-            <a:endParaRPr lang="en-US" altLang="zh-CN" sz="2000"/>
-          </a:p>
-        </p:txBody>
-      </p:sp>
-      <p:sp>
-        <p:nvSpPr>
-          <p:cNvPr id="14" name="右大括号 13"/>
-          <p:cNvSpPr/>
-          <p:nvPr/>
-        </p:nvSpPr>
-        <p:spPr>
-          <a:xfrm>
-            <a:off x="7536775" y="7009860"/>
-            <a:ext cx="216000" cy="468000"/>
-          </a:xfrm>
-          <a:prstGeom prst="rightBrace">
-            <a:avLst/>
-          </a:prstGeom>
-          <a:ln>
-            <a:solidFill>
-              <a:schemeClr val="tx1"/>
-            </a:solidFill>
-          </a:ln>
-        </p:spPr>
-        <p:style>
-          <a:lnRef idx="1">
-            <a:schemeClr val="accent1"/>
-          </a:lnRef>
-          <a:fillRef idx="0">
-            <a:schemeClr val="accent1"/>
-          </a:fillRef>
-          <a:effectRef idx="0">
-            <a:schemeClr val="accent1"/>
-          </a:effectRef>
-          <a:fontRef idx="minor">
-            <a:schemeClr val="tx1"/>
-          </a:fontRef>
-        </p:style>
-        <p:txBody>
-          <a:bodyPr rtlCol="0" anchor="ctr"/>
-          <a:p>
-            <a:pPr algn="ctr"/>
-            <a:endParaRPr lang="zh-CN" altLang="en-US"/>
-          </a:p>
-        </p:txBody>
-      </p:sp>
-      <p:sp>
-        <p:nvSpPr>
-          <p:cNvPr id="15" name="文本框 14"/>
-          <p:cNvSpPr txBox="1"/>
-          <p:nvPr/>
-        </p:nvSpPr>
-        <p:spPr>
-          <a:xfrm>
-            <a:off x="7848600" y="6893560"/>
-            <a:ext cx="5464175" cy="706755"/>
-          </a:xfrm>
-          <a:prstGeom prst="rect">
-            <a:avLst/>
-          </a:prstGeom>
-          <a:noFill/>
-        </p:spPr>
-        <p:txBody>
-          <a:bodyPr wrap="square" rtlCol="0">
-            <a:spAutoFit/>
-          </a:bodyPr>
-          <a:p>
-            <a:r>
-              <a:rPr lang="en-US" altLang="zh-CN" sz="2000"/>
-              <a:t>use push and pull to set delay before applying synaptic current into postsynatic input.</a:t>
-            </a:r>
-            <a:endParaRPr lang="en-US" altLang="zh-CN" sz="2000"/>
-          </a:p>
-        </p:txBody>
-      </p:sp>
-      <p:cxnSp>
-        <p:nvCxnSpPr>
-          <p:cNvPr id="7" name="直接箭头连接符 6"/>
-          <p:cNvCxnSpPr/>
-          <p:nvPr/>
-        </p:nvCxnSpPr>
-        <p:spPr>
-          <a:xfrm>
-            <a:off x="10755504" y="11558905"/>
-            <a:ext cx="576000" cy="0"/>
-          </a:xfrm>
-          <a:prstGeom prst="straightConnector1">
-            <a:avLst/>
-          </a:prstGeom>
-          <a:ln>
-            <a:solidFill>
-              <a:schemeClr val="tx1"/>
-            </a:solidFill>
-            <a:tailEnd type="arrow"/>
-          </a:ln>
-        </p:spPr>
-        <p:style>
-          <a:lnRef idx="1">
-            <a:schemeClr val="accent1"/>
-          </a:lnRef>
-          <a:fillRef idx="0">
-            <a:schemeClr val="accent1"/>
-          </a:fillRef>
-          <a:effectRef idx="0">
-            <a:schemeClr val="accent1"/>
-          </a:effectRef>
-          <a:fontRef idx="minor">
-            <a:schemeClr val="tx1"/>
-          </a:fontRef>
-        </p:style>
-      </p:cxnSp>
-      <p:sp>
-        <p:nvSpPr>
-          <p:cNvPr id="8" name="文本框 7"/>
-          <p:cNvSpPr txBox="1"/>
-          <p:nvPr/>
-        </p:nvSpPr>
-        <p:spPr>
-          <a:xfrm>
-            <a:off x="11423650" y="11051540"/>
-            <a:ext cx="2294890" cy="1014730"/>
-          </a:xfrm>
-          <a:prstGeom prst="rect">
-            <a:avLst/>
-          </a:prstGeom>
-          <a:noFill/>
-        </p:spPr>
-        <p:txBody>
-          <a:bodyPr wrap="square" rtlCol="0">
-            <a:spAutoFit/>
-          </a:bodyPr>
-          <a:p>
-            <a:r>
-              <a:rPr lang="en-US" altLang="zh-CN" sz="2000"/>
-              <a:t>set delay time before changing the conductance</a:t>
-            </a:r>
-            <a:endParaRPr lang="en-US" altLang="zh-CN" sz="2000"/>
-          </a:p>
-        </p:txBody>
-      </p:sp>
-      <p:cxnSp>
-        <p:nvCxnSpPr>
-          <p:cNvPr id="12" name="直接箭头连接符 11"/>
-          <p:cNvCxnSpPr/>
-          <p:nvPr/>
-        </p:nvCxnSpPr>
-        <p:spPr>
-          <a:xfrm>
-            <a:off x="6690869" y="13542645"/>
-            <a:ext cx="648000" cy="0"/>
-          </a:xfrm>
-          <a:prstGeom prst="straightConnector1">
-            <a:avLst/>
-          </a:prstGeom>
-          <a:ln>
-            <a:solidFill>
-              <a:schemeClr val="tx1"/>
-            </a:solidFill>
-            <a:tailEnd type="arrow"/>
-          </a:ln>
-        </p:spPr>
-        <p:style>
-          <a:lnRef idx="1">
-            <a:schemeClr val="accent1"/>
-          </a:lnRef>
-          <a:fillRef idx="0">
-            <a:schemeClr val="accent1"/>
-          </a:fillRef>
-          <a:effectRef idx="0">
-            <a:schemeClr val="accent1"/>
-          </a:effectRef>
-          <a:fontRef idx="minor">
-            <a:schemeClr val="tx1"/>
-          </a:fontRef>
-        </p:style>
-      </p:cxnSp>
-      <mc:AlternateContent xmlns:mc="http://schemas.openxmlformats.org/markup-compatibility/2006">
-        <mc:Choice xmlns:a14="http://schemas.microsoft.com/office/drawing/2010/main" Requires="a14">
-          <p:sp>
-            <p:nvSpPr>
-              <p:cNvPr id="16" name="文本框 15"/>
-              <p:cNvSpPr txBox="1"/>
-              <p:nvPr/>
-            </p:nvSpPr>
-            <p:spPr>
-              <a:xfrm>
-                <a:off x="7205980" y="13270865"/>
-                <a:ext cx="1144905" cy="454660"/>
-              </a:xfrm>
-              <a:prstGeom prst="rect">
-                <a:avLst/>
-              </a:prstGeom>
-              <a:noFill/>
-            </p:spPr>
-            <p:txBody>
-              <a:bodyPr wrap="square" rtlCol="0" anchor="t">
-                <a:spAutoFit/>
-              </a:bodyPr>
-              <a:p>
-                <a14:m>
-                  <m:oMathPara xmlns:m="http://schemas.openxmlformats.org/officeDocument/2006/math">
-                    <m:oMathParaPr>
-                      <m:jc m:val="centerGroup"/>
-                    </m:oMathParaPr>
-                    <m:oMath xmlns:m="http://schemas.openxmlformats.org/officeDocument/2006/math">
-                      <m:r>
-                        <a:rPr lang="en-US" altLang="zh-CN" sz="2000" i="1" dirty="0">
-                          <a:latin typeface="Cambria Math" charset="0"/>
-                          <a:cs typeface="Cambria Math" charset="0"/>
-                        </a:rPr>
-                        <m:t>𝑔</m:t>
-                      </m:r>
-                      <m:r>
-                        <a:rPr lang="en-US" altLang="zh-CN" sz="2000" i="1" dirty="0">
-                          <a:latin typeface="Cambria Math" charset="0"/>
-                          <a:cs typeface="Cambria Math" charset="0"/>
-                        </a:rPr>
-                        <m:t>=</m:t>
-                      </m:r>
-                      <m:bar>
-                        <m:barPr>
-                          <m:pos m:val="top"/>
-                          <m:ctrlPr>
-                            <a:rPr lang="en-US" altLang="zh-CN" sz="2000" i="1" dirty="0">
-                              <a:latin typeface="Cambria Math" charset="0"/>
-                              <a:cs typeface="Cambria Math" charset="0"/>
-                            </a:rPr>
-                          </m:ctrlPr>
-                        </m:barPr>
-                        <m:e>
-                          <m:r>
-                            <a:rPr lang="en-US" altLang="zh-CN" sz="2000" i="1" dirty="0">
-                              <a:latin typeface="Cambria Math" charset="0"/>
-                              <a:cs typeface="Cambria Math" charset="0"/>
-                            </a:rPr>
-                            <m:t>𝑔</m:t>
-                          </m:r>
-                        </m:e>
-                      </m:bar>
-                      <m:r>
-                        <a:rPr lang="en-US" altLang="zh-CN" sz="2000" i="1" dirty="0">
-                          <a:latin typeface="Cambria Math" charset="0"/>
-                          <a:cs typeface="Cambria Math" charset="0"/>
-                        </a:rPr>
-                        <m:t>𝑠</m:t>
-                      </m:r>
-                    </m:oMath>
-                  </m:oMathPara>
-                </a14:m>
-                <a:endParaRPr lang="zh-CN" altLang="en-US" sz="2000"/>
-              </a:p>
-            </p:txBody>
-          </p:sp>
-        </mc:Choice>
-        <mc:Fallback>
-          <p:sp>
-            <p:nvSpPr>
-              <p:cNvPr id="16" name="文本框 15"/>
-              <p:cNvSpPr txBox="1">
-                <a:spLocks noRot="1" noChangeAspect="1" noMove="1" noResize="1" noEditPoints="1" noAdjustHandles="1" noChangeArrowheads="1" noChangeShapeType="1" noTextEdit="1"/>
-              </p:cNvSpPr>
-              <p:nvPr/>
-            </p:nvSpPr>
-            <p:spPr>
-              <a:xfrm>
-                <a:off x="7205980" y="13270865"/>
-                <a:ext cx="1144905" cy="454660"/>
-              </a:xfrm>
-              <a:prstGeom prst="rect">
-                <a:avLst/>
-              </a:prstGeom>
-              <a:blipFill rotWithShape="1">
-                <a:blip r:embed="rId3"/>
-                <a:stretch>
-                  <a:fillRect/>
-                </a:stretch>
-              </a:blipFill>
-            </p:spPr>
-            <p:txBody>
-              <a:bodyPr/>
-              <a:lstStyle/>
-              <a:p>
-                <a:r>
-                  <a:rPr lang="zh-CN" altLang="en-US">
-                    <a:noFill/>
-                  </a:rPr>
-                  <a:t> </a:t>
-                </a:r>
-              </a:p>
-            </p:txBody>
-          </p:sp>
-        </mc:Fallback>
-      </mc:AlternateContent>
-      <p:cxnSp>
-        <p:nvCxnSpPr>
-          <p:cNvPr id="17" name="直接箭头连接符 16"/>
-          <p:cNvCxnSpPr/>
-          <p:nvPr/>
-        </p:nvCxnSpPr>
-        <p:spPr>
-          <a:xfrm>
-            <a:off x="10726929" y="14032230"/>
-            <a:ext cx="612000" cy="0"/>
-          </a:xfrm>
-          <a:prstGeom prst="straightConnector1">
-            <a:avLst/>
-          </a:prstGeom>
-          <a:ln>
-            <a:solidFill>
-              <a:schemeClr val="tx1"/>
-            </a:solidFill>
-            <a:tailEnd type="arrow"/>
-          </a:ln>
-        </p:spPr>
-        <p:style>
-          <a:lnRef idx="1">
-            <a:schemeClr val="accent1"/>
-          </a:lnRef>
-          <a:fillRef idx="0">
-            <a:schemeClr val="accent1"/>
-          </a:fillRef>
-          <a:effectRef idx="0">
-            <a:schemeClr val="accent1"/>
-          </a:effectRef>
-          <a:fontRef idx="minor">
-            <a:schemeClr val="tx1"/>
-          </a:fontRef>
-        </p:style>
-      </p:cxnSp>
-      <mc:AlternateContent xmlns:mc="http://schemas.openxmlformats.org/markup-compatibility/2006">
-        <mc:Choice xmlns:a14="http://schemas.microsoft.com/office/drawing/2010/main" Requires="a14">
-          <p:sp>
-            <p:nvSpPr>
-              <p:cNvPr id="18" name="文本框 17"/>
-              <p:cNvSpPr txBox="1"/>
-              <p:nvPr/>
-            </p:nvSpPr>
-            <p:spPr>
-              <a:xfrm>
-                <a:off x="10997565" y="13806805"/>
-                <a:ext cx="2274570" cy="451485"/>
-              </a:xfrm>
-              <a:prstGeom prst="rect">
-                <a:avLst/>
-              </a:prstGeom>
-              <a:noFill/>
-            </p:spPr>
-            <p:txBody>
-              <a:bodyPr wrap="square" rtlCol="0" anchor="t">
-                <a:spAutoFit/>
-              </a:bodyPr>
-              <a:p>
-                <a14:m>
-                  <m:oMathPara xmlns:m="http://schemas.openxmlformats.org/officeDocument/2006/math">
-                    <m:oMathParaPr>
-                      <m:jc m:val="centerGroup"/>
-                    </m:oMathParaPr>
-                    <m:oMath xmlns:m="http://schemas.openxmlformats.org/officeDocument/2006/math">
-                      <m:r>
-                        <a:rPr lang="en-US" altLang="zh-CN" sz="2000" i="1" dirty="0">
-                          <a:latin typeface="Cambria Math" charset="0"/>
-                          <a:cs typeface="Cambria Math" charset="0"/>
-                        </a:rPr>
-                        <m:t>𝐼</m:t>
-                      </m:r>
-                      <m:r>
-                        <a:rPr lang="en-US" altLang="zh-CN" sz="2000" i="1" dirty="0">
-                          <a:latin typeface="Cambria Math" charset="0"/>
-                          <a:cs typeface="Cambria Math" charset="0"/>
-                        </a:rPr>
-                        <m:t>=</m:t>
-                      </m:r>
-                      <m:r>
-                        <a:rPr lang="en-US" altLang="zh-CN" sz="2000" i="1" dirty="0">
-                          <a:latin typeface="Cambria Math" charset="0"/>
-                          <a:cs typeface="Cambria Math" charset="0"/>
-                        </a:rPr>
-                        <m:t>𝑔</m:t>
-                      </m:r>
-                      <m:r>
-                        <a:rPr lang="en-US" altLang="zh-CN" sz="2000" i="1" dirty="0">
-                          <a:latin typeface="Cambria Math" charset="0"/>
-                          <a:cs typeface="Cambria Math" charset="0"/>
-                        </a:rPr>
-                        <m:t>(</m:t>
-                      </m:r>
-                      <m:r>
-                        <a:rPr lang="en-US" altLang="zh-CN" sz="2000" i="1" dirty="0">
-                          <a:latin typeface="Cambria Math" charset="0"/>
-                          <a:cs typeface="Cambria Math" charset="0"/>
-                        </a:rPr>
-                        <m:t>𝑉−𝐸</m:t>
-                      </m:r>
-                      <m:r>
-                        <a:rPr lang="en-US" altLang="zh-CN" sz="2000" i="1" dirty="0">
-                          <a:latin typeface="Cambria Math" charset="0"/>
-                          <a:cs typeface="Cambria Math" charset="0"/>
-                        </a:rPr>
-                        <m:t>)</m:t>
-                      </m:r>
-                    </m:oMath>
-                  </m:oMathPara>
-                </a14:m>
-                <a:endParaRPr lang="zh-CN" altLang="en-US" sz="2000"/>
-              </a:p>
-            </p:txBody>
-          </p:sp>
-        </mc:Choice>
-        <mc:Fallback>
-          <p:sp>
-            <p:nvSpPr>
-              <p:cNvPr id="18" name="文本框 17"/>
-              <p:cNvSpPr txBox="1">
-                <a:spLocks noRot="1" noChangeAspect="1" noMove="1" noResize="1" noEditPoints="1" noAdjustHandles="1" noChangeArrowheads="1" noChangeShapeType="1" noTextEdit="1"/>
-              </p:cNvSpPr>
-              <p:nvPr/>
-            </p:nvSpPr>
-            <p:spPr>
-              <a:xfrm>
-                <a:off x="10997565" y="13806805"/>
-                <a:ext cx="2274570" cy="451485"/>
-              </a:xfrm>
-              <a:prstGeom prst="rect">
-                <a:avLst/>
-              </a:prstGeom>
-              <a:blipFill rotWithShape="1">
-                <a:blip r:embed="rId4"/>
-                <a:stretch>
-                  <a:fillRect/>
-                </a:stretch>
-              </a:blipFill>
-            </p:spPr>
-            <p:txBody>
-              <a:bodyPr/>
-              <a:lstStyle/>
-              <a:p>
-                <a:r>
-                  <a:rPr lang="zh-CN" altLang="en-US">
-                    <a:noFill/>
-                  </a:rPr>
-                  <a:t> </a:t>
-                </a:r>
-              </a:p>
-            </p:txBody>
-          </p:sp>
-        </mc:Fallback>
-      </mc:AlternateContent>
-    </p:spTree>
-  </p:cSld>
-  <p:clrMapOvr>
-    <a:masterClrMapping/>
-  </p:clrMapOvr>
-</p:sld>
-</file>
-
-<file path=ppt/slides/slide9.xml><?xml version="1.0" encoding="utf-8"?>
-<p:sld xmlns:a="http://schemas.openxmlformats.org/drawingml/2006/main" xmlns:r="http://schemas.openxmlformats.org/officeDocument/2006/relationships" xmlns:p="http://schemas.openxmlformats.org/presentationml/2006/main">
-  <p:cSld>
-    <p:spTree>
-      <p:nvGrpSpPr>
-        <p:cNvPr id="1" name=""/>
-        <p:cNvGrpSpPr/>
-        <p:nvPr/>
-      </p:nvGrpSpPr>
-      <p:grpSpPr/>
-      <p:sp>
-        <p:nvSpPr>
-          <p:cNvPr id="2" name="标题 1"/>
-          <p:cNvSpPr>
-            <a:spLocks noGrp="1"/>
-          </p:cNvSpPr>
-          <p:nvPr>
-            <p:ph type="title"/>
-          </p:nvPr>
-        </p:nvSpPr>
-        <p:spPr>
-          <a:xfrm>
-            <a:off x="942975" y="528320"/>
-            <a:ext cx="11830050" cy="1216660"/>
-          </a:xfrm>
-        </p:spPr>
-        <p:txBody>
-          <a:bodyPr/>
-          <a:p>
-            <a:pPr algn="ctr"/>
-            <a:r>
-              <a:rPr lang="en-US" altLang="zh-CN" sz="5400">
-                <a:cs typeface="+mj-lt"/>
-              </a:rPr>
-              <a:t>gap</a:t>
-            </a:r>
-            <a:endParaRPr lang="en-US" altLang="zh-CN" sz="5400">
-              <a:cs typeface="+mj-lt"/>
-            </a:endParaRPr>
-          </a:p>
-        </p:txBody>
-      </p:sp>
-      <p:pic>
-        <p:nvPicPr>
-          <p:cNvPr id="5" name="图片 4" descr="/Users/mac/Documents/github/BrainPy-Models/docs/brainpy_handbook/ppt/figs/syns/gap_init2.pnggap_init2"/>
-          <p:cNvPicPr>
-            <a:picLocks noChangeAspect="1"/>
-          </p:cNvPicPr>
-          <p:nvPr/>
-        </p:nvPicPr>
-        <p:blipFill>
-          <a:blip r:embed="rId1"/>
-          <a:srcRect/>
-          <a:stretch>
-            <a:fillRect/>
-          </a:stretch>
-        </p:blipFill>
-        <p:spPr>
-          <a:xfrm>
-            <a:off x="-305" y="2870988"/>
-            <a:ext cx="10679724" cy="6625590"/>
-          </a:xfrm>
-          <a:prstGeom prst="rect">
-            <a:avLst/>
-          </a:prstGeom>
-        </p:spPr>
-      </p:pic>
-      <p:pic>
-        <p:nvPicPr>
-          <p:cNvPr id="4" name="图片 3" descr="/Users/mac/Documents/github/BrainPy-Models/docs/brainpy_handbook/ppt/figs/syns/gap_update.pnggap_update"/>
-          <p:cNvPicPr>
-            <a:picLocks noChangeAspect="1"/>
-          </p:cNvPicPr>
-          <p:nvPr/>
-        </p:nvPicPr>
-        <p:blipFill>
-          <a:blip r:embed="rId2"/>
-          <a:srcRect/>
-          <a:stretch>
-            <a:fillRect/>
-          </a:stretch>
-        </p:blipFill>
-        <p:spPr>
-          <a:xfrm>
-            <a:off x="-305" y="9854083"/>
-            <a:ext cx="10679724" cy="5956300"/>
-          </a:xfrm>
-          <a:prstGeom prst="rect">
-            <a:avLst/>
-          </a:prstGeom>
-        </p:spPr>
-      </p:pic>
-      <p:sp>
-        <p:nvSpPr>
-          <p:cNvPr id="14" name="右大括号 13"/>
-          <p:cNvSpPr/>
-          <p:nvPr/>
-        </p:nvSpPr>
-        <p:spPr>
-          <a:xfrm>
-            <a:off x="10099000" y="11634565"/>
-            <a:ext cx="216000" cy="468000"/>
-          </a:xfrm>
-          <a:prstGeom prst="rightBrace">
-            <a:avLst/>
-          </a:prstGeom>
-          <a:ln>
-            <a:solidFill>
-              <a:schemeClr val="tx1"/>
-            </a:solidFill>
-          </a:ln>
-        </p:spPr>
-        <p:style>
-          <a:lnRef idx="1">
-            <a:schemeClr val="accent1"/>
-          </a:lnRef>
-          <a:fillRef idx="0">
-            <a:schemeClr val="accent1"/>
-          </a:fillRef>
-          <a:effectRef idx="0">
-            <a:schemeClr val="accent1"/>
-          </a:effectRef>
-          <a:fontRef idx="minor">
-            <a:schemeClr val="tx1"/>
-          </a:fontRef>
-        </p:style>
-        <p:txBody>
-          <a:bodyPr rtlCol="0" anchor="ctr"/>
-          <a:p>
-            <a:pPr algn="ctr"/>
-            <a:endParaRPr lang="zh-CN" altLang="en-US"/>
-          </a:p>
-        </p:txBody>
-      </p:sp>
-      <mc:AlternateContent xmlns:mc="http://schemas.openxmlformats.org/markup-compatibility/2006">
-        <mc:Choice xmlns:a14="http://schemas.microsoft.com/office/drawing/2010/main" Requires="a14">
-          <p:sp>
-            <p:nvSpPr>
-              <p:cNvPr id="18" name="文本框 17"/>
-              <p:cNvSpPr txBox="1"/>
-              <p:nvPr/>
-            </p:nvSpPr>
-            <p:spPr>
-              <a:xfrm>
-                <a:off x="10346055" y="11650980"/>
-                <a:ext cx="2840990" cy="451485"/>
-              </a:xfrm>
-              <a:prstGeom prst="rect">
-                <a:avLst/>
-              </a:prstGeom>
-              <a:noFill/>
-            </p:spPr>
-            <p:txBody>
-              <a:bodyPr wrap="square" rtlCol="0" anchor="t">
-                <a:spAutoFit/>
-              </a:bodyPr>
-              <a:p>
-                <a14:m>
-                  <m:oMathPara xmlns:m="http://schemas.openxmlformats.org/officeDocument/2006/math">
-                    <m:oMathParaPr>
-                      <m:jc m:val="centerGroup"/>
-                    </m:oMathParaPr>
-                    <m:oMath xmlns:m="http://schemas.openxmlformats.org/officeDocument/2006/math">
-                      <m:sSub>
-                        <m:sSubPr>
-                          <m:ctrlPr>
-                            <a:rPr lang="en-US" altLang="zh-CN" sz="2000" i="1" dirty="0">
-                              <a:latin typeface="Cambria Math" charset="0"/>
-                              <a:cs typeface="Cambria Math" charset="0"/>
-                            </a:rPr>
-                          </m:ctrlPr>
-                        </m:sSubPr>
-                        <m:e>
-                          <m:r>
-                            <a:rPr lang="en-US" altLang="zh-CN" sz="2000" i="1" dirty="0">
-                              <a:latin typeface="Cambria Math" charset="0"/>
-                              <a:cs typeface="Cambria Math" charset="0"/>
-                            </a:rPr>
-                            <m:t>𝐼</m:t>
-                          </m:r>
-                        </m:e>
-                        <m:sub>
-                          <m:r>
-                            <a:rPr lang="en-US" altLang="zh-CN" sz="2000" i="1" dirty="0">
-                              <a:latin typeface="Cambria Math" charset="0"/>
-                              <a:cs typeface="Cambria Math" charset="0"/>
-                            </a:rPr>
-                            <m:t>𝑝𝑜𝑠𝑡</m:t>
-                          </m:r>
-                        </m:sub>
-                      </m:sSub>
-                      <m:r>
-                        <a:rPr lang="en-US" altLang="zh-CN" sz="2000" i="1" dirty="0">
-                          <a:latin typeface="Cambria Math" charset="0"/>
-                          <a:cs typeface="Cambria Math" charset="0"/>
-                        </a:rPr>
-                        <m:t>=</m:t>
-                      </m:r>
-                      <m:r>
-                        <a:rPr lang="en-US" altLang="zh-CN" sz="2000" i="1" dirty="0">
-                          <a:latin typeface="Cambria Math" charset="0"/>
-                          <a:cs typeface="Cambria Math" charset="0"/>
-                        </a:rPr>
-                        <m:t>𝑤</m:t>
-                      </m:r>
-                      <m:r>
-                        <a:rPr lang="en-US" altLang="zh-CN" sz="2000" i="1" dirty="0">
-                          <a:latin typeface="Cambria Math" charset="0"/>
-                          <a:cs typeface="Cambria Math" charset="0"/>
-                        </a:rPr>
-                        <m:t> </m:t>
-                      </m:r>
-                      <m:r>
-                        <a:rPr lang="en-US" altLang="zh-CN" sz="2000" i="1" dirty="0">
-                          <a:latin typeface="Cambria Math" charset="0"/>
-                          <a:cs typeface="Cambria Math" charset="0"/>
-                        </a:rPr>
-                        <m:t>(</m:t>
-                      </m:r>
-                      <m:sSub>
-                        <m:sSubPr>
-                          <m:ctrlPr>
-                            <a:rPr lang="en-US" altLang="zh-CN" sz="2000" i="1" dirty="0">
-                              <a:latin typeface="Cambria Math" charset="0"/>
-                              <a:cs typeface="Cambria Math" charset="0"/>
-                            </a:rPr>
-                          </m:ctrlPr>
-                        </m:sSubPr>
-                        <m:e>
-                          <m:r>
-                            <a:rPr lang="en-US" altLang="zh-CN" sz="2000" i="1" dirty="0">
-                              <a:latin typeface="Cambria Math" charset="0"/>
-                              <a:cs typeface="Cambria Math" charset="0"/>
-                            </a:rPr>
-                            <m:t>𝑉</m:t>
-                          </m:r>
-                        </m:e>
-                        <m:sub>
-                          <m:r>
-                            <a:rPr lang="en-US" altLang="zh-CN" sz="2000" i="1" dirty="0">
-                              <a:latin typeface="Cambria Math" charset="0"/>
-                              <a:cs typeface="Cambria Math" charset="0"/>
-                            </a:rPr>
-                            <m:t>𝑝𝑟𝑒</m:t>
-                          </m:r>
-                        </m:sub>
-                      </m:sSub>
-                      <m:r>
-                        <a:rPr lang="en-US" altLang="zh-CN" sz="2000" i="1" dirty="0">
-                          <a:latin typeface="Cambria Math" charset="0"/>
-                          <a:cs typeface="Cambria Math" charset="0"/>
-                        </a:rPr>
-                        <m:t>−</m:t>
-                      </m:r>
-                      <m:sSub>
-                        <m:sSubPr>
-                          <m:ctrlPr>
-                            <a:rPr lang="en-US" altLang="zh-CN" sz="2000" i="1" dirty="0">
-                              <a:latin typeface="Cambria Math" charset="0"/>
-                              <a:cs typeface="Cambria Math" charset="0"/>
-                            </a:rPr>
-                          </m:ctrlPr>
-                        </m:sSubPr>
-                        <m:e>
-                          <m:r>
-                            <a:rPr lang="en-US" altLang="zh-CN" sz="2000" i="1" dirty="0">
-                              <a:latin typeface="Cambria Math" charset="0"/>
-                              <a:cs typeface="Cambria Math" charset="0"/>
-                            </a:rPr>
-                            <m:t>𝑉</m:t>
-                          </m:r>
-                        </m:e>
-                        <m:sub>
-                          <m:r>
-                            <a:rPr lang="en-US" altLang="zh-CN" sz="2000" i="1" dirty="0">
-                              <a:latin typeface="Cambria Math" charset="0"/>
-                              <a:cs typeface="Cambria Math" charset="0"/>
-                            </a:rPr>
-                            <m:t>𝑝𝑜𝑠𝑡</m:t>
-                          </m:r>
-                        </m:sub>
-                      </m:sSub>
-                      <m:r>
-                        <a:rPr lang="en-US" altLang="zh-CN" sz="2000" i="1" dirty="0">
-                          <a:latin typeface="Cambria Math" charset="0"/>
-                          <a:cs typeface="Cambria Math" charset="0"/>
-                        </a:rPr>
-                        <m:t>)</m:t>
-                      </m:r>
-                    </m:oMath>
-                  </m:oMathPara>
-                </a14:m>
-                <a:endParaRPr lang="zh-CN" altLang="en-US" sz="2000"/>
-              </a:p>
-            </p:txBody>
-          </p:sp>
-        </mc:Choice>
-        <mc:Fallback>
-          <p:sp>
-            <p:nvSpPr>
-              <p:cNvPr id="18" name="文本框 17"/>
-              <p:cNvSpPr txBox="1">
-                <a:spLocks noRot="1" noChangeAspect="1" noMove="1" noResize="1" noEditPoints="1" noAdjustHandles="1" noChangeArrowheads="1" noChangeShapeType="1" noTextEdit="1"/>
-              </p:cNvSpPr>
-              <p:nvPr/>
-            </p:nvSpPr>
-            <p:spPr>
-              <a:xfrm>
-                <a:off x="10346055" y="11650980"/>
-                <a:ext cx="2840990" cy="451485"/>
-              </a:xfrm>
-              <a:prstGeom prst="rect">
-                <a:avLst/>
-              </a:prstGeom>
-              <a:blipFill rotWithShape="1">
-                <a:blip r:embed="rId3"/>
-                <a:stretch>
-                  <a:fillRect/>
-                </a:stretch>
-              </a:blipFill>
-            </p:spPr>
-            <p:txBody>
-              <a:bodyPr/>
-              <a:lstStyle/>
-              <a:p>
-                <a:r>
-                  <a:rPr lang="zh-CN" altLang="en-US">
-                    <a:noFill/>
-                  </a:rPr>
-                  <a:t> </a:t>
-                </a:r>
-              </a:p>
-            </p:txBody>
-          </p:sp>
-        </mc:Fallback>
-      </mc:AlternateContent>
     </p:spTree>
   </p:cSld>
   <p:clrMapOvr>
